--- a/discussion.pptx
+++ b/discussion.pptx
@@ -34,7 +34,7 @@
     <p:sldId id="260" r:id="rId25"/>
     <p:sldId id="261" r:id="rId26"/>
     <p:sldId id="324" r:id="rId27"/>
-    <p:sldId id="262" r:id="rId28"/>
+    <p:sldId id="329" r:id="rId28"/>
     <p:sldId id="325" r:id="rId29"/>
     <p:sldId id="326" r:id="rId30"/>
     <p:sldId id="327" r:id="rId31"/>
@@ -228,7 +228,7 @@
           <a:p>
             <a:fld id="{C78066DA-44A7-489A-A2A9-BB601C82BBA7}" type="datetimeFigureOut">
               <a:rPr lang="zh-CN" altLang="en-US" smtClean="0"/>
-              <a:t>2022/10/9</a:t>
+              <a:t>2022/10/12</a:t>
             </a:fld>
             <a:endParaRPr lang="zh-CN" altLang="en-US"/>
           </a:p>
@@ -642,7 +642,7 @@
           <a:p>
             <a:fld id="{576AEA4E-DEFB-4B0D-A2D8-8DACDE2ABBD4}" type="datetimeFigureOut">
               <a:rPr lang="zh-CN" altLang="en-US" smtClean="0"/>
-              <a:t>2022/10/9</a:t>
+              <a:t>2022/10/12</a:t>
             </a:fld>
             <a:endParaRPr lang="zh-CN" altLang="en-US"/>
           </a:p>
@@ -840,7 +840,7 @@
           <a:p>
             <a:fld id="{576AEA4E-DEFB-4B0D-A2D8-8DACDE2ABBD4}" type="datetimeFigureOut">
               <a:rPr lang="zh-CN" altLang="en-US" smtClean="0"/>
-              <a:t>2022/10/9</a:t>
+              <a:t>2022/10/12</a:t>
             </a:fld>
             <a:endParaRPr lang="zh-CN" altLang="en-US"/>
           </a:p>
@@ -1048,7 +1048,7 @@
           <a:p>
             <a:fld id="{576AEA4E-DEFB-4B0D-A2D8-8DACDE2ABBD4}" type="datetimeFigureOut">
               <a:rPr lang="zh-CN" altLang="en-US" smtClean="0"/>
-              <a:t>2022/10/9</a:t>
+              <a:t>2022/10/12</a:t>
             </a:fld>
             <a:endParaRPr lang="zh-CN" altLang="en-US"/>
           </a:p>
@@ -1246,7 +1246,7 @@
           <a:p>
             <a:fld id="{576AEA4E-DEFB-4B0D-A2D8-8DACDE2ABBD4}" type="datetimeFigureOut">
               <a:rPr lang="zh-CN" altLang="en-US" smtClean="0"/>
-              <a:t>2022/10/9</a:t>
+              <a:t>2022/10/12</a:t>
             </a:fld>
             <a:endParaRPr lang="zh-CN" altLang="en-US"/>
           </a:p>
@@ -1521,7 +1521,7 @@
           <a:p>
             <a:fld id="{576AEA4E-DEFB-4B0D-A2D8-8DACDE2ABBD4}" type="datetimeFigureOut">
               <a:rPr lang="zh-CN" altLang="en-US" smtClean="0"/>
-              <a:t>2022/10/9</a:t>
+              <a:t>2022/10/12</a:t>
             </a:fld>
             <a:endParaRPr lang="zh-CN" altLang="en-US"/>
           </a:p>
@@ -1786,7 +1786,7 @@
           <a:p>
             <a:fld id="{576AEA4E-DEFB-4B0D-A2D8-8DACDE2ABBD4}" type="datetimeFigureOut">
               <a:rPr lang="zh-CN" altLang="en-US" smtClean="0"/>
-              <a:t>2022/10/9</a:t>
+              <a:t>2022/10/12</a:t>
             </a:fld>
             <a:endParaRPr lang="zh-CN" altLang="en-US"/>
           </a:p>
@@ -2198,7 +2198,7 @@
           <a:p>
             <a:fld id="{576AEA4E-DEFB-4B0D-A2D8-8DACDE2ABBD4}" type="datetimeFigureOut">
               <a:rPr lang="zh-CN" altLang="en-US" smtClean="0"/>
-              <a:t>2022/10/9</a:t>
+              <a:t>2022/10/12</a:t>
             </a:fld>
             <a:endParaRPr lang="zh-CN" altLang="en-US"/>
           </a:p>
@@ -2339,7 +2339,7 @@
           <a:p>
             <a:fld id="{576AEA4E-DEFB-4B0D-A2D8-8DACDE2ABBD4}" type="datetimeFigureOut">
               <a:rPr lang="zh-CN" altLang="en-US" smtClean="0"/>
-              <a:t>2022/10/9</a:t>
+              <a:t>2022/10/12</a:t>
             </a:fld>
             <a:endParaRPr lang="zh-CN" altLang="en-US"/>
           </a:p>
@@ -2452,7 +2452,7 @@
           <a:p>
             <a:fld id="{576AEA4E-DEFB-4B0D-A2D8-8DACDE2ABBD4}" type="datetimeFigureOut">
               <a:rPr lang="zh-CN" altLang="en-US" smtClean="0"/>
-              <a:t>2022/10/9</a:t>
+              <a:t>2022/10/12</a:t>
             </a:fld>
             <a:endParaRPr lang="zh-CN" altLang="en-US"/>
           </a:p>
@@ -2763,7 +2763,7 @@
           <a:p>
             <a:fld id="{576AEA4E-DEFB-4B0D-A2D8-8DACDE2ABBD4}" type="datetimeFigureOut">
               <a:rPr lang="zh-CN" altLang="en-US" smtClean="0"/>
-              <a:t>2022/10/9</a:t>
+              <a:t>2022/10/12</a:t>
             </a:fld>
             <a:endParaRPr lang="zh-CN" altLang="en-US"/>
           </a:p>
@@ -3051,7 +3051,7 @@
           <a:p>
             <a:fld id="{576AEA4E-DEFB-4B0D-A2D8-8DACDE2ABBD4}" type="datetimeFigureOut">
               <a:rPr lang="zh-CN" altLang="en-US" smtClean="0"/>
-              <a:t>2022/10/9</a:t>
+              <a:t>2022/10/12</a:t>
             </a:fld>
             <a:endParaRPr lang="zh-CN" altLang="en-US"/>
           </a:p>
@@ -3292,7 +3292,7 @@
           <a:p>
             <a:fld id="{576AEA4E-DEFB-4B0D-A2D8-8DACDE2ABBD4}" type="datetimeFigureOut">
               <a:rPr lang="zh-CN" altLang="en-US" smtClean="0"/>
-              <a:t>2022/10/9</a:t>
+              <a:t>2022/10/12</a:t>
             </a:fld>
             <a:endParaRPr lang="zh-CN" altLang="en-US"/>
           </a:p>
@@ -4287,7 +4287,11 @@
           <a:p>
             <a:r>
               <a:rPr lang="en-US" altLang="zh-CN" dirty="0"/>
-              <a:t>Whole Genome Sequencing</a:t>
+              <a:t>Whole </a:t>
+            </a:r>
+            <a:r>
+              <a:rPr lang="en-US" altLang="zh-CN"/>
+              <a:t>Genome Sequencing</a:t>
             </a:r>
             <a:endParaRPr lang="zh-CN" altLang="en-US" dirty="0"/>
           </a:p>
@@ -11023,6 +11027,62 @@
           </a:p>
         </p:txBody>
       </p:sp>
+      <p:sp>
+        <p:nvSpPr>
+          <p:cNvPr id="2" name="矩形 1">
+            <a:extLst>
+              <a:ext uri="{FF2B5EF4-FFF2-40B4-BE49-F238E27FC236}">
+                <a16:creationId xmlns:a16="http://schemas.microsoft.com/office/drawing/2014/main" id="{95E94F8F-79C6-4636-955D-CC308B2A4555}"/>
+              </a:ext>
+            </a:extLst>
+          </p:cNvPr>
+          <p:cNvSpPr/>
+          <p:nvPr/>
+        </p:nvSpPr>
+        <p:spPr>
+          <a:xfrm>
+            <a:off x="971762" y="6158753"/>
+            <a:ext cx="1323203" cy="550816"/>
+          </a:xfrm>
+          <a:prstGeom prst="rect">
+            <a:avLst/>
+          </a:prstGeom>
+          <a:solidFill>
+            <a:schemeClr val="accent2">
+              <a:lumMod val="40000"/>
+              <a:lumOff val="60000"/>
+              <a:alpha val="37000"/>
+            </a:schemeClr>
+          </a:solidFill>
+          <a:ln>
+            <a:noFill/>
+          </a:ln>
+        </p:spPr>
+        <p:style>
+          <a:lnRef idx="2">
+            <a:schemeClr val="accent1">
+              <a:shade val="50000"/>
+            </a:schemeClr>
+          </a:lnRef>
+          <a:fillRef idx="1">
+            <a:schemeClr val="accent1"/>
+          </a:fillRef>
+          <a:effectRef idx="0">
+            <a:schemeClr val="accent1"/>
+          </a:effectRef>
+          <a:fontRef idx="minor">
+            <a:schemeClr val="lt1"/>
+          </a:fontRef>
+        </p:style>
+        <p:txBody>
+          <a:bodyPr rtlCol="0" anchor="ctr"/>
+          <a:lstStyle/>
+          <a:p>
+            <a:pPr algn="ctr"/>
+            <a:endParaRPr lang="zh-CN" altLang="en-US" dirty="0"/>
+          </a:p>
+        </p:txBody>
+      </p:sp>
     </p:spTree>
     <p:extLst>
       <p:ext uri="{BB962C8B-B14F-4D97-AF65-F5344CB8AC3E}">
@@ -11349,7 +11409,7 @@
           <p:cNvPr id="6" name="图片 5">
             <a:extLst>
               <a:ext uri="{FF2B5EF4-FFF2-40B4-BE49-F238E27FC236}">
-                <a16:creationId xmlns:a16="http://schemas.microsoft.com/office/drawing/2014/main" id="{4E8E0091-B03B-1092-F8CC-593DE826F1F6}"/>
+                <a16:creationId xmlns:a16="http://schemas.microsoft.com/office/drawing/2014/main" id="{D3074CD4-B7B1-43C9-9781-D4519C4EEC00}"/>
               </a:ext>
             </a:extLst>
           </p:cNvPr>
@@ -11359,15 +11419,21 @@
           <p:nvPr/>
         </p:nvPicPr>
         <p:blipFill>
-          <a:blip r:embed="rId2"/>
+          <a:blip r:embed="rId2">
+            <a:extLst>
+              <a:ext uri="{28A0092B-C50C-407E-A947-70E740481C1C}">
+                <a14:useLocalDpi xmlns:a14="http://schemas.microsoft.com/office/drawing/2010/main" val="0"/>
+              </a:ext>
+            </a:extLst>
+          </a:blip>
           <a:stretch>
             <a:fillRect/>
           </a:stretch>
         </p:blipFill>
         <p:spPr>
           <a:xfrm>
-            <a:off x="0" y="298966"/>
-            <a:ext cx="12192000" cy="6473228"/>
+            <a:off x="0" y="93595"/>
+            <a:ext cx="12192000" cy="6670809"/>
           </a:xfrm>
           <a:prstGeom prst="rect">
             <a:avLst/>
@@ -11376,10 +11442,10 @@
       </p:pic>
       <p:sp>
         <p:nvSpPr>
-          <p:cNvPr id="7" name="文本框 6">
+          <p:cNvPr id="4" name="文本框 3">
             <a:extLst>
               <a:ext uri="{FF2B5EF4-FFF2-40B4-BE49-F238E27FC236}">
-                <a16:creationId xmlns:a16="http://schemas.microsoft.com/office/drawing/2014/main" id="{EC818E1A-8B62-08AF-E5C0-67E2CB788118}"/>
+                <a16:creationId xmlns:a16="http://schemas.microsoft.com/office/drawing/2014/main" id="{09371414-D948-4E31-93B8-94D181BAC531}"/>
               </a:ext>
             </a:extLst>
           </p:cNvPr>
@@ -11388,8 +11454,8 @@
         </p:nvSpPr>
         <p:spPr>
           <a:xfrm>
-            <a:off x="514350" y="114300"/>
-            <a:ext cx="1428596" cy="369332"/>
+            <a:off x="286870" y="161365"/>
+            <a:ext cx="9232014" cy="369332"/>
           </a:xfrm>
           <a:prstGeom prst="rect">
             <a:avLst/>
@@ -11404,16 +11470,478 @@
           <a:p>
             <a:r>
               <a:rPr lang="en-US" altLang="zh-CN" dirty="0"/>
-              <a:t>C&gt;U or G&gt;A</a:t>
+              <a:t>Take codon usage, amino acid count, and EMS-induced codon change into consideration</a:t>
             </a:r>
             <a:endParaRPr lang="zh-CN" altLang="en-US" dirty="0"/>
           </a:p>
         </p:txBody>
       </p:sp>
+      <p:sp>
+        <p:nvSpPr>
+          <p:cNvPr id="8" name="文本框 7">
+            <a:extLst>
+              <a:ext uri="{FF2B5EF4-FFF2-40B4-BE49-F238E27FC236}">
+                <a16:creationId xmlns:a16="http://schemas.microsoft.com/office/drawing/2014/main" id="{D75F5C4D-DF2C-4C79-AC3C-6ACEF3629C53}"/>
+              </a:ext>
+            </a:extLst>
+          </p:cNvPr>
+          <p:cNvSpPr txBox="1"/>
+          <p:nvPr/>
+        </p:nvSpPr>
+        <p:spPr>
+          <a:xfrm>
+            <a:off x="1541929" y="530697"/>
+            <a:ext cx="312906" cy="369332"/>
+          </a:xfrm>
+          <a:prstGeom prst="rect">
+            <a:avLst/>
+          </a:prstGeom>
+          <a:noFill/>
+        </p:spPr>
+        <p:txBody>
+          <a:bodyPr wrap="none" rtlCol="0">
+            <a:spAutoFit/>
+          </a:bodyPr>
+          <a:lstStyle/>
+          <a:p>
+            <a:r>
+              <a:rPr lang="en-US" altLang="zh-CN" b="1" dirty="0"/>
+              <a:t>1</a:t>
+            </a:r>
+            <a:endParaRPr lang="zh-CN" altLang="en-US" b="1" dirty="0"/>
+          </a:p>
+        </p:txBody>
+      </p:sp>
+      <p:cxnSp>
+        <p:nvCxnSpPr>
+          <p:cNvPr id="10" name="直接箭头连接符 9">
+            <a:extLst>
+              <a:ext uri="{FF2B5EF4-FFF2-40B4-BE49-F238E27FC236}">
+                <a16:creationId xmlns:a16="http://schemas.microsoft.com/office/drawing/2014/main" id="{7D9792E1-F56F-496D-8D1F-30845B7A5D8D}"/>
+              </a:ext>
+            </a:extLst>
+          </p:cNvPr>
+          <p:cNvCxnSpPr>
+            <a:cxnSpLocks/>
+          </p:cNvCxnSpPr>
+          <p:nvPr/>
+        </p:nvCxnSpPr>
+        <p:spPr>
+          <a:xfrm flipH="1">
+            <a:off x="1461247" y="851792"/>
+            <a:ext cx="161365" cy="183777"/>
+          </a:xfrm>
+          <a:prstGeom prst="straightConnector1">
+            <a:avLst/>
+          </a:prstGeom>
+          <a:ln>
+            <a:tailEnd type="triangle"/>
+          </a:ln>
+        </p:spPr>
+        <p:style>
+          <a:lnRef idx="1">
+            <a:schemeClr val="accent1"/>
+          </a:lnRef>
+          <a:fillRef idx="0">
+            <a:schemeClr val="accent1"/>
+          </a:fillRef>
+          <a:effectRef idx="0">
+            <a:schemeClr val="accent1"/>
+          </a:effectRef>
+          <a:fontRef idx="minor">
+            <a:schemeClr val="tx1"/>
+          </a:fontRef>
+        </p:style>
+      </p:cxnSp>
+      <p:sp>
+        <p:nvSpPr>
+          <p:cNvPr id="12" name="文本框 11">
+            <a:extLst>
+              <a:ext uri="{FF2B5EF4-FFF2-40B4-BE49-F238E27FC236}">
+                <a16:creationId xmlns:a16="http://schemas.microsoft.com/office/drawing/2014/main" id="{39B0734B-7542-407E-8CD3-44D4649ACC5A}"/>
+              </a:ext>
+            </a:extLst>
+          </p:cNvPr>
+          <p:cNvSpPr txBox="1"/>
+          <p:nvPr/>
+        </p:nvSpPr>
+        <p:spPr>
+          <a:xfrm>
+            <a:off x="3855611" y="3244334"/>
+            <a:ext cx="312977" cy="369332"/>
+          </a:xfrm>
+          <a:prstGeom prst="rect">
+            <a:avLst/>
+          </a:prstGeom>
+          <a:noFill/>
+        </p:spPr>
+        <p:txBody>
+          <a:bodyPr wrap="square" rtlCol="0">
+            <a:spAutoFit/>
+          </a:bodyPr>
+          <a:lstStyle/>
+          <a:p>
+            <a:r>
+              <a:rPr lang="en-US" altLang="zh-CN" b="1" dirty="0"/>
+              <a:t>2</a:t>
+            </a:r>
+            <a:endParaRPr lang="zh-CN" altLang="en-US" b="1" dirty="0"/>
+          </a:p>
+        </p:txBody>
+      </p:sp>
+      <p:sp>
+        <p:nvSpPr>
+          <p:cNvPr id="13" name="文本框 12">
+            <a:extLst>
+              <a:ext uri="{FF2B5EF4-FFF2-40B4-BE49-F238E27FC236}">
+                <a16:creationId xmlns:a16="http://schemas.microsoft.com/office/drawing/2014/main" id="{D8BB27B1-1035-43DD-A938-682F7FFE729A}"/>
+              </a:ext>
+            </a:extLst>
+          </p:cNvPr>
+          <p:cNvSpPr txBox="1"/>
+          <p:nvPr/>
+        </p:nvSpPr>
+        <p:spPr>
+          <a:xfrm>
+            <a:off x="4250057" y="3228912"/>
+            <a:ext cx="312977" cy="369332"/>
+          </a:xfrm>
+          <a:prstGeom prst="rect">
+            <a:avLst/>
+          </a:prstGeom>
+          <a:noFill/>
+        </p:spPr>
+        <p:txBody>
+          <a:bodyPr wrap="square" rtlCol="0">
+            <a:spAutoFit/>
+          </a:bodyPr>
+          <a:lstStyle/>
+          <a:p>
+            <a:r>
+              <a:rPr lang="en-US" altLang="zh-CN" b="1" dirty="0"/>
+              <a:t>3</a:t>
+            </a:r>
+            <a:endParaRPr lang="zh-CN" altLang="en-US" b="1" dirty="0"/>
+          </a:p>
+        </p:txBody>
+      </p:sp>
+      <p:cxnSp>
+        <p:nvCxnSpPr>
+          <p:cNvPr id="15" name="直接箭头连接符 14">
+            <a:extLst>
+              <a:ext uri="{FF2B5EF4-FFF2-40B4-BE49-F238E27FC236}">
+                <a16:creationId xmlns:a16="http://schemas.microsoft.com/office/drawing/2014/main" id="{BEA59637-7B23-483B-B2EE-C9FA8D7E6ABC}"/>
+              </a:ext>
+            </a:extLst>
+          </p:cNvPr>
+          <p:cNvCxnSpPr>
+            <a:stCxn id="12" idx="2"/>
+          </p:cNvCxnSpPr>
+          <p:nvPr/>
+        </p:nvCxnSpPr>
+        <p:spPr>
+          <a:xfrm>
+            <a:off x="4012100" y="3613666"/>
+            <a:ext cx="84771" cy="142546"/>
+          </a:xfrm>
+          <a:prstGeom prst="straightConnector1">
+            <a:avLst/>
+          </a:prstGeom>
+          <a:ln>
+            <a:tailEnd type="triangle"/>
+          </a:ln>
+        </p:spPr>
+        <p:style>
+          <a:lnRef idx="1">
+            <a:schemeClr val="accent1"/>
+          </a:lnRef>
+          <a:fillRef idx="0">
+            <a:schemeClr val="accent1"/>
+          </a:fillRef>
+          <a:effectRef idx="0">
+            <a:schemeClr val="accent1"/>
+          </a:effectRef>
+          <a:fontRef idx="minor">
+            <a:schemeClr val="tx1"/>
+          </a:fontRef>
+        </p:style>
+      </p:cxnSp>
+      <p:cxnSp>
+        <p:nvCxnSpPr>
+          <p:cNvPr id="17" name="直接箭头连接符 16">
+            <a:extLst>
+              <a:ext uri="{FF2B5EF4-FFF2-40B4-BE49-F238E27FC236}">
+                <a16:creationId xmlns:a16="http://schemas.microsoft.com/office/drawing/2014/main" id="{1C14BFDA-714E-44D8-AD26-E7B8C5B35C30}"/>
+              </a:ext>
+            </a:extLst>
+          </p:cNvPr>
+          <p:cNvCxnSpPr>
+            <a:stCxn id="13" idx="2"/>
+          </p:cNvCxnSpPr>
+          <p:nvPr/>
+        </p:nvCxnSpPr>
+        <p:spPr>
+          <a:xfrm flipH="1">
+            <a:off x="4250057" y="3598244"/>
+            <a:ext cx="156489" cy="157968"/>
+          </a:xfrm>
+          <a:prstGeom prst="straightConnector1">
+            <a:avLst/>
+          </a:prstGeom>
+          <a:ln>
+            <a:tailEnd type="triangle"/>
+          </a:ln>
+        </p:spPr>
+        <p:style>
+          <a:lnRef idx="1">
+            <a:schemeClr val="accent1"/>
+          </a:lnRef>
+          <a:fillRef idx="0">
+            <a:schemeClr val="accent1"/>
+          </a:fillRef>
+          <a:effectRef idx="0">
+            <a:schemeClr val="accent1"/>
+          </a:effectRef>
+          <a:fontRef idx="minor">
+            <a:schemeClr val="tx1"/>
+          </a:fontRef>
+        </p:style>
+      </p:cxnSp>
+      <p:sp>
+        <p:nvSpPr>
+          <p:cNvPr id="18" name="文本框 17">
+            <a:extLst>
+              <a:ext uri="{FF2B5EF4-FFF2-40B4-BE49-F238E27FC236}">
+                <a16:creationId xmlns:a16="http://schemas.microsoft.com/office/drawing/2014/main" id="{3869873B-CD83-4769-8C9E-56DF3A132517}"/>
+              </a:ext>
+            </a:extLst>
+          </p:cNvPr>
+          <p:cNvSpPr txBox="1"/>
+          <p:nvPr/>
+        </p:nvSpPr>
+        <p:spPr>
+          <a:xfrm>
+            <a:off x="5611906" y="3613666"/>
+            <a:ext cx="312906" cy="369332"/>
+          </a:xfrm>
+          <a:prstGeom prst="rect">
+            <a:avLst/>
+          </a:prstGeom>
+          <a:noFill/>
+        </p:spPr>
+        <p:txBody>
+          <a:bodyPr wrap="none" rtlCol="0">
+            <a:spAutoFit/>
+          </a:bodyPr>
+          <a:lstStyle/>
+          <a:p>
+            <a:r>
+              <a:rPr lang="en-US" altLang="zh-CN" b="1" dirty="0"/>
+              <a:t>4</a:t>
+            </a:r>
+            <a:endParaRPr lang="zh-CN" altLang="en-US" b="1" dirty="0"/>
+          </a:p>
+        </p:txBody>
+      </p:sp>
+      <p:cxnSp>
+        <p:nvCxnSpPr>
+          <p:cNvPr id="20" name="直接箭头连接符 19">
+            <a:extLst>
+              <a:ext uri="{FF2B5EF4-FFF2-40B4-BE49-F238E27FC236}">
+                <a16:creationId xmlns:a16="http://schemas.microsoft.com/office/drawing/2014/main" id="{B1FB26C2-89C2-4E36-A8E1-578371D74D92}"/>
+              </a:ext>
+            </a:extLst>
+          </p:cNvPr>
+          <p:cNvCxnSpPr>
+            <a:cxnSpLocks/>
+            <a:stCxn id="18" idx="2"/>
+          </p:cNvCxnSpPr>
+          <p:nvPr/>
+        </p:nvCxnSpPr>
+        <p:spPr>
+          <a:xfrm flipH="1">
+            <a:off x="5549153" y="3982998"/>
+            <a:ext cx="219206" cy="302131"/>
+          </a:xfrm>
+          <a:prstGeom prst="straightConnector1">
+            <a:avLst/>
+          </a:prstGeom>
+          <a:ln>
+            <a:tailEnd type="triangle"/>
+          </a:ln>
+        </p:spPr>
+        <p:style>
+          <a:lnRef idx="1">
+            <a:schemeClr val="accent1"/>
+          </a:lnRef>
+          <a:fillRef idx="0">
+            <a:schemeClr val="accent1"/>
+          </a:fillRef>
+          <a:effectRef idx="0">
+            <a:schemeClr val="accent1"/>
+          </a:effectRef>
+          <a:fontRef idx="minor">
+            <a:schemeClr val="tx1"/>
+          </a:fontRef>
+        </p:style>
+      </p:cxnSp>
+      <p:sp>
+        <p:nvSpPr>
+          <p:cNvPr id="23" name="文本框 22">
+            <a:extLst>
+              <a:ext uri="{FF2B5EF4-FFF2-40B4-BE49-F238E27FC236}">
+                <a16:creationId xmlns:a16="http://schemas.microsoft.com/office/drawing/2014/main" id="{21B2529C-CAD5-4EF6-B945-15D9F02DEED8}"/>
+              </a:ext>
+            </a:extLst>
+          </p:cNvPr>
+          <p:cNvSpPr txBox="1"/>
+          <p:nvPr/>
+        </p:nvSpPr>
+        <p:spPr>
+          <a:xfrm>
+            <a:off x="1918447" y="1028758"/>
+            <a:ext cx="312906" cy="369332"/>
+          </a:xfrm>
+          <a:prstGeom prst="rect">
+            <a:avLst/>
+          </a:prstGeom>
+          <a:noFill/>
+        </p:spPr>
+        <p:txBody>
+          <a:bodyPr wrap="square" rtlCol="0">
+            <a:spAutoFit/>
+          </a:bodyPr>
+          <a:lstStyle/>
+          <a:p>
+            <a:r>
+              <a:rPr lang="en-US" altLang="zh-CN" b="1" dirty="0"/>
+              <a:t>5</a:t>
+            </a:r>
+            <a:endParaRPr lang="zh-CN" altLang="en-US" b="1" dirty="0"/>
+          </a:p>
+        </p:txBody>
+      </p:sp>
+      <p:cxnSp>
+        <p:nvCxnSpPr>
+          <p:cNvPr id="25" name="直接箭头连接符 24">
+            <a:extLst>
+              <a:ext uri="{FF2B5EF4-FFF2-40B4-BE49-F238E27FC236}">
+                <a16:creationId xmlns:a16="http://schemas.microsoft.com/office/drawing/2014/main" id="{9023568F-ABBC-4F82-B373-2A72A4B48124}"/>
+              </a:ext>
+            </a:extLst>
+          </p:cNvPr>
+          <p:cNvCxnSpPr>
+            <a:cxnSpLocks/>
+            <a:stCxn id="23" idx="2"/>
+          </p:cNvCxnSpPr>
+          <p:nvPr/>
+        </p:nvCxnSpPr>
+        <p:spPr>
+          <a:xfrm flipH="1">
+            <a:off x="1918448" y="1398090"/>
+            <a:ext cx="156452" cy="198032"/>
+          </a:xfrm>
+          <a:prstGeom prst="straightConnector1">
+            <a:avLst/>
+          </a:prstGeom>
+          <a:ln>
+            <a:tailEnd type="triangle"/>
+          </a:ln>
+        </p:spPr>
+        <p:style>
+          <a:lnRef idx="1">
+            <a:schemeClr val="accent1"/>
+          </a:lnRef>
+          <a:fillRef idx="0">
+            <a:schemeClr val="accent1"/>
+          </a:fillRef>
+          <a:effectRef idx="0">
+            <a:schemeClr val="accent1"/>
+          </a:effectRef>
+          <a:fontRef idx="minor">
+            <a:schemeClr val="tx1"/>
+          </a:fontRef>
+        </p:style>
+      </p:cxnSp>
+      <p:sp>
+        <p:nvSpPr>
+          <p:cNvPr id="28" name="文本框 27">
+            <a:extLst>
+              <a:ext uri="{FF2B5EF4-FFF2-40B4-BE49-F238E27FC236}">
+                <a16:creationId xmlns:a16="http://schemas.microsoft.com/office/drawing/2014/main" id="{2295CC4E-2F11-4CC8-A97C-CFE80921342A}"/>
+              </a:ext>
+            </a:extLst>
+          </p:cNvPr>
+          <p:cNvSpPr txBox="1"/>
+          <p:nvPr/>
+        </p:nvSpPr>
+        <p:spPr>
+          <a:xfrm>
+            <a:off x="2554941" y="2562127"/>
+            <a:ext cx="312906" cy="369332"/>
+          </a:xfrm>
+          <a:prstGeom prst="rect">
+            <a:avLst/>
+          </a:prstGeom>
+          <a:noFill/>
+        </p:spPr>
+        <p:txBody>
+          <a:bodyPr wrap="none" rtlCol="0">
+            <a:spAutoFit/>
+          </a:bodyPr>
+          <a:lstStyle/>
+          <a:p>
+            <a:r>
+              <a:rPr lang="en-US" altLang="zh-CN" b="1" dirty="0"/>
+              <a:t>6</a:t>
+            </a:r>
+            <a:endParaRPr lang="zh-CN" altLang="en-US" b="1" dirty="0"/>
+          </a:p>
+        </p:txBody>
+      </p:sp>
+      <p:cxnSp>
+        <p:nvCxnSpPr>
+          <p:cNvPr id="30" name="直接箭头连接符 29">
+            <a:extLst>
+              <a:ext uri="{FF2B5EF4-FFF2-40B4-BE49-F238E27FC236}">
+                <a16:creationId xmlns:a16="http://schemas.microsoft.com/office/drawing/2014/main" id="{A3938B18-D729-43FF-A08E-E8B1E2BB2E9A}"/>
+              </a:ext>
+            </a:extLst>
+          </p:cNvPr>
+          <p:cNvCxnSpPr/>
+          <p:nvPr/>
+        </p:nvCxnSpPr>
+        <p:spPr>
+          <a:xfrm flipH="1">
+            <a:off x="2554941" y="2931459"/>
+            <a:ext cx="89647" cy="224117"/>
+          </a:xfrm>
+          <a:prstGeom prst="straightConnector1">
+            <a:avLst/>
+          </a:prstGeom>
+          <a:ln>
+            <a:tailEnd type="triangle"/>
+          </a:ln>
+        </p:spPr>
+        <p:style>
+          <a:lnRef idx="1">
+            <a:schemeClr val="accent1"/>
+          </a:lnRef>
+          <a:fillRef idx="0">
+            <a:schemeClr val="accent1"/>
+          </a:fillRef>
+          <a:effectRef idx="0">
+            <a:schemeClr val="accent1"/>
+          </a:effectRef>
+          <a:fontRef idx="minor">
+            <a:schemeClr val="tx1"/>
+          </a:fontRef>
+        </p:style>
+      </p:cxnSp>
     </p:spTree>
     <p:extLst>
       <p:ext uri="{BB962C8B-B14F-4D97-AF65-F5344CB8AC3E}">
-        <p14:creationId xmlns:p14="http://schemas.microsoft.com/office/powerpoint/2010/main" val="3804484102"/>
+        <p14:creationId xmlns:p14="http://schemas.microsoft.com/office/powerpoint/2010/main" val="2404166568"/>
       </p:ext>
     </p:extLst>
   </p:cSld>

--- a/discussion.pptx
+++ b/discussion.pptx
@@ -5,7 +5,7 @@
     <p:sldMasterId id="2147483648" r:id="rId1"/>
   </p:sldMasterIdLst>
   <p:notesMasterIdLst>
-    <p:notesMasterId r:id="rId34"/>
+    <p:notesMasterId r:id="rId38"/>
   </p:notesMasterIdLst>
   <p:sldIdLst>
     <p:sldId id="259" r:id="rId2"/>
@@ -40,6 +40,10 @@
     <p:sldId id="327" r:id="rId31"/>
     <p:sldId id="263" r:id="rId32"/>
     <p:sldId id="328" r:id="rId33"/>
+    <p:sldId id="330" r:id="rId34"/>
+    <p:sldId id="331" r:id="rId35"/>
+    <p:sldId id="332" r:id="rId36"/>
+    <p:sldId id="333" r:id="rId37"/>
   </p:sldIdLst>
   <p:sldSz cx="12192000" cy="6858000"/>
   <p:notesSz cx="6858000" cy="9144000"/>
@@ -228,7 +232,7 @@
           <a:p>
             <a:fld id="{C78066DA-44A7-489A-A2A9-BB601C82BBA7}" type="datetimeFigureOut">
               <a:rPr lang="zh-CN" altLang="en-US" smtClean="0"/>
-              <a:t>2022/10/12</a:t>
+              <a:t>2022/10/13</a:t>
             </a:fld>
             <a:endParaRPr lang="zh-CN" altLang="en-US"/>
           </a:p>
@@ -642,7 +646,7 @@
           <a:p>
             <a:fld id="{576AEA4E-DEFB-4B0D-A2D8-8DACDE2ABBD4}" type="datetimeFigureOut">
               <a:rPr lang="zh-CN" altLang="en-US" smtClean="0"/>
-              <a:t>2022/10/12</a:t>
+              <a:t>2022/10/13</a:t>
             </a:fld>
             <a:endParaRPr lang="zh-CN" altLang="en-US"/>
           </a:p>
@@ -840,7 +844,7 @@
           <a:p>
             <a:fld id="{576AEA4E-DEFB-4B0D-A2D8-8DACDE2ABBD4}" type="datetimeFigureOut">
               <a:rPr lang="zh-CN" altLang="en-US" smtClean="0"/>
-              <a:t>2022/10/12</a:t>
+              <a:t>2022/10/13</a:t>
             </a:fld>
             <a:endParaRPr lang="zh-CN" altLang="en-US"/>
           </a:p>
@@ -1048,7 +1052,7 @@
           <a:p>
             <a:fld id="{576AEA4E-DEFB-4B0D-A2D8-8DACDE2ABBD4}" type="datetimeFigureOut">
               <a:rPr lang="zh-CN" altLang="en-US" smtClean="0"/>
-              <a:t>2022/10/12</a:t>
+              <a:t>2022/10/13</a:t>
             </a:fld>
             <a:endParaRPr lang="zh-CN" altLang="en-US"/>
           </a:p>
@@ -1246,7 +1250,7 @@
           <a:p>
             <a:fld id="{576AEA4E-DEFB-4B0D-A2D8-8DACDE2ABBD4}" type="datetimeFigureOut">
               <a:rPr lang="zh-CN" altLang="en-US" smtClean="0"/>
-              <a:t>2022/10/12</a:t>
+              <a:t>2022/10/13</a:t>
             </a:fld>
             <a:endParaRPr lang="zh-CN" altLang="en-US"/>
           </a:p>
@@ -1521,7 +1525,7 @@
           <a:p>
             <a:fld id="{576AEA4E-DEFB-4B0D-A2D8-8DACDE2ABBD4}" type="datetimeFigureOut">
               <a:rPr lang="zh-CN" altLang="en-US" smtClean="0"/>
-              <a:t>2022/10/12</a:t>
+              <a:t>2022/10/13</a:t>
             </a:fld>
             <a:endParaRPr lang="zh-CN" altLang="en-US"/>
           </a:p>
@@ -1786,7 +1790,7 @@
           <a:p>
             <a:fld id="{576AEA4E-DEFB-4B0D-A2D8-8DACDE2ABBD4}" type="datetimeFigureOut">
               <a:rPr lang="zh-CN" altLang="en-US" smtClean="0"/>
-              <a:t>2022/10/12</a:t>
+              <a:t>2022/10/13</a:t>
             </a:fld>
             <a:endParaRPr lang="zh-CN" altLang="en-US"/>
           </a:p>
@@ -2198,7 +2202,7 @@
           <a:p>
             <a:fld id="{576AEA4E-DEFB-4B0D-A2D8-8DACDE2ABBD4}" type="datetimeFigureOut">
               <a:rPr lang="zh-CN" altLang="en-US" smtClean="0"/>
-              <a:t>2022/10/12</a:t>
+              <a:t>2022/10/13</a:t>
             </a:fld>
             <a:endParaRPr lang="zh-CN" altLang="en-US"/>
           </a:p>
@@ -2339,7 +2343,7 @@
           <a:p>
             <a:fld id="{576AEA4E-DEFB-4B0D-A2D8-8DACDE2ABBD4}" type="datetimeFigureOut">
               <a:rPr lang="zh-CN" altLang="en-US" smtClean="0"/>
-              <a:t>2022/10/12</a:t>
+              <a:t>2022/10/13</a:t>
             </a:fld>
             <a:endParaRPr lang="zh-CN" altLang="en-US"/>
           </a:p>
@@ -2452,7 +2456,7 @@
           <a:p>
             <a:fld id="{576AEA4E-DEFB-4B0D-A2D8-8DACDE2ABBD4}" type="datetimeFigureOut">
               <a:rPr lang="zh-CN" altLang="en-US" smtClean="0"/>
-              <a:t>2022/10/12</a:t>
+              <a:t>2022/10/13</a:t>
             </a:fld>
             <a:endParaRPr lang="zh-CN" altLang="en-US"/>
           </a:p>
@@ -2763,7 +2767,7 @@
           <a:p>
             <a:fld id="{576AEA4E-DEFB-4B0D-A2D8-8DACDE2ABBD4}" type="datetimeFigureOut">
               <a:rPr lang="zh-CN" altLang="en-US" smtClean="0"/>
-              <a:t>2022/10/12</a:t>
+              <a:t>2022/10/13</a:t>
             </a:fld>
             <a:endParaRPr lang="zh-CN" altLang="en-US"/>
           </a:p>
@@ -3051,7 +3055,7 @@
           <a:p>
             <a:fld id="{576AEA4E-DEFB-4B0D-A2D8-8DACDE2ABBD4}" type="datetimeFigureOut">
               <a:rPr lang="zh-CN" altLang="en-US" smtClean="0"/>
-              <a:t>2022/10/12</a:t>
+              <a:t>2022/10/13</a:t>
             </a:fld>
             <a:endParaRPr lang="zh-CN" altLang="en-US"/>
           </a:p>
@@ -3292,7 +3296,7 @@
           <a:p>
             <a:fld id="{576AEA4E-DEFB-4B0D-A2D8-8DACDE2ABBD4}" type="datetimeFigureOut">
               <a:rPr lang="zh-CN" altLang="en-US" smtClean="0"/>
-              <a:t>2022/10/12</a:t>
+              <a:t>2022/10/13</a:t>
             </a:fld>
             <a:endParaRPr lang="zh-CN" altLang="en-US"/>
           </a:p>
@@ -15887,6 +15891,1605 @@
 </p:sld>
 </file>
 
+<file path=ppt/slides/slide33.xml><?xml version="1.0" encoding="utf-8"?>
+<p:sld xmlns:a="http://schemas.openxmlformats.org/drawingml/2006/main" xmlns:r="http://schemas.openxmlformats.org/officeDocument/2006/relationships" xmlns:p="http://schemas.openxmlformats.org/presentationml/2006/main">
+  <p:cSld>
+    <p:spTree>
+      <p:nvGrpSpPr>
+        <p:cNvPr id="1" name=""/>
+        <p:cNvGrpSpPr/>
+        <p:nvPr/>
+      </p:nvGrpSpPr>
+      <p:grpSpPr>
+        <a:xfrm>
+          <a:off x="0" y="0"/>
+          <a:ext cx="0" cy="0"/>
+          <a:chOff x="0" y="0"/>
+          <a:chExt cx="0" cy="0"/>
+        </a:xfrm>
+      </p:grpSpPr>
+      <p:grpSp>
+        <p:nvGrpSpPr>
+          <p:cNvPr id="27" name="组合 26">
+            <a:extLst>
+              <a:ext uri="{FF2B5EF4-FFF2-40B4-BE49-F238E27FC236}">
+                <a16:creationId xmlns:a16="http://schemas.microsoft.com/office/drawing/2014/main" id="{CA124502-7482-30C4-A2E7-F38956D5F1AD}"/>
+              </a:ext>
+            </a:extLst>
+          </p:cNvPr>
+          <p:cNvGrpSpPr/>
+          <p:nvPr/>
+        </p:nvGrpSpPr>
+        <p:grpSpPr>
+          <a:xfrm>
+            <a:off x="979835" y="720641"/>
+            <a:ext cx="9991177" cy="5416718"/>
+            <a:chOff x="662745" y="144529"/>
+            <a:chExt cx="9991177" cy="5416718"/>
+          </a:xfrm>
+        </p:grpSpPr>
+        <p:sp>
+          <p:nvSpPr>
+            <p:cNvPr id="6" name="文本框 5">
+              <a:extLst>
+                <a:ext uri="{FF2B5EF4-FFF2-40B4-BE49-F238E27FC236}">
+                  <a16:creationId xmlns:a16="http://schemas.microsoft.com/office/drawing/2014/main" id="{AAF3E0AA-90E1-CB2D-D84C-E9558D59AE0A}"/>
+                </a:ext>
+              </a:extLst>
+            </p:cNvPr>
+            <p:cNvSpPr txBox="1"/>
+            <p:nvPr/>
+          </p:nvSpPr>
+          <p:spPr>
+            <a:xfrm>
+              <a:off x="1203069" y="144529"/>
+              <a:ext cx="1324402" cy="369332"/>
+            </a:xfrm>
+            <a:prstGeom prst="rect">
+              <a:avLst/>
+            </a:prstGeom>
+            <a:noFill/>
+          </p:spPr>
+          <p:txBody>
+            <a:bodyPr wrap="none" rtlCol="0">
+              <a:spAutoFit/>
+            </a:bodyPr>
+            <a:lstStyle/>
+            <a:p>
+              <a:r>
+                <a:rPr lang="en-US" altLang="zh-CN" dirty="0"/>
+                <a:t>tbb-4 (438)</a:t>
+              </a:r>
+              <a:endParaRPr lang="zh-CN" altLang="en-US" dirty="0"/>
+            </a:p>
+          </p:txBody>
+        </p:sp>
+        <p:pic>
+          <p:nvPicPr>
+            <p:cNvPr id="8" name="图片 7">
+              <a:extLst>
+                <a:ext uri="{FF2B5EF4-FFF2-40B4-BE49-F238E27FC236}">
+                  <a16:creationId xmlns:a16="http://schemas.microsoft.com/office/drawing/2014/main" id="{26F70D00-9EC0-E540-1B41-C943ADA70C74}"/>
+                </a:ext>
+              </a:extLst>
+            </p:cNvPr>
+            <p:cNvPicPr>
+              <a:picLocks noChangeAspect="1"/>
+            </p:cNvPicPr>
+            <p:nvPr/>
+          </p:nvPicPr>
+          <p:blipFill>
+            <a:blip r:embed="rId2">
+              <a:clrChange>
+                <a:clrFrom>
+                  <a:srgbClr val="FFFFFF"/>
+                </a:clrFrom>
+                <a:clrTo>
+                  <a:srgbClr val="FFFFFF">
+                    <a:alpha val="0"/>
+                  </a:srgbClr>
+                </a:clrTo>
+              </a:clrChange>
+            </a:blip>
+            <a:stretch>
+              <a:fillRect/>
+            </a:stretch>
+          </p:blipFill>
+          <p:spPr>
+            <a:xfrm>
+              <a:off x="662745" y="2883454"/>
+              <a:ext cx="9991177" cy="1459729"/>
+            </a:xfrm>
+            <a:prstGeom prst="rect">
+              <a:avLst/>
+            </a:prstGeom>
+          </p:spPr>
+        </p:pic>
+        <p:sp>
+          <p:nvSpPr>
+            <p:cNvPr id="9" name="文本框 8">
+              <a:extLst>
+                <a:ext uri="{FF2B5EF4-FFF2-40B4-BE49-F238E27FC236}">
+                  <a16:creationId xmlns:a16="http://schemas.microsoft.com/office/drawing/2014/main" id="{4AAA2B84-4B4F-EAC1-55D0-A7349E316EA9}"/>
+                </a:ext>
+              </a:extLst>
+            </p:cNvPr>
+            <p:cNvSpPr txBox="1"/>
+            <p:nvPr/>
+          </p:nvSpPr>
+          <p:spPr>
+            <a:xfrm>
+              <a:off x="1118043" y="2719616"/>
+              <a:ext cx="1441420" cy="369332"/>
+            </a:xfrm>
+            <a:prstGeom prst="rect">
+              <a:avLst/>
+            </a:prstGeom>
+            <a:noFill/>
+          </p:spPr>
+          <p:txBody>
+            <a:bodyPr wrap="none" rtlCol="0">
+              <a:spAutoFit/>
+            </a:bodyPr>
+            <a:lstStyle/>
+            <a:p>
+              <a:r>
+                <a:rPr lang="en-US" altLang="zh-CN" dirty="0"/>
+                <a:t>dumpy (256)</a:t>
+              </a:r>
+              <a:endParaRPr lang="zh-CN" altLang="en-US" dirty="0"/>
+            </a:p>
+          </p:txBody>
+        </p:sp>
+        <p:sp>
+          <p:nvSpPr>
+            <p:cNvPr id="14" name="文本框 13">
+              <a:extLst>
+                <a:ext uri="{FF2B5EF4-FFF2-40B4-BE49-F238E27FC236}">
+                  <a16:creationId xmlns:a16="http://schemas.microsoft.com/office/drawing/2014/main" id="{A27921ED-3BA6-9528-D1FC-4C6A6860C084}"/>
+                </a:ext>
+              </a:extLst>
+            </p:cNvPr>
+            <p:cNvSpPr txBox="1"/>
+            <p:nvPr/>
+          </p:nvSpPr>
+          <p:spPr>
+            <a:xfrm>
+              <a:off x="1156593" y="4066135"/>
+              <a:ext cx="1104790" cy="369332"/>
+            </a:xfrm>
+            <a:prstGeom prst="rect">
+              <a:avLst/>
+            </a:prstGeom>
+            <a:noFill/>
+          </p:spPr>
+          <p:txBody>
+            <a:bodyPr wrap="none" rtlCol="0">
+              <a:spAutoFit/>
+            </a:bodyPr>
+            <a:lstStyle/>
+            <a:p>
+              <a:r>
+                <a:rPr lang="en-US" altLang="zh-CN" dirty="0" err="1"/>
+                <a:t>unc</a:t>
+              </a:r>
+              <a:r>
+                <a:rPr lang="en-US" altLang="zh-CN" dirty="0"/>
+                <a:t> (120)</a:t>
+              </a:r>
+              <a:endParaRPr lang="zh-CN" altLang="en-US" dirty="0"/>
+            </a:p>
+          </p:txBody>
+        </p:sp>
+        <p:pic>
+          <p:nvPicPr>
+            <p:cNvPr id="16" name="图片 15">
+              <a:extLst>
+                <a:ext uri="{FF2B5EF4-FFF2-40B4-BE49-F238E27FC236}">
+                  <a16:creationId xmlns:a16="http://schemas.microsoft.com/office/drawing/2014/main" id="{BF0B319E-BBEF-A1F1-187C-C01E85F108C2}"/>
+                </a:ext>
+              </a:extLst>
+            </p:cNvPr>
+            <p:cNvPicPr>
+              <a:picLocks noChangeAspect="1"/>
+            </p:cNvPicPr>
+            <p:nvPr/>
+          </p:nvPicPr>
+          <p:blipFill>
+            <a:blip r:embed="rId3">
+              <a:clrChange>
+                <a:clrFrom>
+                  <a:srgbClr val="FFFFFF"/>
+                </a:clrFrom>
+                <a:clrTo>
+                  <a:srgbClr val="FFFFFF">
+                    <a:alpha val="0"/>
+                  </a:srgbClr>
+                </a:clrTo>
+              </a:clrChange>
+            </a:blip>
+            <a:stretch>
+              <a:fillRect/>
+            </a:stretch>
+          </p:blipFill>
+          <p:spPr>
+            <a:xfrm>
+              <a:off x="754031" y="4307515"/>
+              <a:ext cx="9808607" cy="1253732"/>
+            </a:xfrm>
+            <a:prstGeom prst="rect">
+              <a:avLst/>
+            </a:prstGeom>
+          </p:spPr>
+        </p:pic>
+        <p:pic>
+          <p:nvPicPr>
+            <p:cNvPr id="23" name="图片 22">
+              <a:extLst>
+                <a:ext uri="{FF2B5EF4-FFF2-40B4-BE49-F238E27FC236}">
+                  <a16:creationId xmlns:a16="http://schemas.microsoft.com/office/drawing/2014/main" id="{76F62E45-09F0-3EAA-391B-15DF81624D4B}"/>
+                </a:ext>
+              </a:extLst>
+            </p:cNvPr>
+            <p:cNvPicPr>
+              <a:picLocks noChangeAspect="1"/>
+            </p:cNvPicPr>
+            <p:nvPr/>
+          </p:nvPicPr>
+          <p:blipFill>
+            <a:blip r:embed="rId4">
+              <a:clrChange>
+                <a:clrFrom>
+                  <a:srgbClr val="FFFFFF"/>
+                </a:clrFrom>
+                <a:clrTo>
+                  <a:srgbClr val="FFFFFF">
+                    <a:alpha val="0"/>
+                  </a:srgbClr>
+                </a:clrTo>
+              </a:clrChange>
+            </a:blip>
+            <a:stretch>
+              <a:fillRect/>
+            </a:stretch>
+          </p:blipFill>
+          <p:spPr>
+            <a:xfrm>
+              <a:off x="885159" y="1670000"/>
+              <a:ext cx="9623067" cy="1239520"/>
+            </a:xfrm>
+            <a:prstGeom prst="rect">
+              <a:avLst/>
+            </a:prstGeom>
+          </p:spPr>
+        </p:pic>
+        <p:sp>
+          <p:nvSpPr>
+            <p:cNvPr id="24" name="文本框 23">
+              <a:extLst>
+                <a:ext uri="{FF2B5EF4-FFF2-40B4-BE49-F238E27FC236}">
+                  <a16:creationId xmlns:a16="http://schemas.microsoft.com/office/drawing/2014/main" id="{E1B73DE4-48CC-8EF3-4E42-FCA55008E6FF}"/>
+                </a:ext>
+              </a:extLst>
+            </p:cNvPr>
+            <p:cNvSpPr txBox="1"/>
+            <p:nvPr/>
+          </p:nvSpPr>
+          <p:spPr>
+            <a:xfrm>
+              <a:off x="1156593" y="1430855"/>
+              <a:ext cx="1306768" cy="369332"/>
+            </a:xfrm>
+            <a:prstGeom prst="rect">
+              <a:avLst/>
+            </a:prstGeom>
+            <a:noFill/>
+          </p:spPr>
+          <p:txBody>
+            <a:bodyPr wrap="none" rtlCol="0">
+              <a:spAutoFit/>
+            </a:bodyPr>
+            <a:lstStyle/>
+            <a:p>
+              <a:r>
+                <a:rPr lang="en-US" altLang="zh-CN" dirty="0"/>
+                <a:t>tba-5 (195)</a:t>
+              </a:r>
+              <a:endParaRPr lang="zh-CN" altLang="en-US" dirty="0"/>
+            </a:p>
+          </p:txBody>
+        </p:sp>
+        <p:pic>
+          <p:nvPicPr>
+            <p:cNvPr id="26" name="图片 25">
+              <a:extLst>
+                <a:ext uri="{FF2B5EF4-FFF2-40B4-BE49-F238E27FC236}">
+                  <a16:creationId xmlns:a16="http://schemas.microsoft.com/office/drawing/2014/main" id="{7972BFF7-4895-90CD-B75B-429C80CF7771}"/>
+                </a:ext>
+              </a:extLst>
+            </p:cNvPr>
+            <p:cNvPicPr>
+              <a:picLocks noChangeAspect="1"/>
+            </p:cNvPicPr>
+            <p:nvPr/>
+          </p:nvPicPr>
+          <p:blipFill>
+            <a:blip r:embed="rId5">
+              <a:clrChange>
+                <a:clrFrom>
+                  <a:srgbClr val="FFFFFF"/>
+                </a:clrFrom>
+                <a:clrTo>
+                  <a:srgbClr val="FFFFFF">
+                    <a:alpha val="0"/>
+                  </a:srgbClr>
+                </a:clrTo>
+              </a:clrChange>
+            </a:blip>
+            <a:stretch>
+              <a:fillRect/>
+            </a:stretch>
+          </p:blipFill>
+          <p:spPr>
+            <a:xfrm>
+              <a:off x="754031" y="362765"/>
+              <a:ext cx="9754195" cy="1298528"/>
+            </a:xfrm>
+            <a:prstGeom prst="rect">
+              <a:avLst/>
+            </a:prstGeom>
+          </p:spPr>
+        </p:pic>
+      </p:grpSp>
+      <p:sp>
+        <p:nvSpPr>
+          <p:cNvPr id="28" name="文本框 27">
+            <a:extLst>
+              <a:ext uri="{FF2B5EF4-FFF2-40B4-BE49-F238E27FC236}">
+                <a16:creationId xmlns:a16="http://schemas.microsoft.com/office/drawing/2014/main" id="{97A60185-C36B-5CB5-EB0A-E3C519395C21}"/>
+              </a:ext>
+            </a:extLst>
+          </p:cNvPr>
+          <p:cNvSpPr txBox="1"/>
+          <p:nvPr/>
+        </p:nvSpPr>
+        <p:spPr>
+          <a:xfrm>
+            <a:off x="383458" y="294497"/>
+            <a:ext cx="3902030" cy="369332"/>
+          </a:xfrm>
+          <a:prstGeom prst="rect">
+            <a:avLst/>
+          </a:prstGeom>
+          <a:noFill/>
+        </p:spPr>
+        <p:txBody>
+          <a:bodyPr wrap="none" rtlCol="0">
+            <a:spAutoFit/>
+          </a:bodyPr>
+          <a:lstStyle/>
+          <a:p>
+            <a:r>
+              <a:rPr lang="en-US" altLang="zh-CN" dirty="0"/>
+              <a:t>Mutation frequency per 300000 base</a:t>
+            </a:r>
+            <a:endParaRPr lang="zh-CN" altLang="en-US" dirty="0"/>
+          </a:p>
+        </p:txBody>
+      </p:sp>
+    </p:spTree>
+    <p:extLst>
+      <p:ext uri="{BB962C8B-B14F-4D97-AF65-F5344CB8AC3E}">
+        <p14:creationId xmlns:p14="http://schemas.microsoft.com/office/powerpoint/2010/main" val="2992252782"/>
+      </p:ext>
+    </p:extLst>
+  </p:cSld>
+  <p:clrMapOvr>
+    <a:masterClrMapping/>
+  </p:clrMapOvr>
+</p:sld>
+</file>
+
+<file path=ppt/slides/slide34.xml><?xml version="1.0" encoding="utf-8"?>
+<p:sld xmlns:a="http://schemas.openxmlformats.org/drawingml/2006/main" xmlns:r="http://schemas.openxmlformats.org/officeDocument/2006/relationships" xmlns:p="http://schemas.openxmlformats.org/presentationml/2006/main">
+  <p:cSld>
+    <p:spTree>
+      <p:nvGrpSpPr>
+        <p:cNvPr id="1" name=""/>
+        <p:cNvGrpSpPr/>
+        <p:nvPr/>
+      </p:nvGrpSpPr>
+      <p:grpSpPr>
+        <a:xfrm>
+          <a:off x="0" y="0"/>
+          <a:ext cx="0" cy="0"/>
+          <a:chOff x="0" y="0"/>
+          <a:chExt cx="0" cy="0"/>
+        </a:xfrm>
+      </p:grpSpPr>
+      <p:grpSp>
+        <p:nvGrpSpPr>
+          <p:cNvPr id="43" name="组合 42">
+            <a:extLst>
+              <a:ext uri="{FF2B5EF4-FFF2-40B4-BE49-F238E27FC236}">
+                <a16:creationId xmlns:a16="http://schemas.microsoft.com/office/drawing/2014/main" id="{A3F6A439-B224-2DFA-D3B1-615F105B9307}"/>
+              </a:ext>
+            </a:extLst>
+          </p:cNvPr>
+          <p:cNvGrpSpPr/>
+          <p:nvPr/>
+        </p:nvGrpSpPr>
+        <p:grpSpPr>
+          <a:xfrm>
+            <a:off x="907952" y="549687"/>
+            <a:ext cx="10571627" cy="5508602"/>
+            <a:chOff x="922700" y="431700"/>
+            <a:chExt cx="10571627" cy="5508602"/>
+          </a:xfrm>
+        </p:grpSpPr>
+        <p:grpSp>
+          <p:nvGrpSpPr>
+            <p:cNvPr id="42" name="组合 41">
+              <a:extLst>
+                <a:ext uri="{FF2B5EF4-FFF2-40B4-BE49-F238E27FC236}">
+                  <a16:creationId xmlns:a16="http://schemas.microsoft.com/office/drawing/2014/main" id="{E9C84220-625B-07CF-98CF-C8EA57A6BFD1}"/>
+                </a:ext>
+              </a:extLst>
+            </p:cNvPr>
+            <p:cNvGrpSpPr/>
+            <p:nvPr/>
+          </p:nvGrpSpPr>
+          <p:grpSpPr>
+            <a:xfrm>
+              <a:off x="922700" y="431700"/>
+              <a:ext cx="10571627" cy="5508602"/>
+              <a:chOff x="922700" y="431700"/>
+              <a:chExt cx="10571627" cy="5508602"/>
+            </a:xfrm>
+          </p:grpSpPr>
+          <p:grpSp>
+            <p:nvGrpSpPr>
+              <p:cNvPr id="34" name="组合 33">
+                <a:extLst>
+                  <a:ext uri="{FF2B5EF4-FFF2-40B4-BE49-F238E27FC236}">
+                    <a16:creationId xmlns:a16="http://schemas.microsoft.com/office/drawing/2014/main" id="{7AD4BBC1-C906-5906-A7DB-CDA37701D7B2}"/>
+                  </a:ext>
+                </a:extLst>
+              </p:cNvPr>
+              <p:cNvGrpSpPr/>
+              <p:nvPr/>
+            </p:nvGrpSpPr>
+            <p:grpSpPr>
+              <a:xfrm>
+                <a:off x="937219" y="431700"/>
+                <a:ext cx="10557108" cy="2791133"/>
+                <a:chOff x="466950" y="440140"/>
+                <a:chExt cx="10557108" cy="2791133"/>
+              </a:xfrm>
+            </p:grpSpPr>
+            <p:pic>
+              <p:nvPicPr>
+                <p:cNvPr id="29" name="图片 28">
+                  <a:extLst>
+                    <a:ext uri="{FF2B5EF4-FFF2-40B4-BE49-F238E27FC236}">
+                      <a16:creationId xmlns:a16="http://schemas.microsoft.com/office/drawing/2014/main" id="{75C244C1-6B55-2824-1031-248FBE9CA8AE}"/>
+                    </a:ext>
+                  </a:extLst>
+                </p:cNvPr>
+                <p:cNvPicPr>
+                  <a:picLocks noChangeAspect="1"/>
+                </p:cNvPicPr>
+                <p:nvPr/>
+              </p:nvPicPr>
+              <p:blipFill>
+                <a:blip r:embed="rId2"/>
+                <a:stretch>
+                  <a:fillRect/>
+                </a:stretch>
+              </p:blipFill>
+              <p:spPr>
+                <a:xfrm>
+                  <a:off x="466950" y="440140"/>
+                  <a:ext cx="3721510" cy="2791133"/>
+                </a:xfrm>
+                <a:prstGeom prst="rect">
+                  <a:avLst/>
+                </a:prstGeom>
+              </p:spPr>
+            </p:pic>
+            <p:pic>
+              <p:nvPicPr>
+                <p:cNvPr id="31" name="图片 30">
+                  <a:extLst>
+                    <a:ext uri="{FF2B5EF4-FFF2-40B4-BE49-F238E27FC236}">
+                      <a16:creationId xmlns:a16="http://schemas.microsoft.com/office/drawing/2014/main" id="{4190C91C-B06A-AD4F-49BC-33650175DCD5}"/>
+                    </a:ext>
+                  </a:extLst>
+                </p:cNvPr>
+                <p:cNvPicPr>
+                  <a:picLocks noChangeAspect="1"/>
+                </p:cNvPicPr>
+                <p:nvPr/>
+              </p:nvPicPr>
+              <p:blipFill>
+                <a:blip r:embed="rId3"/>
+                <a:stretch>
+                  <a:fillRect/>
+                </a:stretch>
+              </p:blipFill>
+              <p:spPr>
+                <a:xfrm>
+                  <a:off x="3884749" y="440140"/>
+                  <a:ext cx="3721511" cy="2791133"/>
+                </a:xfrm>
+                <a:prstGeom prst="rect">
+                  <a:avLst/>
+                </a:prstGeom>
+              </p:spPr>
+            </p:pic>
+            <p:pic>
+              <p:nvPicPr>
+                <p:cNvPr id="33" name="图片 32">
+                  <a:extLst>
+                    <a:ext uri="{FF2B5EF4-FFF2-40B4-BE49-F238E27FC236}">
+                      <a16:creationId xmlns:a16="http://schemas.microsoft.com/office/drawing/2014/main" id="{FDBFEF92-B34A-5041-FE32-83D06C37AFB0}"/>
+                    </a:ext>
+                  </a:extLst>
+                </p:cNvPr>
+                <p:cNvPicPr>
+                  <a:picLocks noChangeAspect="1"/>
+                </p:cNvPicPr>
+                <p:nvPr/>
+              </p:nvPicPr>
+              <p:blipFill>
+                <a:blip r:embed="rId4"/>
+                <a:stretch>
+                  <a:fillRect/>
+                </a:stretch>
+              </p:blipFill>
+              <p:spPr>
+                <a:xfrm>
+                  <a:off x="7302548" y="440140"/>
+                  <a:ext cx="3721510" cy="2791133"/>
+                </a:xfrm>
+                <a:prstGeom prst="rect">
+                  <a:avLst/>
+                </a:prstGeom>
+              </p:spPr>
+            </p:pic>
+          </p:grpSp>
+          <p:grpSp>
+            <p:nvGrpSpPr>
+              <p:cNvPr id="41" name="组合 40">
+                <a:extLst>
+                  <a:ext uri="{FF2B5EF4-FFF2-40B4-BE49-F238E27FC236}">
+                    <a16:creationId xmlns:a16="http://schemas.microsoft.com/office/drawing/2014/main" id="{C56CAA02-6AA1-4890-D443-63755152D330}"/>
+                  </a:ext>
+                </a:extLst>
+              </p:cNvPr>
+              <p:cNvGrpSpPr/>
+              <p:nvPr/>
+            </p:nvGrpSpPr>
+            <p:grpSpPr>
+              <a:xfrm>
+                <a:off x="922700" y="3149169"/>
+                <a:ext cx="10571627" cy="2791133"/>
+                <a:chOff x="929514" y="3119673"/>
+                <a:chExt cx="10571627" cy="2791133"/>
+              </a:xfrm>
+            </p:grpSpPr>
+            <p:pic>
+              <p:nvPicPr>
+                <p:cNvPr id="36" name="图片 35">
+                  <a:extLst>
+                    <a:ext uri="{FF2B5EF4-FFF2-40B4-BE49-F238E27FC236}">
+                      <a16:creationId xmlns:a16="http://schemas.microsoft.com/office/drawing/2014/main" id="{884361D7-AD09-9ED0-AE69-3AFAF52749BC}"/>
+                    </a:ext>
+                  </a:extLst>
+                </p:cNvPr>
+                <p:cNvPicPr>
+                  <a:picLocks noChangeAspect="1"/>
+                </p:cNvPicPr>
+                <p:nvPr/>
+              </p:nvPicPr>
+              <p:blipFill>
+                <a:blip r:embed="rId5"/>
+                <a:stretch>
+                  <a:fillRect/>
+                </a:stretch>
+              </p:blipFill>
+              <p:spPr>
+                <a:xfrm>
+                  <a:off x="929514" y="3119673"/>
+                  <a:ext cx="3721510" cy="2791133"/>
+                </a:xfrm>
+                <a:prstGeom prst="rect">
+                  <a:avLst/>
+                </a:prstGeom>
+              </p:spPr>
+            </p:pic>
+            <p:pic>
+              <p:nvPicPr>
+                <p:cNvPr id="38" name="图片 37">
+                  <a:extLst>
+                    <a:ext uri="{FF2B5EF4-FFF2-40B4-BE49-F238E27FC236}">
+                      <a16:creationId xmlns:a16="http://schemas.microsoft.com/office/drawing/2014/main" id="{C31305AB-7A82-7374-B7A8-7913193FBABD}"/>
+                    </a:ext>
+                  </a:extLst>
+                </p:cNvPr>
+                <p:cNvPicPr>
+                  <a:picLocks noChangeAspect="1"/>
+                </p:cNvPicPr>
+                <p:nvPr/>
+              </p:nvPicPr>
+              <p:blipFill>
+                <a:blip r:embed="rId6"/>
+                <a:stretch>
+                  <a:fillRect/>
+                </a:stretch>
+              </p:blipFill>
+              <p:spPr>
+                <a:xfrm>
+                  <a:off x="4354573" y="3119673"/>
+                  <a:ext cx="3721510" cy="2791133"/>
+                </a:xfrm>
+                <a:prstGeom prst="rect">
+                  <a:avLst/>
+                </a:prstGeom>
+              </p:spPr>
+            </p:pic>
+            <p:pic>
+              <p:nvPicPr>
+                <p:cNvPr id="40" name="图片 39">
+                  <a:extLst>
+                    <a:ext uri="{FF2B5EF4-FFF2-40B4-BE49-F238E27FC236}">
+                      <a16:creationId xmlns:a16="http://schemas.microsoft.com/office/drawing/2014/main" id="{60DB78ED-2760-0A8F-F50B-74E619717D70}"/>
+                    </a:ext>
+                  </a:extLst>
+                </p:cNvPr>
+                <p:cNvPicPr>
+                  <a:picLocks noChangeAspect="1"/>
+                </p:cNvPicPr>
+                <p:nvPr/>
+              </p:nvPicPr>
+              <p:blipFill>
+                <a:blip r:embed="rId7"/>
+                <a:stretch>
+                  <a:fillRect/>
+                </a:stretch>
+              </p:blipFill>
+              <p:spPr>
+                <a:xfrm>
+                  <a:off x="7779631" y="3119673"/>
+                  <a:ext cx="3721510" cy="2791133"/>
+                </a:xfrm>
+                <a:prstGeom prst="rect">
+                  <a:avLst/>
+                </a:prstGeom>
+              </p:spPr>
+            </p:pic>
+          </p:grpSp>
+        </p:grpSp>
+        <p:sp>
+          <p:nvSpPr>
+            <p:cNvPr id="6" name="文本框 5">
+              <a:extLst>
+                <a:ext uri="{FF2B5EF4-FFF2-40B4-BE49-F238E27FC236}">
+                  <a16:creationId xmlns:a16="http://schemas.microsoft.com/office/drawing/2014/main" id="{49DD66E0-4C78-C0B9-5CE1-21EE654D117B}"/>
+                </a:ext>
+              </a:extLst>
+            </p:cNvPr>
+            <p:cNvSpPr txBox="1"/>
+            <p:nvPr/>
+          </p:nvSpPr>
+          <p:spPr>
+            <a:xfrm>
+              <a:off x="1112063" y="548366"/>
+              <a:ext cx="242374" cy="369332"/>
+            </a:xfrm>
+            <a:prstGeom prst="rect">
+              <a:avLst/>
+            </a:prstGeom>
+            <a:noFill/>
+          </p:spPr>
+          <p:txBody>
+            <a:bodyPr wrap="none" rtlCol="0">
+              <a:spAutoFit/>
+            </a:bodyPr>
+            <a:lstStyle/>
+            <a:p>
+              <a:r>
+                <a:rPr lang="en-US" altLang="zh-CN" dirty="0"/>
+                <a:t>I</a:t>
+              </a:r>
+              <a:endParaRPr lang="zh-CN" altLang="en-US" dirty="0"/>
+            </a:p>
+          </p:txBody>
+        </p:sp>
+        <p:sp>
+          <p:nvSpPr>
+            <p:cNvPr id="11" name="文本框 10">
+              <a:extLst>
+                <a:ext uri="{FF2B5EF4-FFF2-40B4-BE49-F238E27FC236}">
+                  <a16:creationId xmlns:a16="http://schemas.microsoft.com/office/drawing/2014/main" id="{7DD23B72-EBE8-8B7A-9878-58B735892068}"/>
+                </a:ext>
+              </a:extLst>
+            </p:cNvPr>
+            <p:cNvSpPr txBox="1"/>
+            <p:nvPr/>
+          </p:nvSpPr>
+          <p:spPr>
+            <a:xfrm>
+              <a:off x="4533491" y="548366"/>
+              <a:ext cx="300082" cy="369332"/>
+            </a:xfrm>
+            <a:prstGeom prst="rect">
+              <a:avLst/>
+            </a:prstGeom>
+            <a:noFill/>
+          </p:spPr>
+          <p:txBody>
+            <a:bodyPr wrap="none" rtlCol="0">
+              <a:spAutoFit/>
+            </a:bodyPr>
+            <a:lstStyle/>
+            <a:p>
+              <a:r>
+                <a:rPr lang="en-US" altLang="zh-CN" dirty="0"/>
+                <a:t>II</a:t>
+              </a:r>
+              <a:endParaRPr lang="zh-CN" altLang="en-US" dirty="0"/>
+            </a:p>
+          </p:txBody>
+        </p:sp>
+        <p:sp>
+          <p:nvSpPr>
+            <p:cNvPr id="14" name="文本框 13">
+              <a:extLst>
+                <a:ext uri="{FF2B5EF4-FFF2-40B4-BE49-F238E27FC236}">
+                  <a16:creationId xmlns:a16="http://schemas.microsoft.com/office/drawing/2014/main" id="{A57B1345-4A98-BCAA-7C6C-82B941C33764}"/>
+                </a:ext>
+              </a:extLst>
+            </p:cNvPr>
+            <p:cNvSpPr txBox="1"/>
+            <p:nvPr/>
+          </p:nvSpPr>
+          <p:spPr>
+            <a:xfrm>
+              <a:off x="7897633" y="548366"/>
+              <a:ext cx="357790" cy="369332"/>
+            </a:xfrm>
+            <a:prstGeom prst="rect">
+              <a:avLst/>
+            </a:prstGeom>
+            <a:noFill/>
+          </p:spPr>
+          <p:txBody>
+            <a:bodyPr wrap="none" rtlCol="0">
+              <a:spAutoFit/>
+            </a:bodyPr>
+            <a:lstStyle/>
+            <a:p>
+              <a:r>
+                <a:rPr lang="en-US" altLang="zh-CN" dirty="0"/>
+                <a:t>III</a:t>
+              </a:r>
+              <a:endParaRPr lang="zh-CN" altLang="en-US" dirty="0"/>
+            </a:p>
+          </p:txBody>
+        </p:sp>
+        <p:sp>
+          <p:nvSpPr>
+            <p:cNvPr id="17" name="文本框 16">
+              <a:extLst>
+                <a:ext uri="{FF2B5EF4-FFF2-40B4-BE49-F238E27FC236}">
+                  <a16:creationId xmlns:a16="http://schemas.microsoft.com/office/drawing/2014/main" id="{3D6F515B-BBCA-73FD-DEB1-8A3B738F857E}"/>
+                </a:ext>
+              </a:extLst>
+            </p:cNvPr>
+            <p:cNvSpPr txBox="1"/>
+            <p:nvPr/>
+          </p:nvSpPr>
+          <p:spPr>
+            <a:xfrm>
+              <a:off x="970972" y="3154833"/>
+              <a:ext cx="383438" cy="369332"/>
+            </a:xfrm>
+            <a:prstGeom prst="rect">
+              <a:avLst/>
+            </a:prstGeom>
+            <a:noFill/>
+          </p:spPr>
+          <p:txBody>
+            <a:bodyPr wrap="none" rtlCol="0">
+              <a:spAutoFit/>
+            </a:bodyPr>
+            <a:lstStyle/>
+            <a:p>
+              <a:r>
+                <a:rPr lang="en-US" altLang="zh-CN" dirty="0"/>
+                <a:t>IV</a:t>
+              </a:r>
+              <a:endParaRPr lang="zh-CN" altLang="en-US" dirty="0"/>
+            </a:p>
+          </p:txBody>
+        </p:sp>
+        <p:sp>
+          <p:nvSpPr>
+            <p:cNvPr id="20" name="文本框 19">
+              <a:extLst>
+                <a:ext uri="{FF2B5EF4-FFF2-40B4-BE49-F238E27FC236}">
+                  <a16:creationId xmlns:a16="http://schemas.microsoft.com/office/drawing/2014/main" id="{9629C023-AFFF-EB29-EC1C-3B799B246C4C}"/>
+                </a:ext>
+              </a:extLst>
+            </p:cNvPr>
+            <p:cNvSpPr txBox="1"/>
+            <p:nvPr/>
+          </p:nvSpPr>
+          <p:spPr>
+            <a:xfrm>
+              <a:off x="4507843" y="3193414"/>
+              <a:ext cx="325730" cy="369332"/>
+            </a:xfrm>
+            <a:prstGeom prst="rect">
+              <a:avLst/>
+            </a:prstGeom>
+            <a:noFill/>
+          </p:spPr>
+          <p:txBody>
+            <a:bodyPr wrap="none" rtlCol="0">
+              <a:spAutoFit/>
+            </a:bodyPr>
+            <a:lstStyle/>
+            <a:p>
+              <a:r>
+                <a:rPr lang="en-US" altLang="zh-CN" dirty="0"/>
+                <a:t>V</a:t>
+              </a:r>
+              <a:endParaRPr lang="zh-CN" altLang="en-US" dirty="0"/>
+            </a:p>
+          </p:txBody>
+        </p:sp>
+        <p:sp>
+          <p:nvSpPr>
+            <p:cNvPr id="23" name="文本框 22">
+              <a:extLst>
+                <a:ext uri="{FF2B5EF4-FFF2-40B4-BE49-F238E27FC236}">
+                  <a16:creationId xmlns:a16="http://schemas.microsoft.com/office/drawing/2014/main" id="{CF74EA49-E3E5-6FB1-6270-A675FE718AD8}"/>
+                </a:ext>
+              </a:extLst>
+            </p:cNvPr>
+            <p:cNvSpPr txBox="1"/>
+            <p:nvPr/>
+          </p:nvSpPr>
+          <p:spPr>
+            <a:xfrm>
+              <a:off x="7995851" y="3194075"/>
+              <a:ext cx="325730" cy="369332"/>
+            </a:xfrm>
+            <a:prstGeom prst="rect">
+              <a:avLst/>
+            </a:prstGeom>
+            <a:noFill/>
+          </p:spPr>
+          <p:txBody>
+            <a:bodyPr wrap="none" rtlCol="0">
+              <a:spAutoFit/>
+            </a:bodyPr>
+            <a:lstStyle/>
+            <a:p>
+              <a:r>
+                <a:rPr lang="en-US" altLang="zh-CN" dirty="0"/>
+                <a:t>X</a:t>
+              </a:r>
+              <a:endParaRPr lang="zh-CN" altLang="en-US" dirty="0"/>
+            </a:p>
+          </p:txBody>
+        </p:sp>
+      </p:grpSp>
+      <p:sp>
+        <p:nvSpPr>
+          <p:cNvPr id="44" name="文本框 43">
+            <a:extLst>
+              <a:ext uri="{FF2B5EF4-FFF2-40B4-BE49-F238E27FC236}">
+                <a16:creationId xmlns:a16="http://schemas.microsoft.com/office/drawing/2014/main" id="{C8ACE2D0-C52B-949E-080C-E3F4E6B010F6}"/>
+              </a:ext>
+            </a:extLst>
+          </p:cNvPr>
+          <p:cNvSpPr txBox="1"/>
+          <p:nvPr/>
+        </p:nvSpPr>
+        <p:spPr>
+          <a:xfrm>
+            <a:off x="259346" y="180355"/>
+            <a:ext cx="3902030" cy="369332"/>
+          </a:xfrm>
+          <a:prstGeom prst="rect">
+            <a:avLst/>
+          </a:prstGeom>
+          <a:noFill/>
+        </p:spPr>
+        <p:txBody>
+          <a:bodyPr wrap="none" rtlCol="0">
+            <a:spAutoFit/>
+          </a:bodyPr>
+          <a:lstStyle/>
+          <a:p>
+            <a:r>
+              <a:rPr lang="en-US" altLang="zh-CN" dirty="0"/>
+              <a:t>Mutation frequency per 300000 base</a:t>
+            </a:r>
+            <a:endParaRPr lang="zh-CN" altLang="en-US" dirty="0"/>
+          </a:p>
+        </p:txBody>
+      </p:sp>
+    </p:spTree>
+    <p:extLst>
+      <p:ext uri="{BB962C8B-B14F-4D97-AF65-F5344CB8AC3E}">
+        <p14:creationId xmlns:p14="http://schemas.microsoft.com/office/powerpoint/2010/main" val="624835574"/>
+      </p:ext>
+    </p:extLst>
+  </p:cSld>
+  <p:clrMapOvr>
+    <a:masterClrMapping/>
+  </p:clrMapOvr>
+</p:sld>
+</file>
+
+<file path=ppt/slides/slide35.xml><?xml version="1.0" encoding="utf-8"?>
+<p:sld xmlns:a="http://schemas.openxmlformats.org/drawingml/2006/main" xmlns:r="http://schemas.openxmlformats.org/officeDocument/2006/relationships" xmlns:p="http://schemas.openxmlformats.org/presentationml/2006/main">
+  <p:cSld>
+    <p:spTree>
+      <p:nvGrpSpPr>
+        <p:cNvPr id="1" name=""/>
+        <p:cNvGrpSpPr/>
+        <p:nvPr/>
+      </p:nvGrpSpPr>
+      <p:grpSpPr>
+        <a:xfrm>
+          <a:off x="0" y="0"/>
+          <a:ext cx="0" cy="0"/>
+          <a:chOff x="0" y="0"/>
+          <a:chExt cx="0" cy="0"/>
+        </a:xfrm>
+      </p:grpSpPr>
+      <p:pic>
+        <p:nvPicPr>
+          <p:cNvPr id="8" name="图片 7">
+            <a:extLst>
+              <a:ext uri="{FF2B5EF4-FFF2-40B4-BE49-F238E27FC236}">
+                <a16:creationId xmlns:a16="http://schemas.microsoft.com/office/drawing/2014/main" id="{17C42AE9-B23C-6C8C-B6BC-40208BA5B55A}"/>
+              </a:ext>
+            </a:extLst>
+          </p:cNvPr>
+          <p:cNvPicPr>
+            <a:picLocks noChangeAspect="1"/>
+          </p:cNvPicPr>
+          <p:nvPr/>
+        </p:nvPicPr>
+        <p:blipFill>
+          <a:blip r:embed="rId2"/>
+          <a:stretch>
+            <a:fillRect/>
+          </a:stretch>
+        </p:blipFill>
+        <p:spPr>
+          <a:xfrm>
+            <a:off x="7788907" y="495612"/>
+            <a:ext cx="3721511" cy="2791133"/>
+          </a:xfrm>
+          <a:prstGeom prst="rect">
+            <a:avLst/>
+          </a:prstGeom>
+        </p:spPr>
+      </p:pic>
+      <p:grpSp>
+        <p:nvGrpSpPr>
+          <p:cNvPr id="25" name="组合 24">
+            <a:extLst>
+              <a:ext uri="{FF2B5EF4-FFF2-40B4-BE49-F238E27FC236}">
+                <a16:creationId xmlns:a16="http://schemas.microsoft.com/office/drawing/2014/main" id="{F3B17A49-8C6A-048E-BC89-EACFFF9D3502}"/>
+              </a:ext>
+            </a:extLst>
+          </p:cNvPr>
+          <p:cNvGrpSpPr/>
+          <p:nvPr/>
+        </p:nvGrpSpPr>
+        <p:grpSpPr>
+          <a:xfrm>
+            <a:off x="1071892" y="474012"/>
+            <a:ext cx="10498524" cy="5497721"/>
+            <a:chOff x="1071892" y="474012"/>
+            <a:chExt cx="10498524" cy="5497721"/>
+          </a:xfrm>
+        </p:grpSpPr>
+        <p:pic>
+          <p:nvPicPr>
+            <p:cNvPr id="4" name="图片 3">
+              <a:extLst>
+                <a:ext uri="{FF2B5EF4-FFF2-40B4-BE49-F238E27FC236}">
+                  <a16:creationId xmlns:a16="http://schemas.microsoft.com/office/drawing/2014/main" id="{CD85FCF0-2CC1-7222-5CFF-AF8B24AB2768}"/>
+                </a:ext>
+              </a:extLst>
+            </p:cNvPr>
+            <p:cNvPicPr>
+              <a:picLocks noChangeAspect="1"/>
+            </p:cNvPicPr>
+            <p:nvPr/>
+          </p:nvPicPr>
+          <p:blipFill>
+            <a:blip r:embed="rId3"/>
+            <a:stretch>
+              <a:fillRect/>
+            </a:stretch>
+          </p:blipFill>
+          <p:spPr>
+            <a:xfrm>
+              <a:off x="1071892" y="495612"/>
+              <a:ext cx="3721510" cy="2791133"/>
+            </a:xfrm>
+            <a:prstGeom prst="rect">
+              <a:avLst/>
+            </a:prstGeom>
+          </p:spPr>
+        </p:pic>
+        <p:pic>
+          <p:nvPicPr>
+            <p:cNvPr id="6" name="图片 5">
+              <a:extLst>
+                <a:ext uri="{FF2B5EF4-FFF2-40B4-BE49-F238E27FC236}">
+                  <a16:creationId xmlns:a16="http://schemas.microsoft.com/office/drawing/2014/main" id="{BB77B825-6E8B-9018-6E3E-379F061C5125}"/>
+                </a:ext>
+              </a:extLst>
+            </p:cNvPr>
+            <p:cNvPicPr>
+              <a:picLocks noChangeAspect="1"/>
+            </p:cNvPicPr>
+            <p:nvPr/>
+          </p:nvPicPr>
+          <p:blipFill>
+            <a:blip r:embed="rId4"/>
+            <a:stretch>
+              <a:fillRect/>
+            </a:stretch>
+          </p:blipFill>
+          <p:spPr>
+            <a:xfrm>
+              <a:off x="4430400" y="495612"/>
+              <a:ext cx="3721510" cy="2791133"/>
+            </a:xfrm>
+            <a:prstGeom prst="rect">
+              <a:avLst/>
+            </a:prstGeom>
+          </p:spPr>
+        </p:pic>
+        <p:grpSp>
+          <p:nvGrpSpPr>
+            <p:cNvPr id="18" name="组合 17">
+              <a:extLst>
+                <a:ext uri="{FF2B5EF4-FFF2-40B4-BE49-F238E27FC236}">
+                  <a16:creationId xmlns:a16="http://schemas.microsoft.com/office/drawing/2014/main" id="{4959674A-4A85-4AD8-C2C8-EF146D1E4DBA}"/>
+                </a:ext>
+              </a:extLst>
+            </p:cNvPr>
+            <p:cNvGrpSpPr/>
+            <p:nvPr/>
+          </p:nvGrpSpPr>
+          <p:grpSpPr>
+            <a:xfrm>
+              <a:off x="1076692" y="517212"/>
+              <a:ext cx="10493724" cy="5454521"/>
+              <a:chOff x="1076692" y="517212"/>
+              <a:chExt cx="10493724" cy="5454521"/>
+            </a:xfrm>
+          </p:grpSpPr>
+          <p:pic>
+            <p:nvPicPr>
+              <p:cNvPr id="9" name="图片 8">
+                <a:extLst>
+                  <a:ext uri="{FF2B5EF4-FFF2-40B4-BE49-F238E27FC236}">
+                    <a16:creationId xmlns:a16="http://schemas.microsoft.com/office/drawing/2014/main" id="{5F302AEF-9A2C-0986-B78D-D528A05A2B26}"/>
+                  </a:ext>
+                </a:extLst>
+              </p:cNvPr>
+              <p:cNvPicPr>
+                <a:picLocks noChangeAspect="1"/>
+              </p:cNvPicPr>
+              <p:nvPr/>
+            </p:nvPicPr>
+            <p:blipFill>
+              <a:blip r:embed="rId3"/>
+              <a:stretch>
+                <a:fillRect/>
+              </a:stretch>
+            </p:blipFill>
+            <p:spPr>
+              <a:xfrm>
+                <a:off x="1093492" y="517212"/>
+                <a:ext cx="3721510" cy="2791133"/>
+              </a:xfrm>
+              <a:prstGeom prst="rect">
+                <a:avLst/>
+              </a:prstGeom>
+            </p:spPr>
+          </p:pic>
+          <p:pic>
+            <p:nvPicPr>
+              <p:cNvPr id="10" name="图片 9">
+                <a:extLst>
+                  <a:ext uri="{FF2B5EF4-FFF2-40B4-BE49-F238E27FC236}">
+                    <a16:creationId xmlns:a16="http://schemas.microsoft.com/office/drawing/2014/main" id="{2519D673-0CDF-0C1A-838E-70D1CB4EAB52}"/>
+                  </a:ext>
+                </a:extLst>
+              </p:cNvPr>
+              <p:cNvPicPr>
+                <a:picLocks noChangeAspect="1"/>
+              </p:cNvPicPr>
+              <p:nvPr/>
+            </p:nvPicPr>
+            <p:blipFill>
+              <a:blip r:embed="rId4"/>
+              <a:stretch>
+                <a:fillRect/>
+              </a:stretch>
+            </p:blipFill>
+            <p:spPr>
+              <a:xfrm>
+                <a:off x="4451999" y="517212"/>
+                <a:ext cx="3721510" cy="2791133"/>
+              </a:xfrm>
+              <a:prstGeom prst="rect">
+                <a:avLst/>
+              </a:prstGeom>
+            </p:spPr>
+          </p:pic>
+          <p:pic>
+            <p:nvPicPr>
+              <p:cNvPr id="11" name="图片 10">
+                <a:extLst>
+                  <a:ext uri="{FF2B5EF4-FFF2-40B4-BE49-F238E27FC236}">
+                    <a16:creationId xmlns:a16="http://schemas.microsoft.com/office/drawing/2014/main" id="{7DF82339-C2CB-BF90-AFCE-39DF25E3D56F}"/>
+                  </a:ext>
+                </a:extLst>
+              </p:cNvPr>
+              <p:cNvPicPr>
+                <a:picLocks noChangeAspect="1"/>
+              </p:cNvPicPr>
+              <p:nvPr/>
+            </p:nvPicPr>
+            <p:blipFill>
+              <a:blip r:embed="rId2"/>
+              <a:stretch>
+                <a:fillRect/>
+              </a:stretch>
+            </p:blipFill>
+            <p:spPr>
+              <a:xfrm>
+                <a:off x="7810507" y="517212"/>
+                <a:ext cx="3721511" cy="2791133"/>
+              </a:xfrm>
+              <a:prstGeom prst="rect">
+                <a:avLst/>
+              </a:prstGeom>
+            </p:spPr>
+          </p:pic>
+          <p:pic>
+            <p:nvPicPr>
+              <p:cNvPr id="13" name="图片 12">
+                <a:extLst>
+                  <a:ext uri="{FF2B5EF4-FFF2-40B4-BE49-F238E27FC236}">
+                    <a16:creationId xmlns:a16="http://schemas.microsoft.com/office/drawing/2014/main" id="{471014C2-4338-8B3E-D015-76D922E1F6EF}"/>
+                  </a:ext>
+                </a:extLst>
+              </p:cNvPr>
+              <p:cNvPicPr>
+                <a:picLocks noChangeAspect="1"/>
+              </p:cNvPicPr>
+              <p:nvPr/>
+            </p:nvPicPr>
+            <p:blipFill>
+              <a:blip r:embed="rId5"/>
+              <a:stretch>
+                <a:fillRect/>
+              </a:stretch>
+            </p:blipFill>
+            <p:spPr>
+              <a:xfrm>
+                <a:off x="1076692" y="3180600"/>
+                <a:ext cx="3721511" cy="2791133"/>
+              </a:xfrm>
+              <a:prstGeom prst="rect">
+                <a:avLst/>
+              </a:prstGeom>
+            </p:spPr>
+          </p:pic>
+          <p:pic>
+            <p:nvPicPr>
+              <p:cNvPr id="15" name="图片 14">
+                <a:extLst>
+                  <a:ext uri="{FF2B5EF4-FFF2-40B4-BE49-F238E27FC236}">
+                    <a16:creationId xmlns:a16="http://schemas.microsoft.com/office/drawing/2014/main" id="{5304FA60-6CE9-9301-3199-63525C6BD829}"/>
+                  </a:ext>
+                </a:extLst>
+              </p:cNvPr>
+              <p:cNvPicPr>
+                <a:picLocks noChangeAspect="1"/>
+              </p:cNvPicPr>
+              <p:nvPr/>
+            </p:nvPicPr>
+            <p:blipFill>
+              <a:blip r:embed="rId6"/>
+              <a:stretch>
+                <a:fillRect/>
+              </a:stretch>
+            </p:blipFill>
+            <p:spPr>
+              <a:xfrm>
+                <a:off x="4462799" y="3180599"/>
+                <a:ext cx="3721510" cy="2791133"/>
+              </a:xfrm>
+              <a:prstGeom prst="rect">
+                <a:avLst/>
+              </a:prstGeom>
+            </p:spPr>
+          </p:pic>
+          <p:pic>
+            <p:nvPicPr>
+              <p:cNvPr id="17" name="图片 16">
+                <a:extLst>
+                  <a:ext uri="{FF2B5EF4-FFF2-40B4-BE49-F238E27FC236}">
+                    <a16:creationId xmlns:a16="http://schemas.microsoft.com/office/drawing/2014/main" id="{FF5FE763-09FF-F3B8-5E99-1753D8507C8C}"/>
+                  </a:ext>
+                </a:extLst>
+              </p:cNvPr>
+              <p:cNvPicPr>
+                <a:picLocks noChangeAspect="1"/>
+              </p:cNvPicPr>
+              <p:nvPr/>
+            </p:nvPicPr>
+            <p:blipFill>
+              <a:blip r:embed="rId7"/>
+              <a:stretch>
+                <a:fillRect/>
+              </a:stretch>
+            </p:blipFill>
+            <p:spPr>
+              <a:xfrm>
+                <a:off x="7848905" y="3180599"/>
+                <a:ext cx="3721511" cy="2791133"/>
+              </a:xfrm>
+              <a:prstGeom prst="rect">
+                <a:avLst/>
+              </a:prstGeom>
+            </p:spPr>
+          </p:pic>
+        </p:grpSp>
+        <p:sp>
+          <p:nvSpPr>
+            <p:cNvPr id="19" name="文本框 18">
+              <a:extLst>
+                <a:ext uri="{FF2B5EF4-FFF2-40B4-BE49-F238E27FC236}">
+                  <a16:creationId xmlns:a16="http://schemas.microsoft.com/office/drawing/2014/main" id="{D20B8C44-89DE-7760-55DF-3A7899DE6A47}"/>
+                </a:ext>
+              </a:extLst>
+            </p:cNvPr>
+            <p:cNvSpPr txBox="1"/>
+            <p:nvPr/>
+          </p:nvSpPr>
+          <p:spPr>
+            <a:xfrm>
+              <a:off x="1235720" y="517212"/>
+              <a:ext cx="242374" cy="369332"/>
+            </a:xfrm>
+            <a:prstGeom prst="rect">
+              <a:avLst/>
+            </a:prstGeom>
+            <a:noFill/>
+          </p:spPr>
+          <p:txBody>
+            <a:bodyPr wrap="none" rtlCol="0">
+              <a:spAutoFit/>
+            </a:bodyPr>
+            <a:lstStyle/>
+            <a:p>
+              <a:r>
+                <a:rPr lang="en-US" altLang="zh-CN" dirty="0"/>
+                <a:t>I</a:t>
+              </a:r>
+              <a:endParaRPr lang="zh-CN" altLang="en-US" dirty="0"/>
+            </a:p>
+          </p:txBody>
+        </p:sp>
+        <p:sp>
+          <p:nvSpPr>
+            <p:cNvPr id="20" name="文本框 19">
+              <a:extLst>
+                <a:ext uri="{FF2B5EF4-FFF2-40B4-BE49-F238E27FC236}">
+                  <a16:creationId xmlns:a16="http://schemas.microsoft.com/office/drawing/2014/main" id="{B621C6DB-D3A7-B0B3-E5EE-DFD163C8C873}"/>
+                </a:ext>
+              </a:extLst>
+            </p:cNvPr>
+            <p:cNvSpPr txBox="1"/>
+            <p:nvPr/>
+          </p:nvSpPr>
+          <p:spPr>
+            <a:xfrm>
+              <a:off x="4473598" y="517212"/>
+              <a:ext cx="300082" cy="369332"/>
+            </a:xfrm>
+            <a:prstGeom prst="rect">
+              <a:avLst/>
+            </a:prstGeom>
+            <a:noFill/>
+          </p:spPr>
+          <p:txBody>
+            <a:bodyPr wrap="none" rtlCol="0">
+              <a:spAutoFit/>
+            </a:bodyPr>
+            <a:lstStyle/>
+            <a:p>
+              <a:r>
+                <a:rPr lang="en-US" altLang="zh-CN" dirty="0"/>
+                <a:t>II</a:t>
+              </a:r>
+              <a:endParaRPr lang="zh-CN" altLang="en-US" dirty="0"/>
+            </a:p>
+          </p:txBody>
+        </p:sp>
+        <p:sp>
+          <p:nvSpPr>
+            <p:cNvPr id="21" name="文本框 20">
+              <a:extLst>
+                <a:ext uri="{FF2B5EF4-FFF2-40B4-BE49-F238E27FC236}">
+                  <a16:creationId xmlns:a16="http://schemas.microsoft.com/office/drawing/2014/main" id="{B29CFC76-9CE1-D157-A8DF-65F79C15B7F6}"/>
+                </a:ext>
+              </a:extLst>
+            </p:cNvPr>
+            <p:cNvSpPr txBox="1"/>
+            <p:nvPr/>
+          </p:nvSpPr>
+          <p:spPr>
+            <a:xfrm>
+              <a:off x="7830228" y="474012"/>
+              <a:ext cx="357790" cy="369332"/>
+            </a:xfrm>
+            <a:prstGeom prst="rect">
+              <a:avLst/>
+            </a:prstGeom>
+            <a:noFill/>
+          </p:spPr>
+          <p:txBody>
+            <a:bodyPr wrap="none" rtlCol="0">
+              <a:spAutoFit/>
+            </a:bodyPr>
+            <a:lstStyle/>
+            <a:p>
+              <a:r>
+                <a:rPr lang="en-US" altLang="zh-CN" dirty="0"/>
+                <a:t>III</a:t>
+              </a:r>
+              <a:endParaRPr lang="zh-CN" altLang="en-US" dirty="0"/>
+            </a:p>
+          </p:txBody>
+        </p:sp>
+        <p:sp>
+          <p:nvSpPr>
+            <p:cNvPr id="22" name="文本框 21">
+              <a:extLst>
+                <a:ext uri="{FF2B5EF4-FFF2-40B4-BE49-F238E27FC236}">
+                  <a16:creationId xmlns:a16="http://schemas.microsoft.com/office/drawing/2014/main" id="{EAA72970-56F7-317F-A8CE-5BDF8239285F}"/>
+                </a:ext>
+              </a:extLst>
+            </p:cNvPr>
+            <p:cNvSpPr txBox="1"/>
+            <p:nvPr/>
+          </p:nvSpPr>
+          <p:spPr>
+            <a:xfrm>
+              <a:off x="1136690" y="3112879"/>
+              <a:ext cx="383438" cy="369332"/>
+            </a:xfrm>
+            <a:prstGeom prst="rect">
+              <a:avLst/>
+            </a:prstGeom>
+            <a:noFill/>
+          </p:spPr>
+          <p:txBody>
+            <a:bodyPr wrap="none" rtlCol="0">
+              <a:spAutoFit/>
+            </a:bodyPr>
+            <a:lstStyle/>
+            <a:p>
+              <a:r>
+                <a:rPr lang="en-US" altLang="zh-CN" dirty="0"/>
+                <a:t>IV</a:t>
+              </a:r>
+              <a:endParaRPr lang="zh-CN" altLang="en-US" dirty="0"/>
+            </a:p>
+          </p:txBody>
+        </p:sp>
+        <p:sp>
+          <p:nvSpPr>
+            <p:cNvPr id="23" name="文本框 22">
+              <a:extLst>
+                <a:ext uri="{FF2B5EF4-FFF2-40B4-BE49-F238E27FC236}">
+                  <a16:creationId xmlns:a16="http://schemas.microsoft.com/office/drawing/2014/main" id="{20288124-3EBA-1C71-CADC-1EF859149971}"/>
+                </a:ext>
+              </a:extLst>
+            </p:cNvPr>
+            <p:cNvSpPr txBox="1"/>
+            <p:nvPr/>
+          </p:nvSpPr>
+          <p:spPr>
+            <a:xfrm>
+              <a:off x="4477273" y="3112879"/>
+              <a:ext cx="325730" cy="369332"/>
+            </a:xfrm>
+            <a:prstGeom prst="rect">
+              <a:avLst/>
+            </a:prstGeom>
+            <a:noFill/>
+          </p:spPr>
+          <p:txBody>
+            <a:bodyPr wrap="none" rtlCol="0">
+              <a:spAutoFit/>
+            </a:bodyPr>
+            <a:lstStyle/>
+            <a:p>
+              <a:r>
+                <a:rPr lang="en-US" altLang="zh-CN" dirty="0"/>
+                <a:t>V</a:t>
+              </a:r>
+              <a:endParaRPr lang="zh-CN" altLang="en-US" dirty="0"/>
+            </a:p>
+          </p:txBody>
+        </p:sp>
+        <p:sp>
+          <p:nvSpPr>
+            <p:cNvPr id="24" name="文本框 23">
+              <a:extLst>
+                <a:ext uri="{FF2B5EF4-FFF2-40B4-BE49-F238E27FC236}">
+                  <a16:creationId xmlns:a16="http://schemas.microsoft.com/office/drawing/2014/main" id="{1E2C053E-14B8-9106-D706-9CEB4B1E7700}"/>
+                </a:ext>
+              </a:extLst>
+            </p:cNvPr>
+            <p:cNvSpPr txBox="1"/>
+            <p:nvPr/>
+          </p:nvSpPr>
+          <p:spPr>
+            <a:xfrm>
+              <a:off x="7896977" y="3169799"/>
+              <a:ext cx="325730" cy="369332"/>
+            </a:xfrm>
+            <a:prstGeom prst="rect">
+              <a:avLst/>
+            </a:prstGeom>
+            <a:noFill/>
+          </p:spPr>
+          <p:txBody>
+            <a:bodyPr wrap="none" rtlCol="0">
+              <a:spAutoFit/>
+            </a:bodyPr>
+            <a:lstStyle/>
+            <a:p>
+              <a:r>
+                <a:rPr lang="en-US" altLang="zh-CN" dirty="0"/>
+                <a:t>X</a:t>
+              </a:r>
+              <a:endParaRPr lang="zh-CN" altLang="en-US" dirty="0"/>
+            </a:p>
+          </p:txBody>
+        </p:sp>
+      </p:grpSp>
+    </p:spTree>
+    <p:extLst>
+      <p:ext uri="{BB962C8B-B14F-4D97-AF65-F5344CB8AC3E}">
+        <p14:creationId xmlns:p14="http://schemas.microsoft.com/office/powerpoint/2010/main" val="2929850545"/>
+      </p:ext>
+    </p:extLst>
+  </p:cSld>
+  <p:clrMapOvr>
+    <a:masterClrMapping/>
+  </p:clrMapOvr>
+</p:sld>
+</file>
+
+<file path=ppt/slides/slide36.xml><?xml version="1.0" encoding="utf-8"?>
+<p:sld xmlns:a="http://schemas.openxmlformats.org/drawingml/2006/main" xmlns:r="http://schemas.openxmlformats.org/officeDocument/2006/relationships" xmlns:p="http://schemas.openxmlformats.org/presentationml/2006/main">
+  <p:cSld>
+    <p:spTree>
+      <p:nvGrpSpPr>
+        <p:cNvPr id="1" name=""/>
+        <p:cNvGrpSpPr/>
+        <p:nvPr/>
+      </p:nvGrpSpPr>
+      <p:grpSpPr>
+        <a:xfrm>
+          <a:off x="0" y="0"/>
+          <a:ext cx="0" cy="0"/>
+          <a:chOff x="0" y="0"/>
+          <a:chExt cx="0" cy="0"/>
+        </a:xfrm>
+      </p:grpSpPr>
+      <p:pic>
+        <p:nvPicPr>
+          <p:cNvPr id="5" name="图片 4">
+            <a:extLst>
+              <a:ext uri="{FF2B5EF4-FFF2-40B4-BE49-F238E27FC236}">
+                <a16:creationId xmlns:a16="http://schemas.microsoft.com/office/drawing/2014/main" id="{1201C35B-3F69-AF32-972F-56E98318FACE}"/>
+              </a:ext>
+            </a:extLst>
+          </p:cNvPr>
+          <p:cNvPicPr>
+            <a:picLocks noChangeAspect="1"/>
+          </p:cNvPicPr>
+          <p:nvPr/>
+        </p:nvPicPr>
+        <p:blipFill>
+          <a:blip r:embed="rId2"/>
+          <a:stretch>
+            <a:fillRect/>
+          </a:stretch>
+        </p:blipFill>
+        <p:spPr>
+          <a:xfrm>
+            <a:off x="295200" y="1676662"/>
+            <a:ext cx="5097600" cy="3680669"/>
+          </a:xfrm>
+          <a:prstGeom prst="rect">
+            <a:avLst/>
+          </a:prstGeom>
+        </p:spPr>
+      </p:pic>
+      <p:sp>
+        <p:nvSpPr>
+          <p:cNvPr id="6" name="文本框 5">
+            <a:extLst>
+              <a:ext uri="{FF2B5EF4-FFF2-40B4-BE49-F238E27FC236}">
+                <a16:creationId xmlns:a16="http://schemas.microsoft.com/office/drawing/2014/main" id="{94401224-78F3-FD81-2F20-BAF1DBD9910E}"/>
+              </a:ext>
+            </a:extLst>
+          </p:cNvPr>
+          <p:cNvSpPr txBox="1"/>
+          <p:nvPr/>
+        </p:nvSpPr>
+        <p:spPr>
+          <a:xfrm>
+            <a:off x="1897266" y="1307330"/>
+            <a:ext cx="1893467" cy="369332"/>
+          </a:xfrm>
+          <a:prstGeom prst="rect">
+            <a:avLst/>
+          </a:prstGeom>
+          <a:noFill/>
+        </p:spPr>
+        <p:txBody>
+          <a:bodyPr wrap="none" rtlCol="0">
+            <a:spAutoFit/>
+          </a:bodyPr>
+          <a:lstStyle/>
+          <a:p>
+            <a:r>
+              <a:rPr lang="en-US" altLang="zh-CN" dirty="0"/>
+              <a:t>Std of each block</a:t>
+            </a:r>
+            <a:endParaRPr lang="zh-CN" altLang="en-US" dirty="0"/>
+          </a:p>
+        </p:txBody>
+      </p:sp>
+    </p:spTree>
+    <p:extLst>
+      <p:ext uri="{BB962C8B-B14F-4D97-AF65-F5344CB8AC3E}">
+        <p14:creationId xmlns:p14="http://schemas.microsoft.com/office/powerpoint/2010/main" val="2706068582"/>
+      </p:ext>
+    </p:extLst>
+  </p:cSld>
+  <p:clrMapOvr>
+    <a:masterClrMapping/>
+  </p:clrMapOvr>
+</p:sld>
+</file>
+
 <file path=ppt/slides/slide4.xml><?xml version="1.0" encoding="utf-8"?>
 <p:sld xmlns:a="http://schemas.openxmlformats.org/drawingml/2006/main" xmlns:r="http://schemas.openxmlformats.org/officeDocument/2006/relationships" xmlns:p="http://schemas.openxmlformats.org/presentationml/2006/main">
   <p:cSld>

--- a/discussion.pptx
+++ b/discussion.pptx
@@ -5,7 +5,7 @@
     <p:sldMasterId id="2147483648" r:id="rId1"/>
   </p:sldMasterIdLst>
   <p:notesMasterIdLst>
-    <p:notesMasterId r:id="rId38"/>
+    <p:notesMasterId r:id="rId41"/>
   </p:notesMasterIdLst>
   <p:sldIdLst>
     <p:sldId id="259" r:id="rId2"/>
@@ -43,7 +43,10 @@
     <p:sldId id="330" r:id="rId34"/>
     <p:sldId id="331" r:id="rId35"/>
     <p:sldId id="332" r:id="rId36"/>
-    <p:sldId id="333" r:id="rId37"/>
+    <p:sldId id="335" r:id="rId37"/>
+    <p:sldId id="336" r:id="rId38"/>
+    <p:sldId id="333" r:id="rId39"/>
+    <p:sldId id="334" r:id="rId40"/>
   </p:sldIdLst>
   <p:sldSz cx="12192000" cy="6858000"/>
   <p:notesSz cx="6858000" cy="9144000"/>
@@ -232,7 +235,7 @@
           <a:p>
             <a:fld id="{C78066DA-44A7-489A-A2A9-BB601C82BBA7}" type="datetimeFigureOut">
               <a:rPr lang="zh-CN" altLang="en-US" smtClean="0"/>
-              <a:t>2022/10/13</a:t>
+              <a:t>2022/10/14</a:t>
             </a:fld>
             <a:endParaRPr lang="zh-CN" altLang="en-US"/>
           </a:p>
@@ -646,7 +649,7 @@
           <a:p>
             <a:fld id="{576AEA4E-DEFB-4B0D-A2D8-8DACDE2ABBD4}" type="datetimeFigureOut">
               <a:rPr lang="zh-CN" altLang="en-US" smtClean="0"/>
-              <a:t>2022/10/13</a:t>
+              <a:t>2022/10/14</a:t>
             </a:fld>
             <a:endParaRPr lang="zh-CN" altLang="en-US"/>
           </a:p>
@@ -844,7 +847,7 @@
           <a:p>
             <a:fld id="{576AEA4E-DEFB-4B0D-A2D8-8DACDE2ABBD4}" type="datetimeFigureOut">
               <a:rPr lang="zh-CN" altLang="en-US" smtClean="0"/>
-              <a:t>2022/10/13</a:t>
+              <a:t>2022/10/14</a:t>
             </a:fld>
             <a:endParaRPr lang="zh-CN" altLang="en-US"/>
           </a:p>
@@ -1052,7 +1055,7 @@
           <a:p>
             <a:fld id="{576AEA4E-DEFB-4B0D-A2D8-8DACDE2ABBD4}" type="datetimeFigureOut">
               <a:rPr lang="zh-CN" altLang="en-US" smtClean="0"/>
-              <a:t>2022/10/13</a:t>
+              <a:t>2022/10/14</a:t>
             </a:fld>
             <a:endParaRPr lang="zh-CN" altLang="en-US"/>
           </a:p>
@@ -1250,7 +1253,7 @@
           <a:p>
             <a:fld id="{576AEA4E-DEFB-4B0D-A2D8-8DACDE2ABBD4}" type="datetimeFigureOut">
               <a:rPr lang="zh-CN" altLang="en-US" smtClean="0"/>
-              <a:t>2022/10/13</a:t>
+              <a:t>2022/10/14</a:t>
             </a:fld>
             <a:endParaRPr lang="zh-CN" altLang="en-US"/>
           </a:p>
@@ -1525,7 +1528,7 @@
           <a:p>
             <a:fld id="{576AEA4E-DEFB-4B0D-A2D8-8DACDE2ABBD4}" type="datetimeFigureOut">
               <a:rPr lang="zh-CN" altLang="en-US" smtClean="0"/>
-              <a:t>2022/10/13</a:t>
+              <a:t>2022/10/14</a:t>
             </a:fld>
             <a:endParaRPr lang="zh-CN" altLang="en-US"/>
           </a:p>
@@ -1790,7 +1793,7 @@
           <a:p>
             <a:fld id="{576AEA4E-DEFB-4B0D-A2D8-8DACDE2ABBD4}" type="datetimeFigureOut">
               <a:rPr lang="zh-CN" altLang="en-US" smtClean="0"/>
-              <a:t>2022/10/13</a:t>
+              <a:t>2022/10/14</a:t>
             </a:fld>
             <a:endParaRPr lang="zh-CN" altLang="en-US"/>
           </a:p>
@@ -2202,7 +2205,7 @@
           <a:p>
             <a:fld id="{576AEA4E-DEFB-4B0D-A2D8-8DACDE2ABBD4}" type="datetimeFigureOut">
               <a:rPr lang="zh-CN" altLang="en-US" smtClean="0"/>
-              <a:t>2022/10/13</a:t>
+              <a:t>2022/10/14</a:t>
             </a:fld>
             <a:endParaRPr lang="zh-CN" altLang="en-US"/>
           </a:p>
@@ -2343,7 +2346,7 @@
           <a:p>
             <a:fld id="{576AEA4E-DEFB-4B0D-A2D8-8DACDE2ABBD4}" type="datetimeFigureOut">
               <a:rPr lang="zh-CN" altLang="en-US" smtClean="0"/>
-              <a:t>2022/10/13</a:t>
+              <a:t>2022/10/14</a:t>
             </a:fld>
             <a:endParaRPr lang="zh-CN" altLang="en-US"/>
           </a:p>
@@ -2456,7 +2459,7 @@
           <a:p>
             <a:fld id="{576AEA4E-DEFB-4B0D-A2D8-8DACDE2ABBD4}" type="datetimeFigureOut">
               <a:rPr lang="zh-CN" altLang="en-US" smtClean="0"/>
-              <a:t>2022/10/13</a:t>
+              <a:t>2022/10/14</a:t>
             </a:fld>
             <a:endParaRPr lang="zh-CN" altLang="en-US"/>
           </a:p>
@@ -2767,7 +2770,7 @@
           <a:p>
             <a:fld id="{576AEA4E-DEFB-4B0D-A2D8-8DACDE2ABBD4}" type="datetimeFigureOut">
               <a:rPr lang="zh-CN" altLang="en-US" smtClean="0"/>
-              <a:t>2022/10/13</a:t>
+              <a:t>2022/10/14</a:t>
             </a:fld>
             <a:endParaRPr lang="zh-CN" altLang="en-US"/>
           </a:p>
@@ -3055,7 +3058,7 @@
           <a:p>
             <a:fld id="{576AEA4E-DEFB-4B0D-A2D8-8DACDE2ABBD4}" type="datetimeFigureOut">
               <a:rPr lang="zh-CN" altLang="en-US" smtClean="0"/>
-              <a:t>2022/10/13</a:t>
+              <a:t>2022/10/14</a:t>
             </a:fld>
             <a:endParaRPr lang="zh-CN" altLang="en-US"/>
           </a:p>
@@ -3296,7 +3299,7 @@
           <a:p>
             <a:fld id="{576AEA4E-DEFB-4B0D-A2D8-8DACDE2ABBD4}" type="datetimeFigureOut">
               <a:rPr lang="zh-CN" altLang="en-US" smtClean="0"/>
-              <a:t>2022/10/13</a:t>
+              <a:t>2022/10/14</a:t>
             </a:fld>
             <a:endParaRPr lang="zh-CN" altLang="en-US"/>
           </a:p>
@@ -15416,7 +15419,7 @@
         </p:blipFill>
         <p:spPr>
           <a:xfrm>
-            <a:off x="0" y="386683"/>
+            <a:off x="0" y="394057"/>
             <a:ext cx="12192000" cy="6084634"/>
           </a:xfrm>
           <a:prstGeom prst="rect">
@@ -17411,12 +17414,123 @@
           <a:chExt cx="0" cy="0"/>
         </a:xfrm>
       </p:grpSpPr>
+      <p:grpSp>
+        <p:nvGrpSpPr>
+          <p:cNvPr id="12" name="组合 11">
+            <a:extLst>
+              <a:ext uri="{FF2B5EF4-FFF2-40B4-BE49-F238E27FC236}">
+                <a16:creationId xmlns:a16="http://schemas.microsoft.com/office/drawing/2014/main" id="{731A8554-B202-5DC2-EC6A-981085EEBAA2}"/>
+              </a:ext>
+            </a:extLst>
+          </p:cNvPr>
+          <p:cNvGrpSpPr/>
+          <p:nvPr/>
+        </p:nvGrpSpPr>
+        <p:grpSpPr>
+          <a:xfrm>
+            <a:off x="471948" y="261783"/>
+            <a:ext cx="11425084" cy="3004984"/>
+            <a:chOff x="582561" y="84803"/>
+            <a:chExt cx="11425084" cy="3004984"/>
+          </a:xfrm>
+        </p:grpSpPr>
+        <p:pic>
+          <p:nvPicPr>
+            <p:cNvPr id="7" name="图片 6">
+              <a:extLst>
+                <a:ext uri="{FF2B5EF4-FFF2-40B4-BE49-F238E27FC236}">
+                  <a16:creationId xmlns:a16="http://schemas.microsoft.com/office/drawing/2014/main" id="{26625C9B-78FB-2B88-94C3-22002BE9E759}"/>
+                </a:ext>
+              </a:extLst>
+            </p:cNvPr>
+            <p:cNvPicPr>
+              <a:picLocks noChangeAspect="1"/>
+            </p:cNvPicPr>
+            <p:nvPr/>
+          </p:nvPicPr>
+          <p:blipFill>
+            <a:blip r:embed="rId2"/>
+            <a:stretch>
+              <a:fillRect/>
+            </a:stretch>
+          </p:blipFill>
+          <p:spPr>
+            <a:xfrm>
+              <a:off x="582561" y="84803"/>
+              <a:ext cx="4006645" cy="3004984"/>
+            </a:xfrm>
+            <a:prstGeom prst="rect">
+              <a:avLst/>
+            </a:prstGeom>
+          </p:spPr>
+        </p:pic>
+        <p:pic>
+          <p:nvPicPr>
+            <p:cNvPr id="9" name="图片 8">
+              <a:extLst>
+                <a:ext uri="{FF2B5EF4-FFF2-40B4-BE49-F238E27FC236}">
+                  <a16:creationId xmlns:a16="http://schemas.microsoft.com/office/drawing/2014/main" id="{7DBDADCC-B538-3604-700D-BEA3F52313AB}"/>
+                </a:ext>
+              </a:extLst>
+            </p:cNvPr>
+            <p:cNvPicPr>
+              <a:picLocks noChangeAspect="1"/>
+            </p:cNvPicPr>
+            <p:nvPr/>
+          </p:nvPicPr>
+          <p:blipFill>
+            <a:blip r:embed="rId3"/>
+            <a:stretch>
+              <a:fillRect/>
+            </a:stretch>
+          </p:blipFill>
+          <p:spPr>
+            <a:xfrm>
+              <a:off x="4291781" y="84803"/>
+              <a:ext cx="4006645" cy="3004984"/>
+            </a:xfrm>
+            <a:prstGeom prst="rect">
+              <a:avLst/>
+            </a:prstGeom>
+          </p:spPr>
+        </p:pic>
+        <p:pic>
+          <p:nvPicPr>
+            <p:cNvPr id="11" name="图片 10">
+              <a:extLst>
+                <a:ext uri="{FF2B5EF4-FFF2-40B4-BE49-F238E27FC236}">
+                  <a16:creationId xmlns:a16="http://schemas.microsoft.com/office/drawing/2014/main" id="{9BDD6AB3-C66F-FEB6-DE55-751EDF8519BE}"/>
+                </a:ext>
+              </a:extLst>
+            </p:cNvPr>
+            <p:cNvPicPr>
+              <a:picLocks noChangeAspect="1"/>
+            </p:cNvPicPr>
+            <p:nvPr/>
+          </p:nvPicPr>
+          <p:blipFill>
+            <a:blip r:embed="rId4"/>
+            <a:stretch>
+              <a:fillRect/>
+            </a:stretch>
+          </p:blipFill>
+          <p:spPr>
+            <a:xfrm>
+              <a:off x="8001000" y="84803"/>
+              <a:ext cx="4006645" cy="3004984"/>
+            </a:xfrm>
+            <a:prstGeom prst="rect">
+              <a:avLst/>
+            </a:prstGeom>
+          </p:spPr>
+        </p:pic>
+      </p:grpSp>
       <p:pic>
         <p:nvPicPr>
-          <p:cNvPr id="5" name="图片 4">
+          <p:cNvPr id="14" name="图片 13">
             <a:extLst>
               <a:ext uri="{FF2B5EF4-FFF2-40B4-BE49-F238E27FC236}">
-                <a16:creationId xmlns:a16="http://schemas.microsoft.com/office/drawing/2014/main" id="{1201C35B-3F69-AF32-972F-56E98318FACE}"/>
+                <a16:creationId xmlns:a16="http://schemas.microsoft.com/office/drawing/2014/main" id="{B8FD5DBB-37A3-34D6-1A40-0A520B6669E5}"/>
               </a:ext>
             </a:extLst>
           </p:cNvPr>
@@ -17426,21 +17540,384 @@
           <p:nvPr/>
         </p:nvPicPr>
         <p:blipFill>
-          <a:blip r:embed="rId2"/>
+          <a:blip r:embed="rId5"/>
           <a:stretch>
             <a:fillRect/>
           </a:stretch>
         </p:blipFill>
         <p:spPr>
           <a:xfrm>
-            <a:off x="295200" y="1676662"/>
-            <a:ext cx="5097600" cy="3680669"/>
+            <a:off x="471947" y="3266767"/>
+            <a:ext cx="4006645" cy="3004984"/>
           </a:xfrm>
           <a:prstGeom prst="rect">
             <a:avLst/>
           </a:prstGeom>
         </p:spPr>
       </p:pic>
+      <p:pic>
+        <p:nvPicPr>
+          <p:cNvPr id="16" name="图片 15">
+            <a:extLst>
+              <a:ext uri="{FF2B5EF4-FFF2-40B4-BE49-F238E27FC236}">
+                <a16:creationId xmlns:a16="http://schemas.microsoft.com/office/drawing/2014/main" id="{3A3A17BA-0CB9-9B22-8BC0-8E837B31AA2F}"/>
+              </a:ext>
+            </a:extLst>
+          </p:cNvPr>
+          <p:cNvPicPr>
+            <a:picLocks noChangeAspect="1"/>
+          </p:cNvPicPr>
+          <p:nvPr/>
+        </p:nvPicPr>
+        <p:blipFill>
+          <a:blip r:embed="rId6"/>
+          <a:stretch>
+            <a:fillRect/>
+          </a:stretch>
+        </p:blipFill>
+        <p:spPr>
+          <a:xfrm>
+            <a:off x="4181167" y="3266767"/>
+            <a:ext cx="4006645" cy="3004984"/>
+          </a:xfrm>
+          <a:prstGeom prst="rect">
+            <a:avLst/>
+          </a:prstGeom>
+        </p:spPr>
+      </p:pic>
+      <p:pic>
+        <p:nvPicPr>
+          <p:cNvPr id="18" name="图片 17">
+            <a:extLst>
+              <a:ext uri="{FF2B5EF4-FFF2-40B4-BE49-F238E27FC236}">
+                <a16:creationId xmlns:a16="http://schemas.microsoft.com/office/drawing/2014/main" id="{4833C1AD-A580-2BAC-E527-9D676E642462}"/>
+              </a:ext>
+            </a:extLst>
+          </p:cNvPr>
+          <p:cNvPicPr>
+            <a:picLocks noChangeAspect="1"/>
+          </p:cNvPicPr>
+          <p:nvPr/>
+        </p:nvPicPr>
+        <p:blipFill>
+          <a:blip r:embed="rId7"/>
+          <a:stretch>
+            <a:fillRect/>
+          </a:stretch>
+        </p:blipFill>
+        <p:spPr>
+          <a:xfrm>
+            <a:off x="7890386" y="3266767"/>
+            <a:ext cx="4006645" cy="3004984"/>
+          </a:xfrm>
+          <a:prstGeom prst="rect">
+            <a:avLst/>
+          </a:prstGeom>
+        </p:spPr>
+      </p:pic>
+    </p:spTree>
+    <p:extLst>
+      <p:ext uri="{BB962C8B-B14F-4D97-AF65-F5344CB8AC3E}">
+        <p14:creationId xmlns:p14="http://schemas.microsoft.com/office/powerpoint/2010/main" val="3497633211"/>
+      </p:ext>
+    </p:extLst>
+  </p:cSld>
+  <p:clrMapOvr>
+    <a:masterClrMapping/>
+  </p:clrMapOvr>
+</p:sld>
+</file>
+
+<file path=ppt/slides/slide37.xml><?xml version="1.0" encoding="utf-8"?>
+<p:sld xmlns:a="http://schemas.openxmlformats.org/drawingml/2006/main" xmlns:r="http://schemas.openxmlformats.org/officeDocument/2006/relationships" xmlns:p="http://schemas.openxmlformats.org/presentationml/2006/main">
+  <p:cSld>
+    <p:spTree>
+      <p:nvGrpSpPr>
+        <p:cNvPr id="1" name=""/>
+        <p:cNvGrpSpPr/>
+        <p:nvPr/>
+      </p:nvGrpSpPr>
+      <p:grpSpPr>
+        <a:xfrm>
+          <a:off x="0" y="0"/>
+          <a:ext cx="0" cy="0"/>
+          <a:chOff x="0" y="0"/>
+          <a:chExt cx="0" cy="0"/>
+        </a:xfrm>
+      </p:grpSpPr>
+      <p:grpSp>
+        <p:nvGrpSpPr>
+          <p:cNvPr id="20" name="组合 19">
+            <a:extLst>
+              <a:ext uri="{FF2B5EF4-FFF2-40B4-BE49-F238E27FC236}">
+                <a16:creationId xmlns:a16="http://schemas.microsoft.com/office/drawing/2014/main" id="{073ADBA5-89F6-22BD-6DA3-BA43F8ED03F0}"/>
+              </a:ext>
+            </a:extLst>
+          </p:cNvPr>
+          <p:cNvGrpSpPr/>
+          <p:nvPr/>
+        </p:nvGrpSpPr>
+        <p:grpSpPr>
+          <a:xfrm>
+            <a:off x="508819" y="355802"/>
+            <a:ext cx="11017046" cy="5840362"/>
+            <a:chOff x="501445" y="282060"/>
+            <a:chExt cx="11017046" cy="5840362"/>
+          </a:xfrm>
+        </p:grpSpPr>
+        <p:grpSp>
+          <p:nvGrpSpPr>
+            <p:cNvPr id="12" name="组合 11">
+              <a:extLst>
+                <a:ext uri="{FF2B5EF4-FFF2-40B4-BE49-F238E27FC236}">
+                  <a16:creationId xmlns:a16="http://schemas.microsoft.com/office/drawing/2014/main" id="{78F8ADC1-423E-F0AC-690E-6185CB2E747A}"/>
+                </a:ext>
+              </a:extLst>
+            </p:cNvPr>
+            <p:cNvGrpSpPr/>
+            <p:nvPr/>
+          </p:nvGrpSpPr>
+          <p:grpSpPr>
+            <a:xfrm>
+              <a:off x="501445" y="282060"/>
+              <a:ext cx="11017046" cy="2920181"/>
+              <a:chOff x="1025012" y="134576"/>
+              <a:chExt cx="11017046" cy="2920181"/>
+            </a:xfrm>
+          </p:grpSpPr>
+          <p:pic>
+            <p:nvPicPr>
+              <p:cNvPr id="7" name="图片 6">
+                <a:extLst>
+                  <a:ext uri="{FF2B5EF4-FFF2-40B4-BE49-F238E27FC236}">
+                    <a16:creationId xmlns:a16="http://schemas.microsoft.com/office/drawing/2014/main" id="{8639DC66-6D34-2462-2BAE-58E30F317C50}"/>
+                  </a:ext>
+                </a:extLst>
+              </p:cNvPr>
+              <p:cNvPicPr>
+                <a:picLocks noChangeAspect="1"/>
+              </p:cNvPicPr>
+              <p:nvPr/>
+            </p:nvPicPr>
+            <p:blipFill>
+              <a:blip r:embed="rId2"/>
+              <a:stretch>
+                <a:fillRect/>
+              </a:stretch>
+            </p:blipFill>
+            <p:spPr>
+              <a:xfrm>
+                <a:off x="1025012" y="134576"/>
+                <a:ext cx="3893575" cy="2920181"/>
+              </a:xfrm>
+              <a:prstGeom prst="rect">
+                <a:avLst/>
+              </a:prstGeom>
+            </p:spPr>
+          </p:pic>
+          <p:pic>
+            <p:nvPicPr>
+              <p:cNvPr id="9" name="图片 8">
+                <a:extLst>
+                  <a:ext uri="{FF2B5EF4-FFF2-40B4-BE49-F238E27FC236}">
+                    <a16:creationId xmlns:a16="http://schemas.microsoft.com/office/drawing/2014/main" id="{588DA7BA-B172-D727-2632-F772319E24E1}"/>
+                  </a:ext>
+                </a:extLst>
+              </p:cNvPr>
+              <p:cNvPicPr>
+                <a:picLocks noChangeAspect="1"/>
+              </p:cNvPicPr>
+              <p:nvPr/>
+            </p:nvPicPr>
+            <p:blipFill>
+              <a:blip r:embed="rId3"/>
+              <a:stretch>
+                <a:fillRect/>
+              </a:stretch>
+            </p:blipFill>
+            <p:spPr>
+              <a:xfrm>
+                <a:off x="4586748" y="134576"/>
+                <a:ext cx="3893574" cy="2920181"/>
+              </a:xfrm>
+              <a:prstGeom prst="rect">
+                <a:avLst/>
+              </a:prstGeom>
+            </p:spPr>
+          </p:pic>
+          <p:pic>
+            <p:nvPicPr>
+              <p:cNvPr id="11" name="图片 10">
+                <a:extLst>
+                  <a:ext uri="{FF2B5EF4-FFF2-40B4-BE49-F238E27FC236}">
+                    <a16:creationId xmlns:a16="http://schemas.microsoft.com/office/drawing/2014/main" id="{27E65649-4FB3-524D-90CB-2FA22FFB98BF}"/>
+                  </a:ext>
+                </a:extLst>
+              </p:cNvPr>
+              <p:cNvPicPr>
+                <a:picLocks noChangeAspect="1"/>
+              </p:cNvPicPr>
+              <p:nvPr/>
+            </p:nvPicPr>
+            <p:blipFill>
+              <a:blip r:embed="rId4"/>
+              <a:stretch>
+                <a:fillRect/>
+              </a:stretch>
+            </p:blipFill>
+            <p:spPr>
+              <a:xfrm>
+                <a:off x="8148484" y="134576"/>
+                <a:ext cx="3893574" cy="2920181"/>
+              </a:xfrm>
+              <a:prstGeom prst="rect">
+                <a:avLst/>
+              </a:prstGeom>
+            </p:spPr>
+          </p:pic>
+        </p:grpSp>
+        <p:grpSp>
+          <p:nvGrpSpPr>
+            <p:cNvPr id="19" name="组合 18">
+              <a:extLst>
+                <a:ext uri="{FF2B5EF4-FFF2-40B4-BE49-F238E27FC236}">
+                  <a16:creationId xmlns:a16="http://schemas.microsoft.com/office/drawing/2014/main" id="{C53650E8-F5F5-C571-E3E8-4085404FF30B}"/>
+                </a:ext>
+              </a:extLst>
+            </p:cNvPr>
+            <p:cNvGrpSpPr/>
+            <p:nvPr/>
+          </p:nvGrpSpPr>
+          <p:grpSpPr>
+            <a:xfrm>
+              <a:off x="501446" y="3202241"/>
+              <a:ext cx="11017044" cy="2920181"/>
+              <a:chOff x="501446" y="3202241"/>
+              <a:chExt cx="11017044" cy="2920181"/>
+            </a:xfrm>
+          </p:grpSpPr>
+          <p:pic>
+            <p:nvPicPr>
+              <p:cNvPr id="14" name="图片 13">
+                <a:extLst>
+                  <a:ext uri="{FF2B5EF4-FFF2-40B4-BE49-F238E27FC236}">
+                    <a16:creationId xmlns:a16="http://schemas.microsoft.com/office/drawing/2014/main" id="{256303B6-BD10-681F-F058-127BD6DC9236}"/>
+                  </a:ext>
+                </a:extLst>
+              </p:cNvPr>
+              <p:cNvPicPr>
+                <a:picLocks noChangeAspect="1"/>
+              </p:cNvPicPr>
+              <p:nvPr/>
+            </p:nvPicPr>
+            <p:blipFill>
+              <a:blip r:embed="rId5"/>
+              <a:stretch>
+                <a:fillRect/>
+              </a:stretch>
+            </p:blipFill>
+            <p:spPr>
+              <a:xfrm>
+                <a:off x="501446" y="3202241"/>
+                <a:ext cx="3893574" cy="2920181"/>
+              </a:xfrm>
+              <a:prstGeom prst="rect">
+                <a:avLst/>
+              </a:prstGeom>
+            </p:spPr>
+          </p:pic>
+          <p:pic>
+            <p:nvPicPr>
+              <p:cNvPr id="16" name="图片 15">
+                <a:extLst>
+                  <a:ext uri="{FF2B5EF4-FFF2-40B4-BE49-F238E27FC236}">
+                    <a16:creationId xmlns:a16="http://schemas.microsoft.com/office/drawing/2014/main" id="{BDF3C2A1-01AB-65E0-6F7E-72245C51FF72}"/>
+                  </a:ext>
+                </a:extLst>
+              </p:cNvPr>
+              <p:cNvPicPr>
+                <a:picLocks noChangeAspect="1"/>
+              </p:cNvPicPr>
+              <p:nvPr/>
+            </p:nvPicPr>
+            <p:blipFill>
+              <a:blip r:embed="rId6"/>
+              <a:stretch>
+                <a:fillRect/>
+              </a:stretch>
+            </p:blipFill>
+            <p:spPr>
+              <a:xfrm>
+                <a:off x="4063181" y="3202241"/>
+                <a:ext cx="3893574" cy="2920181"/>
+              </a:xfrm>
+              <a:prstGeom prst="rect">
+                <a:avLst/>
+              </a:prstGeom>
+            </p:spPr>
+          </p:pic>
+          <p:pic>
+            <p:nvPicPr>
+              <p:cNvPr id="18" name="图片 17">
+                <a:extLst>
+                  <a:ext uri="{FF2B5EF4-FFF2-40B4-BE49-F238E27FC236}">
+                    <a16:creationId xmlns:a16="http://schemas.microsoft.com/office/drawing/2014/main" id="{A6C7B942-2F63-F20C-72D7-B2A1E91B5346}"/>
+                  </a:ext>
+                </a:extLst>
+              </p:cNvPr>
+              <p:cNvPicPr>
+                <a:picLocks noChangeAspect="1"/>
+              </p:cNvPicPr>
+              <p:nvPr/>
+            </p:nvPicPr>
+            <p:blipFill>
+              <a:blip r:embed="rId7"/>
+              <a:stretch>
+                <a:fillRect/>
+              </a:stretch>
+            </p:blipFill>
+            <p:spPr>
+              <a:xfrm>
+                <a:off x="7624916" y="3202241"/>
+                <a:ext cx="3893574" cy="2920181"/>
+              </a:xfrm>
+              <a:prstGeom prst="rect">
+                <a:avLst/>
+              </a:prstGeom>
+            </p:spPr>
+          </p:pic>
+        </p:grpSp>
+      </p:grpSp>
+    </p:spTree>
+    <p:extLst>
+      <p:ext uri="{BB962C8B-B14F-4D97-AF65-F5344CB8AC3E}">
+        <p14:creationId xmlns:p14="http://schemas.microsoft.com/office/powerpoint/2010/main" val="1145127508"/>
+      </p:ext>
+    </p:extLst>
+  </p:cSld>
+  <p:clrMapOvr>
+    <a:masterClrMapping/>
+  </p:clrMapOvr>
+</p:sld>
+</file>
+
+<file path=ppt/slides/slide38.xml><?xml version="1.0" encoding="utf-8"?>
+<p:sld xmlns:a="http://schemas.openxmlformats.org/drawingml/2006/main" xmlns:r="http://schemas.openxmlformats.org/officeDocument/2006/relationships" xmlns:p="http://schemas.openxmlformats.org/presentationml/2006/main">
+  <p:cSld>
+    <p:spTree>
+      <p:nvGrpSpPr>
+        <p:cNvPr id="1" name=""/>
+        <p:cNvGrpSpPr/>
+        <p:nvPr/>
+      </p:nvGrpSpPr>
+      <p:grpSpPr>
+        <a:xfrm>
+          <a:off x="0" y="0"/>
+          <a:ext cx="0" cy="0"/>
+          <a:chOff x="0" y="0"/>
+          <a:chExt cx="0" cy="0"/>
+        </a:xfrm>
+      </p:grpSpPr>
       <p:sp>
         <p:nvSpPr>
           <p:cNvPr id="6" name="文本框 5">
@@ -17455,8 +17932,8 @@
         </p:nvSpPr>
         <p:spPr>
           <a:xfrm>
-            <a:off x="1897266" y="1307330"/>
-            <a:ext cx="1893467" cy="369332"/>
+            <a:off x="2529346" y="1319669"/>
+            <a:ext cx="561372" cy="369332"/>
           </a:xfrm>
           <a:prstGeom prst="rect">
             <a:avLst/>
@@ -17471,16 +17948,127 @@
           <a:p>
             <a:r>
               <a:rPr lang="en-US" altLang="zh-CN" dirty="0"/>
-              <a:t>Std of each block</a:t>
+              <a:t>Std.</a:t>
             </a:r>
             <a:endParaRPr lang="zh-CN" altLang="en-US" dirty="0"/>
           </a:p>
         </p:txBody>
       </p:sp>
+      <p:grpSp>
+        <p:nvGrpSpPr>
+          <p:cNvPr id="8" name="组合 7">
+            <a:extLst>
+              <a:ext uri="{FF2B5EF4-FFF2-40B4-BE49-F238E27FC236}">
+                <a16:creationId xmlns:a16="http://schemas.microsoft.com/office/drawing/2014/main" id="{140833A9-DD01-DEA1-2F49-78A05D14511B}"/>
+              </a:ext>
+            </a:extLst>
+          </p:cNvPr>
+          <p:cNvGrpSpPr/>
+          <p:nvPr/>
+        </p:nvGrpSpPr>
+        <p:grpSpPr>
+          <a:xfrm>
+            <a:off x="231165" y="1319669"/>
+            <a:ext cx="11021855" cy="3867765"/>
+            <a:chOff x="231165" y="1319669"/>
+            <a:chExt cx="11021855" cy="3867765"/>
+          </a:xfrm>
+        </p:grpSpPr>
+        <p:pic>
+          <p:nvPicPr>
+            <p:cNvPr id="3" name="图片 2">
+              <a:extLst>
+                <a:ext uri="{FF2B5EF4-FFF2-40B4-BE49-F238E27FC236}">
+                  <a16:creationId xmlns:a16="http://schemas.microsoft.com/office/drawing/2014/main" id="{27A8D8EE-AAD3-B8AC-30FC-EED2E7445CEF}"/>
+                </a:ext>
+              </a:extLst>
+            </p:cNvPr>
+            <p:cNvPicPr>
+              <a:picLocks noChangeAspect="1"/>
+            </p:cNvPicPr>
+            <p:nvPr/>
+          </p:nvPicPr>
+          <p:blipFill>
+            <a:blip r:embed="rId2"/>
+            <a:stretch>
+              <a:fillRect/>
+            </a:stretch>
+          </p:blipFill>
+          <p:spPr>
+            <a:xfrm>
+              <a:off x="231165" y="1689001"/>
+              <a:ext cx="5157735" cy="3479997"/>
+            </a:xfrm>
+            <a:prstGeom prst="rect">
+              <a:avLst/>
+            </a:prstGeom>
+          </p:spPr>
+        </p:pic>
+        <p:pic>
+          <p:nvPicPr>
+            <p:cNvPr id="7" name="图片 6">
+              <a:extLst>
+                <a:ext uri="{FF2B5EF4-FFF2-40B4-BE49-F238E27FC236}">
+                  <a16:creationId xmlns:a16="http://schemas.microsoft.com/office/drawing/2014/main" id="{E4F35D2B-E1EF-8C63-03FB-32338A16F5DE}"/>
+                </a:ext>
+              </a:extLst>
+            </p:cNvPr>
+            <p:cNvPicPr>
+              <a:picLocks noChangeAspect="1"/>
+            </p:cNvPicPr>
+            <p:nvPr/>
+          </p:nvPicPr>
+          <p:blipFill>
+            <a:blip r:embed="rId3"/>
+            <a:stretch>
+              <a:fillRect/>
+            </a:stretch>
+          </p:blipFill>
+          <p:spPr>
+            <a:xfrm>
+              <a:off x="6096000" y="1319669"/>
+              <a:ext cx="5157020" cy="3867765"/>
+            </a:xfrm>
+            <a:prstGeom prst="rect">
+              <a:avLst/>
+            </a:prstGeom>
+          </p:spPr>
+        </p:pic>
+      </p:grpSp>
     </p:spTree>
     <p:extLst>
       <p:ext uri="{BB962C8B-B14F-4D97-AF65-F5344CB8AC3E}">
         <p14:creationId xmlns:p14="http://schemas.microsoft.com/office/powerpoint/2010/main" val="2706068582"/>
+      </p:ext>
+    </p:extLst>
+  </p:cSld>
+  <p:clrMapOvr>
+    <a:masterClrMapping/>
+  </p:clrMapOvr>
+</p:sld>
+</file>
+
+<file path=ppt/slides/slide39.xml><?xml version="1.0" encoding="utf-8"?>
+<p:sld xmlns:a="http://schemas.openxmlformats.org/drawingml/2006/main" xmlns:r="http://schemas.openxmlformats.org/officeDocument/2006/relationships" xmlns:p="http://schemas.openxmlformats.org/presentationml/2006/main">
+  <p:cSld>
+    <p:spTree>
+      <p:nvGrpSpPr>
+        <p:cNvPr id="1" name=""/>
+        <p:cNvGrpSpPr/>
+        <p:nvPr/>
+      </p:nvGrpSpPr>
+      <p:grpSpPr>
+        <a:xfrm>
+          <a:off x="0" y="0"/>
+          <a:ext cx="0" cy="0"/>
+          <a:chOff x="0" y="0"/>
+          <a:chExt cx="0" cy="0"/>
+        </a:xfrm>
+      </p:grpSpPr>
+    </p:spTree>
+    <p:extLst>
+      <p:ext uri="{BB962C8B-B14F-4D97-AF65-F5344CB8AC3E}">
+        <p14:creationId xmlns:p14="http://schemas.microsoft.com/office/powerpoint/2010/main" val="3070350265"/>
       </p:ext>
     </p:extLst>
   </p:cSld>

--- a/discussion.pptx
+++ b/discussion.pptx
@@ -5,7 +5,7 @@
     <p:sldMasterId id="2147483648" r:id="rId1"/>
   </p:sldMasterIdLst>
   <p:notesMasterIdLst>
-    <p:notesMasterId r:id="rId41"/>
+    <p:notesMasterId r:id="rId49"/>
   </p:notesMasterIdLst>
   <p:sldIdLst>
     <p:sldId id="259" r:id="rId2"/>
@@ -47,6 +47,14 @@
     <p:sldId id="336" r:id="rId38"/>
     <p:sldId id="333" r:id="rId39"/>
     <p:sldId id="334" r:id="rId40"/>
+    <p:sldId id="337" r:id="rId41"/>
+    <p:sldId id="338" r:id="rId42"/>
+    <p:sldId id="339" r:id="rId43"/>
+    <p:sldId id="340" r:id="rId44"/>
+    <p:sldId id="341" r:id="rId45"/>
+    <p:sldId id="342" r:id="rId46"/>
+    <p:sldId id="343" r:id="rId47"/>
+    <p:sldId id="344" r:id="rId48"/>
   </p:sldIdLst>
   <p:sldSz cx="12192000" cy="6858000"/>
   <p:notesSz cx="6858000" cy="9144000"/>
@@ -235,7 +243,7 @@
           <a:p>
             <a:fld id="{C78066DA-44A7-489A-A2A9-BB601C82BBA7}" type="datetimeFigureOut">
               <a:rPr lang="zh-CN" altLang="en-US" smtClean="0"/>
-              <a:t>2022/10/14</a:t>
+              <a:t>2022/10/16</a:t>
             </a:fld>
             <a:endParaRPr lang="zh-CN" altLang="en-US"/>
           </a:p>
@@ -649,7 +657,7 @@
           <a:p>
             <a:fld id="{576AEA4E-DEFB-4B0D-A2D8-8DACDE2ABBD4}" type="datetimeFigureOut">
               <a:rPr lang="zh-CN" altLang="en-US" smtClean="0"/>
-              <a:t>2022/10/14</a:t>
+              <a:t>2022/10/16</a:t>
             </a:fld>
             <a:endParaRPr lang="zh-CN" altLang="en-US"/>
           </a:p>
@@ -847,7 +855,7 @@
           <a:p>
             <a:fld id="{576AEA4E-DEFB-4B0D-A2D8-8DACDE2ABBD4}" type="datetimeFigureOut">
               <a:rPr lang="zh-CN" altLang="en-US" smtClean="0"/>
-              <a:t>2022/10/14</a:t>
+              <a:t>2022/10/16</a:t>
             </a:fld>
             <a:endParaRPr lang="zh-CN" altLang="en-US"/>
           </a:p>
@@ -1055,7 +1063,7 @@
           <a:p>
             <a:fld id="{576AEA4E-DEFB-4B0D-A2D8-8DACDE2ABBD4}" type="datetimeFigureOut">
               <a:rPr lang="zh-CN" altLang="en-US" smtClean="0"/>
-              <a:t>2022/10/14</a:t>
+              <a:t>2022/10/16</a:t>
             </a:fld>
             <a:endParaRPr lang="zh-CN" altLang="en-US"/>
           </a:p>
@@ -1253,7 +1261,7 @@
           <a:p>
             <a:fld id="{576AEA4E-DEFB-4B0D-A2D8-8DACDE2ABBD4}" type="datetimeFigureOut">
               <a:rPr lang="zh-CN" altLang="en-US" smtClean="0"/>
-              <a:t>2022/10/14</a:t>
+              <a:t>2022/10/16</a:t>
             </a:fld>
             <a:endParaRPr lang="zh-CN" altLang="en-US"/>
           </a:p>
@@ -1528,7 +1536,7 @@
           <a:p>
             <a:fld id="{576AEA4E-DEFB-4B0D-A2D8-8DACDE2ABBD4}" type="datetimeFigureOut">
               <a:rPr lang="zh-CN" altLang="en-US" smtClean="0"/>
-              <a:t>2022/10/14</a:t>
+              <a:t>2022/10/16</a:t>
             </a:fld>
             <a:endParaRPr lang="zh-CN" altLang="en-US"/>
           </a:p>
@@ -1793,7 +1801,7 @@
           <a:p>
             <a:fld id="{576AEA4E-DEFB-4B0D-A2D8-8DACDE2ABBD4}" type="datetimeFigureOut">
               <a:rPr lang="zh-CN" altLang="en-US" smtClean="0"/>
-              <a:t>2022/10/14</a:t>
+              <a:t>2022/10/16</a:t>
             </a:fld>
             <a:endParaRPr lang="zh-CN" altLang="en-US"/>
           </a:p>
@@ -2205,7 +2213,7 @@
           <a:p>
             <a:fld id="{576AEA4E-DEFB-4B0D-A2D8-8DACDE2ABBD4}" type="datetimeFigureOut">
               <a:rPr lang="zh-CN" altLang="en-US" smtClean="0"/>
-              <a:t>2022/10/14</a:t>
+              <a:t>2022/10/16</a:t>
             </a:fld>
             <a:endParaRPr lang="zh-CN" altLang="en-US"/>
           </a:p>
@@ -2346,7 +2354,7 @@
           <a:p>
             <a:fld id="{576AEA4E-DEFB-4B0D-A2D8-8DACDE2ABBD4}" type="datetimeFigureOut">
               <a:rPr lang="zh-CN" altLang="en-US" smtClean="0"/>
-              <a:t>2022/10/14</a:t>
+              <a:t>2022/10/16</a:t>
             </a:fld>
             <a:endParaRPr lang="zh-CN" altLang="en-US"/>
           </a:p>
@@ -2459,7 +2467,7 @@
           <a:p>
             <a:fld id="{576AEA4E-DEFB-4B0D-A2D8-8DACDE2ABBD4}" type="datetimeFigureOut">
               <a:rPr lang="zh-CN" altLang="en-US" smtClean="0"/>
-              <a:t>2022/10/14</a:t>
+              <a:t>2022/10/16</a:t>
             </a:fld>
             <a:endParaRPr lang="zh-CN" altLang="en-US"/>
           </a:p>
@@ -2770,7 +2778,7 @@
           <a:p>
             <a:fld id="{576AEA4E-DEFB-4B0D-A2D8-8DACDE2ABBD4}" type="datetimeFigureOut">
               <a:rPr lang="zh-CN" altLang="en-US" smtClean="0"/>
-              <a:t>2022/10/14</a:t>
+              <a:t>2022/10/16</a:t>
             </a:fld>
             <a:endParaRPr lang="zh-CN" altLang="en-US"/>
           </a:p>
@@ -3058,7 +3066,7 @@
           <a:p>
             <a:fld id="{576AEA4E-DEFB-4B0D-A2D8-8DACDE2ABBD4}" type="datetimeFigureOut">
               <a:rPr lang="zh-CN" altLang="en-US" smtClean="0"/>
-              <a:t>2022/10/14</a:t>
+              <a:t>2022/10/16</a:t>
             </a:fld>
             <a:endParaRPr lang="zh-CN" altLang="en-US"/>
           </a:p>
@@ -3299,7 +3307,7 @@
           <a:p>
             <a:fld id="{576AEA4E-DEFB-4B0D-A2D8-8DACDE2ABBD4}" type="datetimeFigureOut">
               <a:rPr lang="zh-CN" altLang="en-US" smtClean="0"/>
-              <a:t>2022/10/14</a:t>
+              <a:t>2022/10/16</a:t>
             </a:fld>
             <a:endParaRPr lang="zh-CN" altLang="en-US"/>
           </a:p>
@@ -18065,6 +18073,288 @@
           <a:chExt cx="0" cy="0"/>
         </a:xfrm>
       </p:grpSpPr>
+      <p:grpSp>
+        <p:nvGrpSpPr>
+          <p:cNvPr id="11" name="组合 10">
+            <a:extLst>
+              <a:ext uri="{FF2B5EF4-FFF2-40B4-BE49-F238E27FC236}">
+                <a16:creationId xmlns:a16="http://schemas.microsoft.com/office/drawing/2014/main" id="{222D016F-726F-D30B-6640-44D8B7C05774}"/>
+              </a:ext>
+            </a:extLst>
+          </p:cNvPr>
+          <p:cNvGrpSpPr/>
+          <p:nvPr/>
+        </p:nvGrpSpPr>
+        <p:grpSpPr>
+          <a:xfrm>
+            <a:off x="1108824" y="1674072"/>
+            <a:ext cx="4159479" cy="369332"/>
+            <a:chOff x="1716832" y="1291517"/>
+            <a:chExt cx="4159479" cy="369332"/>
+          </a:xfrm>
+        </p:grpSpPr>
+        <p:sp>
+          <p:nvSpPr>
+            <p:cNvPr id="6" name="文本框 5">
+              <a:extLst>
+                <a:ext uri="{FF2B5EF4-FFF2-40B4-BE49-F238E27FC236}">
+                  <a16:creationId xmlns:a16="http://schemas.microsoft.com/office/drawing/2014/main" id="{59D17479-8770-23DF-A428-8FDCC6EBFD63}"/>
+                </a:ext>
+              </a:extLst>
+            </p:cNvPr>
+            <p:cNvSpPr txBox="1"/>
+            <p:nvPr/>
+          </p:nvSpPr>
+          <p:spPr>
+            <a:xfrm>
+              <a:off x="1716832" y="1291517"/>
+              <a:ext cx="2395207" cy="369332"/>
+            </a:xfrm>
+            <a:prstGeom prst="rect">
+              <a:avLst/>
+            </a:prstGeom>
+            <a:noFill/>
+          </p:spPr>
+          <p:txBody>
+            <a:bodyPr wrap="none" rtlCol="0">
+              <a:spAutoFit/>
+            </a:bodyPr>
+            <a:lstStyle/>
+            <a:p>
+              <a:r>
+                <a:rPr lang="en-US" altLang="zh-CN" dirty="0"/>
+                <a:t>High frequency outlier</a:t>
+              </a:r>
+              <a:endParaRPr lang="zh-CN" altLang="en-US" dirty="0"/>
+            </a:p>
+          </p:txBody>
+        </p:sp>
+        <p:sp>
+          <p:nvSpPr>
+            <p:cNvPr id="8" name="文本框 7">
+              <a:extLst>
+                <a:ext uri="{FF2B5EF4-FFF2-40B4-BE49-F238E27FC236}">
+                  <a16:creationId xmlns:a16="http://schemas.microsoft.com/office/drawing/2014/main" id="{72862AAF-BB8C-9CD9-3A91-3EF27D789B90}"/>
+                </a:ext>
+              </a:extLst>
+            </p:cNvPr>
+            <p:cNvSpPr txBox="1"/>
+            <p:nvPr/>
+          </p:nvSpPr>
+          <p:spPr>
+            <a:xfrm>
+              <a:off x="3857810" y="1291517"/>
+              <a:ext cx="2018501" cy="369332"/>
+            </a:xfrm>
+            <a:prstGeom prst="rect">
+              <a:avLst/>
+            </a:prstGeom>
+            <a:noFill/>
+          </p:spPr>
+          <p:txBody>
+            <a:bodyPr wrap="none" rtlCol="0">
+              <a:spAutoFit/>
+            </a:bodyPr>
+            <a:lstStyle/>
+            <a:p>
+              <a:r>
+                <a:rPr lang="zh-CN" altLang="en-US" dirty="0"/>
+                <a:t>（≥</a:t>
+              </a:r>
+              <a:r>
+                <a:rPr lang="en-US" altLang="zh-CN" dirty="0"/>
+                <a:t>Mean ± std</a:t>
+              </a:r>
+              <a:r>
+                <a:rPr lang="zh-CN" altLang="en-US" dirty="0"/>
+                <a:t>）</a:t>
+              </a:r>
+            </a:p>
+          </p:txBody>
+        </p:sp>
+      </p:grpSp>
+      <p:grpSp>
+        <p:nvGrpSpPr>
+          <p:cNvPr id="10" name="组合 9">
+            <a:extLst>
+              <a:ext uri="{FF2B5EF4-FFF2-40B4-BE49-F238E27FC236}">
+                <a16:creationId xmlns:a16="http://schemas.microsoft.com/office/drawing/2014/main" id="{9FEA738A-9762-B72E-83F3-5B763B1F10DC}"/>
+              </a:ext>
+            </a:extLst>
+          </p:cNvPr>
+          <p:cNvGrpSpPr/>
+          <p:nvPr/>
+        </p:nvGrpSpPr>
+        <p:grpSpPr>
+          <a:xfrm>
+            <a:off x="7091561" y="1674072"/>
+            <a:ext cx="4068700" cy="369332"/>
+            <a:chOff x="7075713" y="1304740"/>
+            <a:chExt cx="4068700" cy="369332"/>
+          </a:xfrm>
+        </p:grpSpPr>
+        <p:sp>
+          <p:nvSpPr>
+            <p:cNvPr id="7" name="文本框 6">
+              <a:extLst>
+                <a:ext uri="{FF2B5EF4-FFF2-40B4-BE49-F238E27FC236}">
+                  <a16:creationId xmlns:a16="http://schemas.microsoft.com/office/drawing/2014/main" id="{D4E5024D-72BF-EE94-3B36-1F22B8591A72}"/>
+                </a:ext>
+              </a:extLst>
+            </p:cNvPr>
+            <p:cNvSpPr txBox="1"/>
+            <p:nvPr/>
+          </p:nvSpPr>
+          <p:spPr>
+            <a:xfrm>
+              <a:off x="7075713" y="1304740"/>
+              <a:ext cx="2326278" cy="369332"/>
+            </a:xfrm>
+            <a:prstGeom prst="rect">
+              <a:avLst/>
+            </a:prstGeom>
+            <a:noFill/>
+          </p:spPr>
+          <p:txBody>
+            <a:bodyPr wrap="none" rtlCol="0">
+              <a:spAutoFit/>
+            </a:bodyPr>
+            <a:lstStyle/>
+            <a:p>
+              <a:r>
+                <a:rPr lang="en-US" altLang="zh-CN" dirty="0"/>
+                <a:t>Low frequency outlier</a:t>
+              </a:r>
+              <a:endParaRPr lang="zh-CN" altLang="en-US" dirty="0"/>
+            </a:p>
+          </p:txBody>
+        </p:sp>
+        <p:sp>
+          <p:nvSpPr>
+            <p:cNvPr id="9" name="文本框 8">
+              <a:extLst>
+                <a:ext uri="{FF2B5EF4-FFF2-40B4-BE49-F238E27FC236}">
+                  <a16:creationId xmlns:a16="http://schemas.microsoft.com/office/drawing/2014/main" id="{BDCDA4A2-59C0-78D4-BAAD-7507674D7A8C}"/>
+                </a:ext>
+              </a:extLst>
+            </p:cNvPr>
+            <p:cNvSpPr txBox="1"/>
+            <p:nvPr/>
+          </p:nvSpPr>
+          <p:spPr>
+            <a:xfrm>
+              <a:off x="9125912" y="1304740"/>
+              <a:ext cx="2018501" cy="369332"/>
+            </a:xfrm>
+            <a:prstGeom prst="rect">
+              <a:avLst/>
+            </a:prstGeom>
+            <a:noFill/>
+          </p:spPr>
+          <p:txBody>
+            <a:bodyPr wrap="none" rtlCol="0">
+              <a:spAutoFit/>
+            </a:bodyPr>
+            <a:lstStyle/>
+            <a:p>
+              <a:r>
+                <a:rPr lang="zh-CN" altLang="en-US" dirty="0"/>
+                <a:t>（≤</a:t>
+              </a:r>
+              <a:r>
+                <a:rPr lang="en-US" altLang="zh-CN" dirty="0"/>
+                <a:t>Mean ± std</a:t>
+              </a:r>
+              <a:r>
+                <a:rPr lang="zh-CN" altLang="en-US" dirty="0"/>
+                <a:t>）</a:t>
+              </a:r>
+            </a:p>
+          </p:txBody>
+        </p:sp>
+      </p:grpSp>
+      <p:pic>
+        <p:nvPicPr>
+          <p:cNvPr id="13" name="图片 12">
+            <a:extLst>
+              <a:ext uri="{FF2B5EF4-FFF2-40B4-BE49-F238E27FC236}">
+                <a16:creationId xmlns:a16="http://schemas.microsoft.com/office/drawing/2014/main" id="{5085C1BD-8DF1-1FC4-72AD-A35F5D57E060}"/>
+              </a:ext>
+            </a:extLst>
+          </p:cNvPr>
+          <p:cNvPicPr>
+            <a:picLocks noChangeAspect="1"/>
+          </p:cNvPicPr>
+          <p:nvPr/>
+        </p:nvPicPr>
+        <p:blipFill>
+          <a:blip r:embed="rId2">
+            <a:clrChange>
+              <a:clrFrom>
+                <a:srgbClr val="FFFFFF"/>
+              </a:clrFrom>
+              <a:clrTo>
+                <a:srgbClr val="FFFFFF">
+                  <a:alpha val="0"/>
+                </a:srgbClr>
+              </a:clrTo>
+            </a:clrChange>
+          </a:blip>
+          <a:stretch>
+            <a:fillRect/>
+          </a:stretch>
+        </p:blipFill>
+        <p:spPr>
+          <a:xfrm>
+            <a:off x="5776596" y="1864231"/>
+            <a:ext cx="6698631" cy="3846104"/>
+          </a:xfrm>
+          <a:prstGeom prst="rect">
+            <a:avLst/>
+          </a:prstGeom>
+        </p:spPr>
+      </p:pic>
+      <p:pic>
+        <p:nvPicPr>
+          <p:cNvPr id="15" name="图片 14">
+            <a:extLst>
+              <a:ext uri="{FF2B5EF4-FFF2-40B4-BE49-F238E27FC236}">
+                <a16:creationId xmlns:a16="http://schemas.microsoft.com/office/drawing/2014/main" id="{C00F2A63-0604-D753-8D04-DD5FEB51380E}"/>
+              </a:ext>
+            </a:extLst>
+          </p:cNvPr>
+          <p:cNvPicPr>
+            <a:picLocks noChangeAspect="1"/>
+          </p:cNvPicPr>
+          <p:nvPr/>
+        </p:nvPicPr>
+        <p:blipFill>
+          <a:blip r:embed="rId3">
+            <a:clrChange>
+              <a:clrFrom>
+                <a:srgbClr val="FFFFFF"/>
+              </a:clrFrom>
+              <a:clrTo>
+                <a:srgbClr val="FFFFFF">
+                  <a:alpha val="0"/>
+                </a:srgbClr>
+              </a:clrTo>
+            </a:clrChange>
+          </a:blip>
+          <a:stretch>
+            <a:fillRect/>
+          </a:stretch>
+        </p:blipFill>
+        <p:spPr>
+          <a:xfrm>
+            <a:off x="-160751" y="1846402"/>
+            <a:ext cx="6698631" cy="3850710"/>
+          </a:xfrm>
+          <a:prstGeom prst="rect">
+            <a:avLst/>
+          </a:prstGeom>
+        </p:spPr>
+      </p:pic>
     </p:spTree>
     <p:extLst>
       <p:ext uri="{BB962C8B-B14F-4D97-AF65-F5344CB8AC3E}">
@@ -18164,6 +18454,1724 @@
     <p:extLst>
       <p:ext uri="{BB962C8B-B14F-4D97-AF65-F5344CB8AC3E}">
         <p14:creationId xmlns:p14="http://schemas.microsoft.com/office/powerpoint/2010/main" val="3326311110"/>
+      </p:ext>
+    </p:extLst>
+  </p:cSld>
+  <p:clrMapOvr>
+    <a:masterClrMapping/>
+  </p:clrMapOvr>
+</p:sld>
+</file>
+
+<file path=ppt/slides/slide40.xml><?xml version="1.0" encoding="utf-8"?>
+<p:sld xmlns:a="http://schemas.openxmlformats.org/drawingml/2006/main" xmlns:r="http://schemas.openxmlformats.org/officeDocument/2006/relationships" xmlns:p="http://schemas.openxmlformats.org/presentationml/2006/main">
+  <p:cSld>
+    <p:spTree>
+      <p:nvGrpSpPr>
+        <p:cNvPr id="1" name=""/>
+        <p:cNvGrpSpPr/>
+        <p:nvPr/>
+      </p:nvGrpSpPr>
+      <p:grpSpPr>
+        <a:xfrm>
+          <a:off x="0" y="0"/>
+          <a:ext cx="0" cy="0"/>
+          <a:chOff x="0" y="0"/>
+          <a:chExt cx="0" cy="0"/>
+        </a:xfrm>
+      </p:grpSpPr>
+      <p:pic>
+        <p:nvPicPr>
+          <p:cNvPr id="5" name="图片 4">
+            <a:extLst>
+              <a:ext uri="{FF2B5EF4-FFF2-40B4-BE49-F238E27FC236}">
+                <a16:creationId xmlns:a16="http://schemas.microsoft.com/office/drawing/2014/main" id="{E1199540-0DC1-FBE7-7744-E729C070C626}"/>
+              </a:ext>
+            </a:extLst>
+          </p:cNvPr>
+          <p:cNvPicPr>
+            <a:picLocks noChangeAspect="1"/>
+          </p:cNvPicPr>
+          <p:nvPr/>
+        </p:nvPicPr>
+        <p:blipFill>
+          <a:blip r:embed="rId2">
+            <a:clrChange>
+              <a:clrFrom>
+                <a:srgbClr val="FFFFFF"/>
+              </a:clrFrom>
+              <a:clrTo>
+                <a:srgbClr val="FFFFFF">
+                  <a:alpha val="0"/>
+                </a:srgbClr>
+              </a:clrTo>
+            </a:clrChange>
+          </a:blip>
+          <a:stretch>
+            <a:fillRect/>
+          </a:stretch>
+        </p:blipFill>
+        <p:spPr>
+          <a:xfrm>
+            <a:off x="-394703" y="1670311"/>
+            <a:ext cx="6767513" cy="3703998"/>
+          </a:xfrm>
+          <a:prstGeom prst="rect">
+            <a:avLst/>
+          </a:prstGeom>
+        </p:spPr>
+      </p:pic>
+      <p:pic>
+        <p:nvPicPr>
+          <p:cNvPr id="7" name="图片 6">
+            <a:extLst>
+              <a:ext uri="{FF2B5EF4-FFF2-40B4-BE49-F238E27FC236}">
+                <a16:creationId xmlns:a16="http://schemas.microsoft.com/office/drawing/2014/main" id="{3E0C8F6C-F2D1-F7A2-D174-50462DA30B48}"/>
+              </a:ext>
+            </a:extLst>
+          </p:cNvPr>
+          <p:cNvPicPr>
+            <a:picLocks noChangeAspect="1"/>
+          </p:cNvPicPr>
+          <p:nvPr/>
+        </p:nvPicPr>
+        <p:blipFill>
+          <a:blip r:embed="rId3">
+            <a:clrChange>
+              <a:clrFrom>
+                <a:srgbClr val="FFFFFF"/>
+              </a:clrFrom>
+              <a:clrTo>
+                <a:srgbClr val="FFFFFF">
+                  <a:alpha val="0"/>
+                </a:srgbClr>
+              </a:clrTo>
+            </a:clrChange>
+          </a:blip>
+          <a:stretch>
+            <a:fillRect/>
+          </a:stretch>
+        </p:blipFill>
+        <p:spPr>
+          <a:xfrm>
+            <a:off x="5655715" y="1670311"/>
+            <a:ext cx="6806096" cy="3703998"/>
+          </a:xfrm>
+          <a:prstGeom prst="rect">
+            <a:avLst/>
+          </a:prstGeom>
+        </p:spPr>
+      </p:pic>
+      <p:grpSp>
+        <p:nvGrpSpPr>
+          <p:cNvPr id="8" name="组合 7">
+            <a:extLst>
+              <a:ext uri="{FF2B5EF4-FFF2-40B4-BE49-F238E27FC236}">
+                <a16:creationId xmlns:a16="http://schemas.microsoft.com/office/drawing/2014/main" id="{7C1FF51A-1822-2B8C-21B1-B12E91C09D1B}"/>
+              </a:ext>
+            </a:extLst>
+          </p:cNvPr>
+          <p:cNvGrpSpPr/>
+          <p:nvPr/>
+        </p:nvGrpSpPr>
+        <p:grpSpPr>
+          <a:xfrm>
+            <a:off x="1136817" y="1590100"/>
+            <a:ext cx="4375885" cy="369332"/>
+            <a:chOff x="1716832" y="1291517"/>
+            <a:chExt cx="4375885" cy="369332"/>
+          </a:xfrm>
+        </p:grpSpPr>
+        <p:sp>
+          <p:nvSpPr>
+            <p:cNvPr id="9" name="文本框 8">
+              <a:extLst>
+                <a:ext uri="{FF2B5EF4-FFF2-40B4-BE49-F238E27FC236}">
+                  <a16:creationId xmlns:a16="http://schemas.microsoft.com/office/drawing/2014/main" id="{9218F981-6CC2-9605-CC03-45886789ECF9}"/>
+                </a:ext>
+              </a:extLst>
+            </p:cNvPr>
+            <p:cNvSpPr txBox="1"/>
+            <p:nvPr/>
+          </p:nvSpPr>
+          <p:spPr>
+            <a:xfrm>
+              <a:off x="1716832" y="1291517"/>
+              <a:ext cx="2395207" cy="369332"/>
+            </a:xfrm>
+            <a:prstGeom prst="rect">
+              <a:avLst/>
+            </a:prstGeom>
+            <a:noFill/>
+          </p:spPr>
+          <p:txBody>
+            <a:bodyPr wrap="none" rtlCol="0">
+              <a:spAutoFit/>
+            </a:bodyPr>
+            <a:lstStyle/>
+            <a:p>
+              <a:r>
+                <a:rPr lang="en-US" altLang="zh-CN" dirty="0"/>
+                <a:t>High frequency outlier</a:t>
+              </a:r>
+              <a:endParaRPr lang="zh-CN" altLang="en-US" dirty="0"/>
+            </a:p>
+          </p:txBody>
+        </p:sp>
+        <p:sp>
+          <p:nvSpPr>
+            <p:cNvPr id="10" name="文本框 9">
+              <a:extLst>
+                <a:ext uri="{FF2B5EF4-FFF2-40B4-BE49-F238E27FC236}">
+                  <a16:creationId xmlns:a16="http://schemas.microsoft.com/office/drawing/2014/main" id="{CE543F81-FB9D-820F-F371-9427816A9596}"/>
+                </a:ext>
+              </a:extLst>
+            </p:cNvPr>
+            <p:cNvSpPr txBox="1"/>
+            <p:nvPr/>
+          </p:nvSpPr>
+          <p:spPr>
+            <a:xfrm>
+              <a:off x="3857810" y="1291517"/>
+              <a:ext cx="2234907" cy="369332"/>
+            </a:xfrm>
+            <a:prstGeom prst="rect">
+              <a:avLst/>
+            </a:prstGeom>
+            <a:noFill/>
+          </p:spPr>
+          <p:txBody>
+            <a:bodyPr wrap="none" rtlCol="0">
+              <a:spAutoFit/>
+            </a:bodyPr>
+            <a:lstStyle/>
+            <a:p>
+              <a:r>
+                <a:rPr lang="zh-CN" altLang="en-US" dirty="0"/>
+                <a:t>（≥</a:t>
+              </a:r>
+              <a:r>
+                <a:rPr lang="en-US" altLang="zh-CN" dirty="0"/>
+                <a:t>Mean ± 2*std</a:t>
+              </a:r>
+              <a:r>
+                <a:rPr lang="zh-CN" altLang="en-US" dirty="0"/>
+                <a:t>）</a:t>
+              </a:r>
+            </a:p>
+          </p:txBody>
+        </p:sp>
+      </p:grpSp>
+      <p:grpSp>
+        <p:nvGrpSpPr>
+          <p:cNvPr id="11" name="组合 10">
+            <a:extLst>
+              <a:ext uri="{FF2B5EF4-FFF2-40B4-BE49-F238E27FC236}">
+                <a16:creationId xmlns:a16="http://schemas.microsoft.com/office/drawing/2014/main" id="{FBF1924E-C713-7ADF-128D-C8B4E2B0708A}"/>
+              </a:ext>
+            </a:extLst>
+          </p:cNvPr>
+          <p:cNvGrpSpPr/>
+          <p:nvPr/>
+        </p:nvGrpSpPr>
+        <p:grpSpPr>
+          <a:xfrm>
+            <a:off x="7119554" y="1590100"/>
+            <a:ext cx="4285106" cy="369332"/>
+            <a:chOff x="7075713" y="1304740"/>
+            <a:chExt cx="4285106" cy="369332"/>
+          </a:xfrm>
+        </p:grpSpPr>
+        <p:sp>
+          <p:nvSpPr>
+            <p:cNvPr id="12" name="文本框 11">
+              <a:extLst>
+                <a:ext uri="{FF2B5EF4-FFF2-40B4-BE49-F238E27FC236}">
+                  <a16:creationId xmlns:a16="http://schemas.microsoft.com/office/drawing/2014/main" id="{F6F2F447-C3F4-13AD-E287-B4179616704A}"/>
+                </a:ext>
+              </a:extLst>
+            </p:cNvPr>
+            <p:cNvSpPr txBox="1"/>
+            <p:nvPr/>
+          </p:nvSpPr>
+          <p:spPr>
+            <a:xfrm>
+              <a:off x="7075713" y="1304740"/>
+              <a:ext cx="2326278" cy="369332"/>
+            </a:xfrm>
+            <a:prstGeom prst="rect">
+              <a:avLst/>
+            </a:prstGeom>
+            <a:noFill/>
+          </p:spPr>
+          <p:txBody>
+            <a:bodyPr wrap="none" rtlCol="0">
+              <a:spAutoFit/>
+            </a:bodyPr>
+            <a:lstStyle/>
+            <a:p>
+              <a:r>
+                <a:rPr lang="en-US" altLang="zh-CN" dirty="0"/>
+                <a:t>Low frequency outlier</a:t>
+              </a:r>
+              <a:endParaRPr lang="zh-CN" altLang="en-US" dirty="0"/>
+            </a:p>
+          </p:txBody>
+        </p:sp>
+        <p:sp>
+          <p:nvSpPr>
+            <p:cNvPr id="13" name="文本框 12">
+              <a:extLst>
+                <a:ext uri="{FF2B5EF4-FFF2-40B4-BE49-F238E27FC236}">
+                  <a16:creationId xmlns:a16="http://schemas.microsoft.com/office/drawing/2014/main" id="{CF23B606-D2EA-119C-62A7-65457FC50499}"/>
+                </a:ext>
+              </a:extLst>
+            </p:cNvPr>
+            <p:cNvSpPr txBox="1"/>
+            <p:nvPr/>
+          </p:nvSpPr>
+          <p:spPr>
+            <a:xfrm>
+              <a:off x="9125912" y="1304740"/>
+              <a:ext cx="2234907" cy="369332"/>
+            </a:xfrm>
+            <a:prstGeom prst="rect">
+              <a:avLst/>
+            </a:prstGeom>
+            <a:noFill/>
+          </p:spPr>
+          <p:txBody>
+            <a:bodyPr wrap="none" rtlCol="0">
+              <a:spAutoFit/>
+            </a:bodyPr>
+            <a:lstStyle/>
+            <a:p>
+              <a:r>
+                <a:rPr lang="zh-CN" altLang="en-US" dirty="0"/>
+                <a:t>（≤</a:t>
+              </a:r>
+              <a:r>
+                <a:rPr lang="en-US" altLang="zh-CN" dirty="0"/>
+                <a:t>Mean ± 2*std</a:t>
+              </a:r>
+              <a:r>
+                <a:rPr lang="zh-CN" altLang="en-US" dirty="0"/>
+                <a:t>）</a:t>
+              </a:r>
+            </a:p>
+          </p:txBody>
+        </p:sp>
+      </p:grpSp>
+    </p:spTree>
+    <p:extLst>
+      <p:ext uri="{BB962C8B-B14F-4D97-AF65-F5344CB8AC3E}">
+        <p14:creationId xmlns:p14="http://schemas.microsoft.com/office/powerpoint/2010/main" val="1878068754"/>
+      </p:ext>
+    </p:extLst>
+  </p:cSld>
+  <p:clrMapOvr>
+    <a:masterClrMapping/>
+  </p:clrMapOvr>
+</p:sld>
+</file>
+
+<file path=ppt/slides/slide41.xml><?xml version="1.0" encoding="utf-8"?>
+<p:sld xmlns:a="http://schemas.openxmlformats.org/drawingml/2006/main" xmlns:r="http://schemas.openxmlformats.org/officeDocument/2006/relationships" xmlns:p="http://schemas.openxmlformats.org/presentationml/2006/main">
+  <p:cSld>
+    <p:spTree>
+      <p:nvGrpSpPr>
+        <p:cNvPr id="1" name=""/>
+        <p:cNvGrpSpPr/>
+        <p:nvPr/>
+      </p:nvGrpSpPr>
+      <p:grpSpPr>
+        <a:xfrm>
+          <a:off x="0" y="0"/>
+          <a:ext cx="0" cy="0"/>
+          <a:chOff x="0" y="0"/>
+          <a:chExt cx="0" cy="0"/>
+        </a:xfrm>
+      </p:grpSpPr>
+      <p:pic>
+        <p:nvPicPr>
+          <p:cNvPr id="5" name="图片 4">
+            <a:extLst>
+              <a:ext uri="{FF2B5EF4-FFF2-40B4-BE49-F238E27FC236}">
+                <a16:creationId xmlns:a16="http://schemas.microsoft.com/office/drawing/2014/main" id="{E94E891C-BACB-C0E8-7D03-75B1D1CC61DF}"/>
+              </a:ext>
+            </a:extLst>
+          </p:cNvPr>
+          <p:cNvPicPr>
+            <a:picLocks noChangeAspect="1"/>
+          </p:cNvPicPr>
+          <p:nvPr/>
+        </p:nvPicPr>
+        <p:blipFill>
+          <a:blip r:embed="rId2"/>
+          <a:stretch>
+            <a:fillRect/>
+          </a:stretch>
+        </p:blipFill>
+        <p:spPr>
+          <a:xfrm>
+            <a:off x="0" y="191448"/>
+            <a:ext cx="12192000" cy="6475104"/>
+          </a:xfrm>
+          <a:prstGeom prst="rect">
+            <a:avLst/>
+          </a:prstGeom>
+        </p:spPr>
+      </p:pic>
+      <p:sp>
+        <p:nvSpPr>
+          <p:cNvPr id="6" name="文本框 5">
+            <a:extLst>
+              <a:ext uri="{FF2B5EF4-FFF2-40B4-BE49-F238E27FC236}">
+                <a16:creationId xmlns:a16="http://schemas.microsoft.com/office/drawing/2014/main" id="{4B4E85FF-8DFA-A261-3C82-E7C0A52B42E2}"/>
+              </a:ext>
+            </a:extLst>
+          </p:cNvPr>
+          <p:cNvSpPr txBox="1"/>
+          <p:nvPr/>
+        </p:nvSpPr>
+        <p:spPr>
+          <a:xfrm>
+            <a:off x="223520" y="110168"/>
+            <a:ext cx="3299301" cy="369332"/>
+          </a:xfrm>
+          <a:prstGeom prst="rect">
+            <a:avLst/>
+          </a:prstGeom>
+          <a:noFill/>
+        </p:spPr>
+        <p:txBody>
+          <a:bodyPr wrap="none" rtlCol="0">
+            <a:spAutoFit/>
+          </a:bodyPr>
+          <a:lstStyle/>
+          <a:p>
+            <a:r>
+              <a:rPr lang="en-US" altLang="zh-CN" dirty="0" err="1"/>
+              <a:t>thriple</a:t>
+            </a:r>
+            <a:r>
+              <a:rPr lang="en-US" altLang="zh-CN" dirty="0"/>
+              <a:t>-base in high </a:t>
+            </a:r>
+            <a:r>
+              <a:rPr lang="en-US" altLang="zh-CN" dirty="0" err="1"/>
+              <a:t>freq</a:t>
+            </a:r>
+            <a:r>
+              <a:rPr lang="en-US" altLang="zh-CN" dirty="0"/>
+              <a:t> region</a:t>
+            </a:r>
+            <a:endParaRPr lang="zh-CN" altLang="en-US" dirty="0"/>
+          </a:p>
+        </p:txBody>
+      </p:sp>
+    </p:spTree>
+    <p:extLst>
+      <p:ext uri="{BB962C8B-B14F-4D97-AF65-F5344CB8AC3E}">
+        <p14:creationId xmlns:p14="http://schemas.microsoft.com/office/powerpoint/2010/main" val="621864832"/>
+      </p:ext>
+    </p:extLst>
+  </p:cSld>
+  <p:clrMapOvr>
+    <a:masterClrMapping/>
+  </p:clrMapOvr>
+</p:sld>
+</file>
+
+<file path=ppt/slides/slide42.xml><?xml version="1.0" encoding="utf-8"?>
+<p:sld xmlns:a="http://schemas.openxmlformats.org/drawingml/2006/main" xmlns:r="http://schemas.openxmlformats.org/officeDocument/2006/relationships" xmlns:p="http://schemas.openxmlformats.org/presentationml/2006/main">
+  <p:cSld>
+    <p:spTree>
+      <p:nvGrpSpPr>
+        <p:cNvPr id="1" name=""/>
+        <p:cNvGrpSpPr/>
+        <p:nvPr/>
+      </p:nvGrpSpPr>
+      <p:grpSpPr>
+        <a:xfrm>
+          <a:off x="0" y="0"/>
+          <a:ext cx="0" cy="0"/>
+          <a:chOff x="0" y="0"/>
+          <a:chExt cx="0" cy="0"/>
+        </a:xfrm>
+      </p:grpSpPr>
+      <p:pic>
+        <p:nvPicPr>
+          <p:cNvPr id="5" name="图片 4">
+            <a:extLst>
+              <a:ext uri="{FF2B5EF4-FFF2-40B4-BE49-F238E27FC236}">
+                <a16:creationId xmlns:a16="http://schemas.microsoft.com/office/drawing/2014/main" id="{DC02450D-83FC-A756-80C8-703526D65872}"/>
+              </a:ext>
+            </a:extLst>
+          </p:cNvPr>
+          <p:cNvPicPr>
+            <a:picLocks noChangeAspect="1"/>
+          </p:cNvPicPr>
+          <p:nvPr/>
+        </p:nvPicPr>
+        <p:blipFill>
+          <a:blip r:embed="rId2"/>
+          <a:stretch>
+            <a:fillRect/>
+          </a:stretch>
+        </p:blipFill>
+        <p:spPr>
+          <a:xfrm>
+            <a:off x="0" y="168524"/>
+            <a:ext cx="12192000" cy="6520952"/>
+          </a:xfrm>
+          <a:prstGeom prst="rect">
+            <a:avLst/>
+          </a:prstGeom>
+        </p:spPr>
+      </p:pic>
+      <p:sp>
+        <p:nvSpPr>
+          <p:cNvPr id="6" name="文本框 5">
+            <a:extLst>
+              <a:ext uri="{FF2B5EF4-FFF2-40B4-BE49-F238E27FC236}">
+                <a16:creationId xmlns:a16="http://schemas.microsoft.com/office/drawing/2014/main" id="{47A02DEF-3DCE-B440-EE1C-C57A2A40CE77}"/>
+              </a:ext>
+            </a:extLst>
+          </p:cNvPr>
+          <p:cNvSpPr txBox="1"/>
+          <p:nvPr/>
+        </p:nvSpPr>
+        <p:spPr>
+          <a:xfrm>
+            <a:off x="223520" y="110168"/>
+            <a:ext cx="3207929" cy="369332"/>
+          </a:xfrm>
+          <a:prstGeom prst="rect">
+            <a:avLst/>
+          </a:prstGeom>
+          <a:noFill/>
+        </p:spPr>
+        <p:txBody>
+          <a:bodyPr wrap="none" rtlCol="0">
+            <a:spAutoFit/>
+          </a:bodyPr>
+          <a:lstStyle/>
+          <a:p>
+            <a:r>
+              <a:rPr lang="en-US" altLang="zh-CN" dirty="0" err="1"/>
+              <a:t>thriple</a:t>
+            </a:r>
+            <a:r>
+              <a:rPr lang="en-US" altLang="zh-CN" dirty="0"/>
+              <a:t>-base in low </a:t>
+            </a:r>
+            <a:r>
+              <a:rPr lang="en-US" altLang="zh-CN" dirty="0" err="1"/>
+              <a:t>freq</a:t>
+            </a:r>
+            <a:r>
+              <a:rPr lang="en-US" altLang="zh-CN" dirty="0"/>
+              <a:t> region</a:t>
+            </a:r>
+            <a:endParaRPr lang="zh-CN" altLang="en-US" dirty="0"/>
+          </a:p>
+        </p:txBody>
+      </p:sp>
+    </p:spTree>
+    <p:extLst>
+      <p:ext uri="{BB962C8B-B14F-4D97-AF65-F5344CB8AC3E}">
+        <p14:creationId xmlns:p14="http://schemas.microsoft.com/office/powerpoint/2010/main" val="3978207397"/>
+      </p:ext>
+    </p:extLst>
+  </p:cSld>
+  <p:clrMapOvr>
+    <a:masterClrMapping/>
+  </p:clrMapOvr>
+</p:sld>
+</file>
+
+<file path=ppt/slides/slide43.xml><?xml version="1.0" encoding="utf-8"?>
+<p:sld xmlns:a="http://schemas.openxmlformats.org/drawingml/2006/main" xmlns:r="http://schemas.openxmlformats.org/officeDocument/2006/relationships" xmlns:p="http://schemas.openxmlformats.org/presentationml/2006/main">
+  <p:cSld>
+    <p:spTree>
+      <p:nvGrpSpPr>
+        <p:cNvPr id="1" name=""/>
+        <p:cNvGrpSpPr/>
+        <p:nvPr/>
+      </p:nvGrpSpPr>
+      <p:grpSpPr>
+        <a:xfrm>
+          <a:off x="0" y="0"/>
+          <a:ext cx="0" cy="0"/>
+          <a:chOff x="0" y="0"/>
+          <a:chExt cx="0" cy="0"/>
+        </a:xfrm>
+      </p:grpSpPr>
+      <p:pic>
+        <p:nvPicPr>
+          <p:cNvPr id="5" name="图片 4">
+            <a:extLst>
+              <a:ext uri="{FF2B5EF4-FFF2-40B4-BE49-F238E27FC236}">
+                <a16:creationId xmlns:a16="http://schemas.microsoft.com/office/drawing/2014/main" id="{51A083D6-F52B-85C6-C825-1A1971ED209E}"/>
+              </a:ext>
+            </a:extLst>
+          </p:cNvPr>
+          <p:cNvPicPr>
+            <a:picLocks noChangeAspect="1"/>
+          </p:cNvPicPr>
+          <p:nvPr/>
+        </p:nvPicPr>
+        <p:blipFill>
+          <a:blip r:embed="rId2"/>
+          <a:stretch>
+            <a:fillRect/>
+          </a:stretch>
+        </p:blipFill>
+        <p:spPr>
+          <a:xfrm>
+            <a:off x="2162500" y="853440"/>
+            <a:ext cx="7672380" cy="5714216"/>
+          </a:xfrm>
+          <a:prstGeom prst="rect">
+            <a:avLst/>
+          </a:prstGeom>
+        </p:spPr>
+      </p:pic>
+      <p:sp>
+        <p:nvSpPr>
+          <p:cNvPr id="6" name="文本框 5">
+            <a:extLst>
+              <a:ext uri="{FF2B5EF4-FFF2-40B4-BE49-F238E27FC236}">
+                <a16:creationId xmlns:a16="http://schemas.microsoft.com/office/drawing/2014/main" id="{1B4923EA-D998-F741-6A69-94C2F35CD979}"/>
+              </a:ext>
+            </a:extLst>
+          </p:cNvPr>
+          <p:cNvSpPr txBox="1"/>
+          <p:nvPr/>
+        </p:nvSpPr>
+        <p:spPr>
+          <a:xfrm>
+            <a:off x="2519680" y="484108"/>
+            <a:ext cx="2321469" cy="369332"/>
+          </a:xfrm>
+          <a:prstGeom prst="rect">
+            <a:avLst/>
+          </a:prstGeom>
+          <a:noFill/>
+        </p:spPr>
+        <p:txBody>
+          <a:bodyPr wrap="none" rtlCol="0">
+            <a:spAutoFit/>
+          </a:bodyPr>
+          <a:lstStyle/>
+          <a:p>
+            <a:r>
+              <a:rPr lang="en-US" altLang="zh-CN" dirty="0"/>
+              <a:t>Residue</a:t>
+            </a:r>
+            <a:r>
+              <a:rPr lang="zh-CN" altLang="en-US" dirty="0"/>
+              <a:t>（</a:t>
+            </a:r>
+            <a:r>
+              <a:rPr lang="en-US" altLang="zh-CN" dirty="0"/>
+              <a:t>high-low</a:t>
+            </a:r>
+            <a:r>
+              <a:rPr lang="zh-CN" altLang="en-US" dirty="0"/>
+              <a:t>）</a:t>
+            </a:r>
+          </a:p>
+        </p:txBody>
+      </p:sp>
+    </p:spTree>
+    <p:extLst>
+      <p:ext uri="{BB962C8B-B14F-4D97-AF65-F5344CB8AC3E}">
+        <p14:creationId xmlns:p14="http://schemas.microsoft.com/office/powerpoint/2010/main" val="442906832"/>
+      </p:ext>
+    </p:extLst>
+  </p:cSld>
+  <p:clrMapOvr>
+    <a:masterClrMapping/>
+  </p:clrMapOvr>
+</p:sld>
+</file>
+
+<file path=ppt/slides/slide44.xml><?xml version="1.0" encoding="utf-8"?>
+<p:sld xmlns:a="http://schemas.openxmlformats.org/drawingml/2006/main" xmlns:r="http://schemas.openxmlformats.org/officeDocument/2006/relationships" xmlns:p="http://schemas.openxmlformats.org/presentationml/2006/main">
+  <p:cSld>
+    <p:spTree>
+      <p:nvGrpSpPr>
+        <p:cNvPr id="1" name=""/>
+        <p:cNvGrpSpPr/>
+        <p:nvPr/>
+      </p:nvGrpSpPr>
+      <p:grpSpPr>
+        <a:xfrm>
+          <a:off x="0" y="0"/>
+          <a:ext cx="0" cy="0"/>
+          <a:chOff x="0" y="0"/>
+          <a:chExt cx="0" cy="0"/>
+        </a:xfrm>
+      </p:grpSpPr>
+      <p:pic>
+        <p:nvPicPr>
+          <p:cNvPr id="5" name="图片 4">
+            <a:extLst>
+              <a:ext uri="{FF2B5EF4-FFF2-40B4-BE49-F238E27FC236}">
+                <a16:creationId xmlns:a16="http://schemas.microsoft.com/office/drawing/2014/main" id="{6C3846E1-26D8-99B6-8B75-B94471EEF714}"/>
+              </a:ext>
+            </a:extLst>
+          </p:cNvPr>
+          <p:cNvPicPr>
+            <a:picLocks noChangeAspect="1"/>
+          </p:cNvPicPr>
+          <p:nvPr/>
+        </p:nvPicPr>
+        <p:blipFill>
+          <a:blip r:embed="rId2"/>
+          <a:stretch>
+            <a:fillRect/>
+          </a:stretch>
+        </p:blipFill>
+        <p:spPr>
+          <a:xfrm>
+            <a:off x="1930514" y="853440"/>
+            <a:ext cx="8330972" cy="6004560"/>
+          </a:xfrm>
+          <a:prstGeom prst="rect">
+            <a:avLst/>
+          </a:prstGeom>
+        </p:spPr>
+      </p:pic>
+      <p:sp>
+        <p:nvSpPr>
+          <p:cNvPr id="6" name="文本框 5">
+            <a:extLst>
+              <a:ext uri="{FF2B5EF4-FFF2-40B4-BE49-F238E27FC236}">
+                <a16:creationId xmlns:a16="http://schemas.microsoft.com/office/drawing/2014/main" id="{F38E0134-6C48-D010-2006-942CE58EFD75}"/>
+              </a:ext>
+            </a:extLst>
+          </p:cNvPr>
+          <p:cNvSpPr txBox="1"/>
+          <p:nvPr/>
+        </p:nvSpPr>
+        <p:spPr>
+          <a:xfrm>
+            <a:off x="2489200" y="587494"/>
+            <a:ext cx="1072730" cy="369332"/>
+          </a:xfrm>
+          <a:prstGeom prst="rect">
+            <a:avLst/>
+          </a:prstGeom>
+          <a:noFill/>
+        </p:spPr>
+        <p:txBody>
+          <a:bodyPr wrap="none" rtlCol="0">
+            <a:spAutoFit/>
+          </a:bodyPr>
+          <a:lstStyle/>
+          <a:p>
+            <a:r>
+              <a:rPr lang="en-US" altLang="zh-CN" dirty="0"/>
+              <a:t>High-std</a:t>
+            </a:r>
+            <a:endParaRPr lang="zh-CN" altLang="en-US" dirty="0"/>
+          </a:p>
+        </p:txBody>
+      </p:sp>
+    </p:spTree>
+    <p:extLst>
+      <p:ext uri="{BB962C8B-B14F-4D97-AF65-F5344CB8AC3E}">
+        <p14:creationId xmlns:p14="http://schemas.microsoft.com/office/powerpoint/2010/main" val="3894096423"/>
+      </p:ext>
+    </p:extLst>
+  </p:cSld>
+  <p:clrMapOvr>
+    <a:masterClrMapping/>
+  </p:clrMapOvr>
+</p:sld>
+</file>
+
+<file path=ppt/slides/slide45.xml><?xml version="1.0" encoding="utf-8"?>
+<p:sld xmlns:a="http://schemas.openxmlformats.org/drawingml/2006/main" xmlns:r="http://schemas.openxmlformats.org/officeDocument/2006/relationships" xmlns:p="http://schemas.openxmlformats.org/presentationml/2006/main">
+  <p:cSld>
+    <p:spTree>
+      <p:nvGrpSpPr>
+        <p:cNvPr id="1" name=""/>
+        <p:cNvGrpSpPr/>
+        <p:nvPr/>
+      </p:nvGrpSpPr>
+      <p:grpSpPr>
+        <a:xfrm>
+          <a:off x="0" y="0"/>
+          <a:ext cx="0" cy="0"/>
+          <a:chOff x="0" y="0"/>
+          <a:chExt cx="0" cy="0"/>
+        </a:xfrm>
+      </p:grpSpPr>
+      <p:pic>
+        <p:nvPicPr>
+          <p:cNvPr id="5" name="图片 4">
+            <a:extLst>
+              <a:ext uri="{FF2B5EF4-FFF2-40B4-BE49-F238E27FC236}">
+                <a16:creationId xmlns:a16="http://schemas.microsoft.com/office/drawing/2014/main" id="{854399FF-5209-860C-E09D-DF60938869BA}"/>
+              </a:ext>
+            </a:extLst>
+          </p:cNvPr>
+          <p:cNvPicPr>
+            <a:picLocks noChangeAspect="1"/>
+          </p:cNvPicPr>
+          <p:nvPr/>
+        </p:nvPicPr>
+        <p:blipFill>
+          <a:blip r:embed="rId2"/>
+          <a:stretch>
+            <a:fillRect/>
+          </a:stretch>
+        </p:blipFill>
+        <p:spPr>
+          <a:xfrm>
+            <a:off x="2114408" y="829046"/>
+            <a:ext cx="7963183" cy="6028954"/>
+          </a:xfrm>
+          <a:prstGeom prst="rect">
+            <a:avLst/>
+          </a:prstGeom>
+        </p:spPr>
+      </p:pic>
+      <p:sp>
+        <p:nvSpPr>
+          <p:cNvPr id="6" name="文本框 5">
+            <a:extLst>
+              <a:ext uri="{FF2B5EF4-FFF2-40B4-BE49-F238E27FC236}">
+                <a16:creationId xmlns:a16="http://schemas.microsoft.com/office/drawing/2014/main" id="{0590DB30-5F6B-774C-8940-C756AA2A2C8B}"/>
+              </a:ext>
+            </a:extLst>
+          </p:cNvPr>
+          <p:cNvSpPr txBox="1"/>
+          <p:nvPr/>
+        </p:nvSpPr>
+        <p:spPr>
+          <a:xfrm>
+            <a:off x="2611120" y="459714"/>
+            <a:ext cx="1003801" cy="369332"/>
+          </a:xfrm>
+          <a:prstGeom prst="rect">
+            <a:avLst/>
+          </a:prstGeom>
+          <a:noFill/>
+        </p:spPr>
+        <p:txBody>
+          <a:bodyPr wrap="none" rtlCol="0">
+            <a:spAutoFit/>
+          </a:bodyPr>
+          <a:lstStyle/>
+          <a:p>
+            <a:r>
+              <a:rPr lang="en-US" altLang="zh-CN" dirty="0"/>
+              <a:t>Low-std</a:t>
+            </a:r>
+            <a:endParaRPr lang="zh-CN" altLang="en-US" dirty="0"/>
+          </a:p>
+        </p:txBody>
+      </p:sp>
+      <p:sp>
+        <p:nvSpPr>
+          <p:cNvPr id="7" name="文本框 6">
+            <a:extLst>
+              <a:ext uri="{FF2B5EF4-FFF2-40B4-BE49-F238E27FC236}">
+                <a16:creationId xmlns:a16="http://schemas.microsoft.com/office/drawing/2014/main" id="{EDAE81FA-B3A8-30C9-A17B-ECBA7CE5525B}"/>
+              </a:ext>
+            </a:extLst>
+          </p:cNvPr>
+          <p:cNvSpPr txBox="1"/>
+          <p:nvPr/>
+        </p:nvSpPr>
+        <p:spPr>
+          <a:xfrm>
+            <a:off x="9343838" y="459714"/>
+            <a:ext cx="2460930" cy="369332"/>
+          </a:xfrm>
+          <a:prstGeom prst="rect">
+            <a:avLst/>
+          </a:prstGeom>
+          <a:noFill/>
+        </p:spPr>
+        <p:txBody>
+          <a:bodyPr wrap="none" rtlCol="0">
+            <a:spAutoFit/>
+          </a:bodyPr>
+          <a:lstStyle/>
+          <a:p>
+            <a:r>
+              <a:rPr lang="en-US" altLang="zh-CN" dirty="0"/>
+              <a:t>Percentage of A-T,G-C</a:t>
+            </a:r>
+            <a:endParaRPr lang="zh-CN" altLang="en-US" dirty="0"/>
+          </a:p>
+        </p:txBody>
+      </p:sp>
+    </p:spTree>
+    <p:extLst>
+      <p:ext uri="{BB962C8B-B14F-4D97-AF65-F5344CB8AC3E}">
+        <p14:creationId xmlns:p14="http://schemas.microsoft.com/office/powerpoint/2010/main" val="2863179465"/>
+      </p:ext>
+    </p:extLst>
+  </p:cSld>
+  <p:clrMapOvr>
+    <a:masterClrMapping/>
+  </p:clrMapOvr>
+</p:sld>
+</file>
+
+<file path=ppt/slides/slide46.xml><?xml version="1.0" encoding="utf-8"?>
+<p:sld xmlns:a="http://schemas.openxmlformats.org/drawingml/2006/main" xmlns:r="http://schemas.openxmlformats.org/officeDocument/2006/relationships" xmlns:p="http://schemas.openxmlformats.org/presentationml/2006/main">
+  <p:cSld>
+    <p:spTree>
+      <p:nvGrpSpPr>
+        <p:cNvPr id="1" name=""/>
+        <p:cNvGrpSpPr/>
+        <p:nvPr/>
+      </p:nvGrpSpPr>
+      <p:grpSpPr>
+        <a:xfrm>
+          <a:off x="0" y="0"/>
+          <a:ext cx="0" cy="0"/>
+          <a:chOff x="0" y="0"/>
+          <a:chExt cx="0" cy="0"/>
+        </a:xfrm>
+      </p:grpSpPr>
+      <p:pic>
+        <p:nvPicPr>
+          <p:cNvPr id="9" name="图片 8">
+            <a:extLst>
+              <a:ext uri="{FF2B5EF4-FFF2-40B4-BE49-F238E27FC236}">
+                <a16:creationId xmlns:a16="http://schemas.microsoft.com/office/drawing/2014/main" id="{CA1CDB6E-C3A3-9834-E4F1-0B9E2BA184AE}"/>
+              </a:ext>
+            </a:extLst>
+          </p:cNvPr>
+          <p:cNvPicPr>
+            <a:picLocks noChangeAspect="1"/>
+          </p:cNvPicPr>
+          <p:nvPr/>
+        </p:nvPicPr>
+        <p:blipFill>
+          <a:blip r:embed="rId2"/>
+          <a:stretch>
+            <a:fillRect/>
+          </a:stretch>
+        </p:blipFill>
+        <p:spPr>
+          <a:xfrm>
+            <a:off x="278535" y="1262181"/>
+            <a:ext cx="1733550" cy="4086225"/>
+          </a:xfrm>
+          <a:prstGeom prst="rect">
+            <a:avLst/>
+          </a:prstGeom>
+        </p:spPr>
+      </p:pic>
+      <p:sp>
+        <p:nvSpPr>
+          <p:cNvPr id="10" name="文本框 9">
+            <a:extLst>
+              <a:ext uri="{FF2B5EF4-FFF2-40B4-BE49-F238E27FC236}">
+                <a16:creationId xmlns:a16="http://schemas.microsoft.com/office/drawing/2014/main" id="{28227589-8D09-1ECA-E8EC-A44ED7AABE1C}"/>
+              </a:ext>
+            </a:extLst>
+          </p:cNvPr>
+          <p:cNvSpPr txBox="1"/>
+          <p:nvPr/>
+        </p:nvSpPr>
+        <p:spPr>
+          <a:xfrm>
+            <a:off x="241056" y="5163740"/>
+            <a:ext cx="1808508" cy="369332"/>
+          </a:xfrm>
+          <a:prstGeom prst="rect">
+            <a:avLst/>
+          </a:prstGeom>
+          <a:noFill/>
+        </p:spPr>
+        <p:txBody>
+          <a:bodyPr wrap="none" rtlCol="0">
+            <a:spAutoFit/>
+          </a:bodyPr>
+          <a:lstStyle/>
+          <a:p>
+            <a:r>
+              <a:rPr lang="en-US" altLang="zh-CN" b="1" dirty="0"/>
+              <a:t>A/T percentage</a:t>
+            </a:r>
+            <a:endParaRPr lang="zh-CN" altLang="en-US" b="1" dirty="0"/>
+          </a:p>
+        </p:txBody>
+      </p:sp>
+      <p:grpSp>
+        <p:nvGrpSpPr>
+          <p:cNvPr id="24" name="组合 23">
+            <a:extLst>
+              <a:ext uri="{FF2B5EF4-FFF2-40B4-BE49-F238E27FC236}">
+                <a16:creationId xmlns:a16="http://schemas.microsoft.com/office/drawing/2014/main" id="{6AB1F053-DB9E-23E1-5E98-0C5FC19A60BB}"/>
+              </a:ext>
+            </a:extLst>
+          </p:cNvPr>
+          <p:cNvGrpSpPr/>
+          <p:nvPr/>
+        </p:nvGrpSpPr>
+        <p:grpSpPr>
+          <a:xfrm>
+            <a:off x="2207895" y="126772"/>
+            <a:ext cx="9984105" cy="2701725"/>
+            <a:chOff x="2219499" y="469044"/>
+            <a:chExt cx="9984105" cy="2701725"/>
+          </a:xfrm>
+        </p:grpSpPr>
+        <p:grpSp>
+          <p:nvGrpSpPr>
+            <p:cNvPr id="16" name="组合 15">
+              <a:extLst>
+                <a:ext uri="{FF2B5EF4-FFF2-40B4-BE49-F238E27FC236}">
+                  <a16:creationId xmlns:a16="http://schemas.microsoft.com/office/drawing/2014/main" id="{4F4D9A49-213B-3BC5-F941-21C8505C894A}"/>
+                </a:ext>
+              </a:extLst>
+            </p:cNvPr>
+            <p:cNvGrpSpPr/>
+            <p:nvPr/>
+          </p:nvGrpSpPr>
+          <p:grpSpPr>
+            <a:xfrm>
+              <a:off x="2219499" y="498682"/>
+              <a:ext cx="9984105" cy="2672087"/>
+              <a:chOff x="2207895" y="1262181"/>
+              <a:chExt cx="9984105" cy="2672087"/>
+            </a:xfrm>
+          </p:grpSpPr>
+          <p:pic>
+            <p:nvPicPr>
+              <p:cNvPr id="12" name="图片 11">
+                <a:extLst>
+                  <a:ext uri="{FF2B5EF4-FFF2-40B4-BE49-F238E27FC236}">
+                    <a16:creationId xmlns:a16="http://schemas.microsoft.com/office/drawing/2014/main" id="{55D71D7B-3265-9464-34FA-1D06094A9A31}"/>
+                  </a:ext>
+                </a:extLst>
+              </p:cNvPr>
+              <p:cNvPicPr>
+                <a:picLocks noChangeAspect="1"/>
+              </p:cNvPicPr>
+              <p:nvPr/>
+            </p:nvPicPr>
+            <p:blipFill>
+              <a:blip r:embed="rId3"/>
+              <a:stretch>
+                <a:fillRect/>
+              </a:stretch>
+            </p:blipFill>
+            <p:spPr>
+              <a:xfrm>
+                <a:off x="2207895" y="1262181"/>
+                <a:ext cx="9984105" cy="1571572"/>
+              </a:xfrm>
+              <a:prstGeom prst="rect">
+                <a:avLst/>
+              </a:prstGeom>
+            </p:spPr>
+          </p:pic>
+          <p:pic>
+            <p:nvPicPr>
+              <p:cNvPr id="13" name="图片 12">
+                <a:extLst>
+                  <a:ext uri="{FF2B5EF4-FFF2-40B4-BE49-F238E27FC236}">
+                    <a16:creationId xmlns:a16="http://schemas.microsoft.com/office/drawing/2014/main" id="{E4D6E892-AB80-C757-A260-1EFAAF2307E3}"/>
+                  </a:ext>
+                </a:extLst>
+              </p:cNvPr>
+              <p:cNvPicPr>
+                <a:picLocks noChangeAspect="1"/>
+              </p:cNvPicPr>
+              <p:nvPr/>
+            </p:nvPicPr>
+            <p:blipFill>
+              <a:blip r:embed="rId4">
+                <a:clrChange>
+                  <a:clrFrom>
+                    <a:srgbClr val="FFFFFF"/>
+                  </a:clrFrom>
+                  <a:clrTo>
+                    <a:srgbClr val="FFFFFF">
+                      <a:alpha val="0"/>
+                    </a:srgbClr>
+                  </a:clrTo>
+                </a:clrChange>
+              </a:blip>
+              <a:stretch>
+                <a:fillRect/>
+              </a:stretch>
+            </p:blipFill>
+            <p:spPr>
+              <a:xfrm>
+                <a:off x="2326214" y="2678725"/>
+                <a:ext cx="9747465" cy="1255543"/>
+              </a:xfrm>
+              <a:prstGeom prst="rect">
+                <a:avLst/>
+              </a:prstGeom>
+            </p:spPr>
+          </p:pic>
+        </p:grpSp>
+        <p:sp>
+          <p:nvSpPr>
+            <p:cNvPr id="17" name="文本框 16">
+              <a:extLst>
+                <a:ext uri="{FF2B5EF4-FFF2-40B4-BE49-F238E27FC236}">
+                  <a16:creationId xmlns:a16="http://schemas.microsoft.com/office/drawing/2014/main" id="{E9F3F3E5-66C5-8D47-2488-85F4312EAA79}"/>
+                </a:ext>
+              </a:extLst>
+            </p:cNvPr>
+            <p:cNvSpPr txBox="1"/>
+            <p:nvPr/>
+          </p:nvSpPr>
+          <p:spPr>
+            <a:xfrm>
+              <a:off x="2611120" y="469044"/>
+              <a:ext cx="1808508" cy="369332"/>
+            </a:xfrm>
+            <a:prstGeom prst="rect">
+              <a:avLst/>
+            </a:prstGeom>
+            <a:noFill/>
+          </p:spPr>
+          <p:txBody>
+            <a:bodyPr wrap="none" rtlCol="0">
+              <a:spAutoFit/>
+            </a:bodyPr>
+            <a:lstStyle/>
+            <a:p>
+              <a:r>
+                <a:rPr lang="en-US" altLang="zh-CN" b="1" dirty="0"/>
+                <a:t>A/T percentage</a:t>
+              </a:r>
+              <a:endParaRPr lang="zh-CN" altLang="en-US" b="1" dirty="0"/>
+            </a:p>
+          </p:txBody>
+        </p:sp>
+        <p:sp>
+          <p:nvSpPr>
+            <p:cNvPr id="18" name="文本框 17">
+              <a:extLst>
+                <a:ext uri="{FF2B5EF4-FFF2-40B4-BE49-F238E27FC236}">
+                  <a16:creationId xmlns:a16="http://schemas.microsoft.com/office/drawing/2014/main" id="{22C7F6DA-932C-E868-B7DD-5F6D14CC5F2A}"/>
+                </a:ext>
+              </a:extLst>
+            </p:cNvPr>
+            <p:cNvSpPr txBox="1"/>
+            <p:nvPr/>
+          </p:nvSpPr>
+          <p:spPr>
+            <a:xfrm>
+              <a:off x="2611120" y="1730560"/>
+              <a:ext cx="920445" cy="369332"/>
+            </a:xfrm>
+            <a:prstGeom prst="rect">
+              <a:avLst/>
+            </a:prstGeom>
+            <a:noFill/>
+          </p:spPr>
+          <p:txBody>
+            <a:bodyPr wrap="none" rtlCol="0">
+              <a:spAutoFit/>
+            </a:bodyPr>
+            <a:lstStyle/>
+            <a:p>
+              <a:r>
+                <a:rPr lang="en-US" altLang="zh-CN" b="1" dirty="0"/>
+                <a:t>dumpy</a:t>
+              </a:r>
+              <a:endParaRPr lang="zh-CN" altLang="en-US" b="1" dirty="0"/>
+            </a:p>
+          </p:txBody>
+        </p:sp>
+      </p:grpSp>
+      <p:pic>
+        <p:nvPicPr>
+          <p:cNvPr id="20" name="图片 19">
+            <a:extLst>
+              <a:ext uri="{FF2B5EF4-FFF2-40B4-BE49-F238E27FC236}">
+                <a16:creationId xmlns:a16="http://schemas.microsoft.com/office/drawing/2014/main" id="{73AFDB70-99BC-6E6A-DC0F-5063E4F8451F}"/>
+              </a:ext>
+            </a:extLst>
+          </p:cNvPr>
+          <p:cNvPicPr>
+            <a:picLocks noChangeAspect="1"/>
+          </p:cNvPicPr>
+          <p:nvPr/>
+        </p:nvPicPr>
+        <p:blipFill>
+          <a:blip r:embed="rId5">
+            <a:clrChange>
+              <a:clrFrom>
+                <a:srgbClr val="FFFFFF"/>
+              </a:clrFrom>
+              <a:clrTo>
+                <a:srgbClr val="FFFFFF">
+                  <a:alpha val="0"/>
+                </a:srgbClr>
+              </a:clrTo>
+            </a:clrChange>
+          </a:blip>
+          <a:stretch>
+            <a:fillRect/>
+          </a:stretch>
+        </p:blipFill>
+        <p:spPr>
+          <a:xfrm>
+            <a:off x="2599517" y="2804832"/>
+            <a:ext cx="4393360" cy="3514688"/>
+          </a:xfrm>
+          <a:prstGeom prst="rect">
+            <a:avLst/>
+          </a:prstGeom>
+        </p:spPr>
+      </p:pic>
+      <p:sp>
+        <p:nvSpPr>
+          <p:cNvPr id="22" name="文本框 21">
+            <a:extLst>
+              <a:ext uri="{FF2B5EF4-FFF2-40B4-BE49-F238E27FC236}">
+                <a16:creationId xmlns:a16="http://schemas.microsoft.com/office/drawing/2014/main" id="{3A7E0957-A12B-78AD-E2C2-8F23321F0B6B}"/>
+              </a:ext>
+            </a:extLst>
+          </p:cNvPr>
+          <p:cNvSpPr txBox="1"/>
+          <p:nvPr/>
+        </p:nvSpPr>
+        <p:spPr>
+          <a:xfrm>
+            <a:off x="4092318" y="6189905"/>
+            <a:ext cx="1407758" cy="369332"/>
+          </a:xfrm>
+          <a:prstGeom prst="rect">
+            <a:avLst/>
+          </a:prstGeom>
+          <a:noFill/>
+        </p:spPr>
+        <p:txBody>
+          <a:bodyPr wrap="none" rtlCol="0">
+            <a:spAutoFit/>
+          </a:bodyPr>
+          <a:lstStyle/>
+          <a:p>
+            <a:r>
+              <a:rPr lang="en-US" altLang="zh-CN" b="1" dirty="0"/>
+              <a:t>P(A/T) – 0.6</a:t>
+            </a:r>
+            <a:endParaRPr lang="zh-CN" altLang="en-US" b="1" dirty="0"/>
+          </a:p>
+        </p:txBody>
+      </p:sp>
+      <p:sp>
+        <p:nvSpPr>
+          <p:cNvPr id="23" name="文本框 22">
+            <a:extLst>
+              <a:ext uri="{FF2B5EF4-FFF2-40B4-BE49-F238E27FC236}">
+                <a16:creationId xmlns:a16="http://schemas.microsoft.com/office/drawing/2014/main" id="{4A3FB13C-EEB2-B8CF-ACA4-B7E5C53ECE7F}"/>
+              </a:ext>
+            </a:extLst>
+          </p:cNvPr>
+          <p:cNvSpPr txBox="1"/>
+          <p:nvPr/>
+        </p:nvSpPr>
+        <p:spPr>
+          <a:xfrm rot="16200000">
+            <a:off x="1927377" y="4208154"/>
+            <a:ext cx="974947" cy="369332"/>
+          </a:xfrm>
+          <a:prstGeom prst="rect">
+            <a:avLst/>
+          </a:prstGeom>
+          <a:noFill/>
+        </p:spPr>
+        <p:txBody>
+          <a:bodyPr wrap="none" rtlCol="0">
+            <a:spAutoFit/>
+          </a:bodyPr>
+          <a:lstStyle/>
+          <a:p>
+            <a:r>
+              <a:rPr lang="en-US" altLang="zh-CN" b="1" dirty="0"/>
+              <a:t>P(MUT)</a:t>
+            </a:r>
+            <a:endParaRPr lang="zh-CN" altLang="en-US" b="1" dirty="0"/>
+          </a:p>
+        </p:txBody>
+      </p:sp>
+      <p:pic>
+        <p:nvPicPr>
+          <p:cNvPr id="26" name="图片 25">
+            <a:extLst>
+              <a:ext uri="{FF2B5EF4-FFF2-40B4-BE49-F238E27FC236}">
+                <a16:creationId xmlns:a16="http://schemas.microsoft.com/office/drawing/2014/main" id="{AA00F413-4373-A505-2FFF-F55D94DC4FE8}"/>
+              </a:ext>
+            </a:extLst>
+          </p:cNvPr>
+          <p:cNvPicPr>
+            <a:picLocks noChangeAspect="1"/>
+          </p:cNvPicPr>
+          <p:nvPr/>
+        </p:nvPicPr>
+        <p:blipFill>
+          <a:blip r:embed="rId6"/>
+          <a:stretch>
+            <a:fillRect/>
+          </a:stretch>
+        </p:blipFill>
+        <p:spPr>
+          <a:xfrm>
+            <a:off x="7520104" y="2934447"/>
+            <a:ext cx="4393361" cy="3255458"/>
+          </a:xfrm>
+          <a:prstGeom prst="rect">
+            <a:avLst/>
+          </a:prstGeom>
+        </p:spPr>
+      </p:pic>
+      <p:sp>
+        <p:nvSpPr>
+          <p:cNvPr id="27" name="文本框 26">
+            <a:extLst>
+              <a:ext uri="{FF2B5EF4-FFF2-40B4-BE49-F238E27FC236}">
+                <a16:creationId xmlns:a16="http://schemas.microsoft.com/office/drawing/2014/main" id="{8C911968-C787-C8FA-C887-4A01FA2FC84E}"/>
+              </a:ext>
+            </a:extLst>
+          </p:cNvPr>
+          <p:cNvSpPr txBox="1"/>
+          <p:nvPr/>
+        </p:nvSpPr>
+        <p:spPr>
+          <a:xfrm>
+            <a:off x="9012905" y="6111189"/>
+            <a:ext cx="1561646" cy="369332"/>
+          </a:xfrm>
+          <a:prstGeom prst="rect">
+            <a:avLst/>
+          </a:prstGeom>
+          <a:noFill/>
+        </p:spPr>
+        <p:txBody>
+          <a:bodyPr wrap="none" rtlCol="0">
+            <a:spAutoFit/>
+          </a:bodyPr>
+          <a:lstStyle/>
+          <a:p>
+            <a:r>
+              <a:rPr lang="en-US" altLang="zh-CN" b="1" dirty="0"/>
+              <a:t>(P(A/T) – 0.6)</a:t>
+            </a:r>
+            <a:endParaRPr lang="zh-CN" altLang="en-US" b="1" dirty="0"/>
+          </a:p>
+        </p:txBody>
+      </p:sp>
+      <p:sp>
+        <p:nvSpPr>
+          <p:cNvPr id="28" name="文本框 27">
+            <a:extLst>
+              <a:ext uri="{FF2B5EF4-FFF2-40B4-BE49-F238E27FC236}">
+                <a16:creationId xmlns:a16="http://schemas.microsoft.com/office/drawing/2014/main" id="{249C95E8-6DD1-2FAC-8F21-002EAF8332D1}"/>
+              </a:ext>
+            </a:extLst>
+          </p:cNvPr>
+          <p:cNvSpPr txBox="1"/>
+          <p:nvPr/>
+        </p:nvSpPr>
+        <p:spPr>
+          <a:xfrm>
+            <a:off x="10374099" y="6052029"/>
+            <a:ext cx="263214" cy="261610"/>
+          </a:xfrm>
+          <a:prstGeom prst="rect">
+            <a:avLst/>
+          </a:prstGeom>
+          <a:noFill/>
+        </p:spPr>
+        <p:txBody>
+          <a:bodyPr wrap="none" rtlCol="0">
+            <a:spAutoFit/>
+          </a:bodyPr>
+          <a:lstStyle/>
+          <a:p>
+            <a:r>
+              <a:rPr lang="en-US" altLang="zh-CN" sz="1100" b="1" dirty="0"/>
+              <a:t>2</a:t>
+            </a:r>
+            <a:endParaRPr lang="zh-CN" altLang="en-US" sz="1100" b="1" dirty="0"/>
+          </a:p>
+        </p:txBody>
+      </p:sp>
+      <p:sp>
+        <p:nvSpPr>
+          <p:cNvPr id="29" name="文本框 28">
+            <a:extLst>
+              <a:ext uri="{FF2B5EF4-FFF2-40B4-BE49-F238E27FC236}">
+                <a16:creationId xmlns:a16="http://schemas.microsoft.com/office/drawing/2014/main" id="{7EC4386A-11FE-7D53-0AD6-9718E4D95A10}"/>
+              </a:ext>
+            </a:extLst>
+          </p:cNvPr>
+          <p:cNvSpPr txBox="1"/>
+          <p:nvPr/>
+        </p:nvSpPr>
+        <p:spPr>
+          <a:xfrm rot="16200000">
+            <a:off x="6694359" y="4324535"/>
+            <a:ext cx="1380506" cy="369332"/>
+          </a:xfrm>
+          <a:prstGeom prst="rect">
+            <a:avLst/>
+          </a:prstGeom>
+          <a:noFill/>
+        </p:spPr>
+        <p:txBody>
+          <a:bodyPr wrap="none" rtlCol="0">
+            <a:spAutoFit/>
+          </a:bodyPr>
+          <a:lstStyle/>
+          <a:p>
+            <a:r>
+              <a:rPr lang="en-US" altLang="zh-CN" b="1" dirty="0"/>
+              <a:t>lg(P(MUT))</a:t>
+            </a:r>
+            <a:endParaRPr lang="zh-CN" altLang="en-US" b="1" dirty="0"/>
+          </a:p>
+        </p:txBody>
+      </p:sp>
+    </p:spTree>
+    <p:extLst>
+      <p:ext uri="{BB962C8B-B14F-4D97-AF65-F5344CB8AC3E}">
+        <p14:creationId xmlns:p14="http://schemas.microsoft.com/office/powerpoint/2010/main" val="4074431599"/>
+      </p:ext>
+    </p:extLst>
+  </p:cSld>
+  <p:clrMapOvr>
+    <a:masterClrMapping/>
+  </p:clrMapOvr>
+</p:sld>
+</file>
+
+<file path=ppt/slides/slide47.xml><?xml version="1.0" encoding="utf-8"?>
+<p:sld xmlns:a="http://schemas.openxmlformats.org/drawingml/2006/main" xmlns:r="http://schemas.openxmlformats.org/officeDocument/2006/relationships" xmlns:p="http://schemas.openxmlformats.org/presentationml/2006/main">
+  <p:cSld>
+    <p:spTree>
+      <p:nvGrpSpPr>
+        <p:cNvPr id="1" name=""/>
+        <p:cNvGrpSpPr/>
+        <p:nvPr/>
+      </p:nvGrpSpPr>
+      <p:grpSpPr>
+        <a:xfrm>
+          <a:off x="0" y="0"/>
+          <a:ext cx="0" cy="0"/>
+          <a:chOff x="0" y="0"/>
+          <a:chExt cx="0" cy="0"/>
+        </a:xfrm>
+      </p:grpSpPr>
+      <p:pic>
+        <p:nvPicPr>
+          <p:cNvPr id="5" name="图片 4">
+            <a:extLst>
+              <a:ext uri="{FF2B5EF4-FFF2-40B4-BE49-F238E27FC236}">
+                <a16:creationId xmlns:a16="http://schemas.microsoft.com/office/drawing/2014/main" id="{99B1FD45-3C58-771C-01B4-0C404BC1382C}"/>
+              </a:ext>
+            </a:extLst>
+          </p:cNvPr>
+          <p:cNvPicPr>
+            <a:picLocks noChangeAspect="1"/>
+          </p:cNvPicPr>
+          <p:nvPr/>
+        </p:nvPicPr>
+        <p:blipFill>
+          <a:blip r:embed="rId2"/>
+          <a:stretch>
+            <a:fillRect/>
+          </a:stretch>
+        </p:blipFill>
+        <p:spPr>
+          <a:xfrm>
+            <a:off x="304800" y="949960"/>
+            <a:ext cx="6062133" cy="4546600"/>
+          </a:xfrm>
+          <a:prstGeom prst="rect">
+            <a:avLst/>
+          </a:prstGeom>
+        </p:spPr>
+      </p:pic>
+      <p:sp>
+        <p:nvSpPr>
+          <p:cNvPr id="8" name="文本框 7">
+            <a:extLst>
+              <a:ext uri="{FF2B5EF4-FFF2-40B4-BE49-F238E27FC236}">
+                <a16:creationId xmlns:a16="http://schemas.microsoft.com/office/drawing/2014/main" id="{A2CFEB9A-D330-F68D-63D3-32CBF55F86C0}"/>
+              </a:ext>
+            </a:extLst>
+          </p:cNvPr>
+          <p:cNvSpPr txBox="1"/>
+          <p:nvPr/>
+        </p:nvSpPr>
+        <p:spPr>
+          <a:xfrm>
+            <a:off x="2476878" y="5311894"/>
+            <a:ext cx="1407758" cy="369332"/>
+          </a:xfrm>
+          <a:prstGeom prst="rect">
+            <a:avLst/>
+          </a:prstGeom>
+          <a:noFill/>
+        </p:spPr>
+        <p:txBody>
+          <a:bodyPr wrap="none" rtlCol="0">
+            <a:spAutoFit/>
+          </a:bodyPr>
+          <a:lstStyle/>
+          <a:p>
+            <a:r>
+              <a:rPr lang="en-US" altLang="zh-CN" b="1" dirty="0"/>
+              <a:t>P(A/T) – 0.6</a:t>
+            </a:r>
+            <a:endParaRPr lang="zh-CN" altLang="en-US" b="1" dirty="0"/>
+          </a:p>
+        </p:txBody>
+      </p:sp>
+      <p:sp>
+        <p:nvSpPr>
+          <p:cNvPr id="9" name="文本框 8">
+            <a:extLst>
+              <a:ext uri="{FF2B5EF4-FFF2-40B4-BE49-F238E27FC236}">
+                <a16:creationId xmlns:a16="http://schemas.microsoft.com/office/drawing/2014/main" id="{5CA47611-3F9E-2ADE-5B8D-1EAAB936E101}"/>
+              </a:ext>
+            </a:extLst>
+          </p:cNvPr>
+          <p:cNvSpPr txBox="1"/>
+          <p:nvPr/>
+        </p:nvSpPr>
+        <p:spPr>
+          <a:xfrm rot="16200000">
+            <a:off x="-302806" y="3038593"/>
+            <a:ext cx="974947" cy="369332"/>
+          </a:xfrm>
+          <a:prstGeom prst="rect">
+            <a:avLst/>
+          </a:prstGeom>
+          <a:noFill/>
+        </p:spPr>
+        <p:txBody>
+          <a:bodyPr wrap="none" rtlCol="0">
+            <a:spAutoFit/>
+          </a:bodyPr>
+          <a:lstStyle/>
+          <a:p>
+            <a:r>
+              <a:rPr lang="en-US" altLang="zh-CN" b="1" dirty="0"/>
+              <a:t>P(MUT)</a:t>
+            </a:r>
+            <a:endParaRPr lang="zh-CN" altLang="en-US" b="1" dirty="0"/>
+          </a:p>
+        </p:txBody>
+      </p:sp>
+      <p:sp>
+        <p:nvSpPr>
+          <p:cNvPr id="10" name="文本框 9">
+            <a:extLst>
+              <a:ext uri="{FF2B5EF4-FFF2-40B4-BE49-F238E27FC236}">
+                <a16:creationId xmlns:a16="http://schemas.microsoft.com/office/drawing/2014/main" id="{0CB73060-C5D7-CB80-7E20-916299E3F320}"/>
+              </a:ext>
+            </a:extLst>
+          </p:cNvPr>
+          <p:cNvSpPr txBox="1"/>
+          <p:nvPr/>
+        </p:nvSpPr>
+        <p:spPr>
+          <a:xfrm>
+            <a:off x="8539011" y="5311894"/>
+            <a:ext cx="1561646" cy="369332"/>
+          </a:xfrm>
+          <a:prstGeom prst="rect">
+            <a:avLst/>
+          </a:prstGeom>
+          <a:noFill/>
+        </p:spPr>
+        <p:txBody>
+          <a:bodyPr wrap="none" rtlCol="0">
+            <a:spAutoFit/>
+          </a:bodyPr>
+          <a:lstStyle/>
+          <a:p>
+            <a:r>
+              <a:rPr lang="en-US" altLang="zh-CN" b="1" dirty="0"/>
+              <a:t>(P(A/T) – 0.6)</a:t>
+            </a:r>
+            <a:endParaRPr lang="zh-CN" altLang="en-US" b="1" dirty="0"/>
+          </a:p>
+        </p:txBody>
+      </p:sp>
+      <p:sp>
+        <p:nvSpPr>
+          <p:cNvPr id="11" name="文本框 10">
+            <a:extLst>
+              <a:ext uri="{FF2B5EF4-FFF2-40B4-BE49-F238E27FC236}">
+                <a16:creationId xmlns:a16="http://schemas.microsoft.com/office/drawing/2014/main" id="{3CB10548-1875-3AFC-94BD-7A9FE73E4A2F}"/>
+              </a:ext>
+            </a:extLst>
+          </p:cNvPr>
+          <p:cNvSpPr txBox="1"/>
+          <p:nvPr/>
+        </p:nvSpPr>
+        <p:spPr>
+          <a:xfrm rot="16200000">
+            <a:off x="5752973" y="3038593"/>
+            <a:ext cx="1380506" cy="369332"/>
+          </a:xfrm>
+          <a:prstGeom prst="rect">
+            <a:avLst/>
+          </a:prstGeom>
+          <a:noFill/>
+        </p:spPr>
+        <p:txBody>
+          <a:bodyPr wrap="none" rtlCol="0">
+            <a:spAutoFit/>
+          </a:bodyPr>
+          <a:lstStyle/>
+          <a:p>
+            <a:r>
+              <a:rPr lang="en-US" altLang="zh-CN" b="1" dirty="0"/>
+              <a:t>lg(P(MUT))</a:t>
+            </a:r>
+            <a:endParaRPr lang="zh-CN" altLang="en-US" b="1" dirty="0"/>
+          </a:p>
+        </p:txBody>
+      </p:sp>
+      <p:sp>
+        <p:nvSpPr>
+          <p:cNvPr id="12" name="文本框 11">
+            <a:extLst>
+              <a:ext uri="{FF2B5EF4-FFF2-40B4-BE49-F238E27FC236}">
+                <a16:creationId xmlns:a16="http://schemas.microsoft.com/office/drawing/2014/main" id="{C4F6B7E9-3A1B-5049-9100-0CB426B08020}"/>
+              </a:ext>
+            </a:extLst>
+          </p:cNvPr>
+          <p:cNvSpPr txBox="1"/>
+          <p:nvPr/>
+        </p:nvSpPr>
+        <p:spPr>
+          <a:xfrm>
+            <a:off x="6950257" y="826869"/>
+            <a:ext cx="2339102" cy="646331"/>
+          </a:xfrm>
+          <a:prstGeom prst="rect">
+            <a:avLst/>
+          </a:prstGeom>
+          <a:noFill/>
+        </p:spPr>
+        <p:txBody>
+          <a:bodyPr wrap="none" rtlCol="0">
+            <a:spAutoFit/>
+          </a:bodyPr>
+          <a:lstStyle/>
+          <a:p>
+            <a:r>
+              <a:rPr lang="en-US" altLang="zh-CN" b="1" dirty="0"/>
+              <a:t>P=3.150339e-25</a:t>
+            </a:r>
+          </a:p>
+          <a:p>
+            <a:r>
+              <a:rPr lang="en-US" altLang="zh-CN" b="1" dirty="0"/>
+              <a:t>Spearman = -0.2286</a:t>
+            </a:r>
+            <a:endParaRPr lang="zh-CN" altLang="en-US" b="1" dirty="0"/>
+          </a:p>
+        </p:txBody>
+      </p:sp>
+      <p:pic>
+        <p:nvPicPr>
+          <p:cNvPr id="14" name="图片 13">
+            <a:extLst>
+              <a:ext uri="{FF2B5EF4-FFF2-40B4-BE49-F238E27FC236}">
+                <a16:creationId xmlns:a16="http://schemas.microsoft.com/office/drawing/2014/main" id="{757BF090-B87A-C5F2-F032-8623D2B5C030}"/>
+              </a:ext>
+            </a:extLst>
+          </p:cNvPr>
+          <p:cNvPicPr>
+            <a:picLocks noChangeAspect="1"/>
+          </p:cNvPicPr>
+          <p:nvPr/>
+        </p:nvPicPr>
+        <p:blipFill>
+          <a:blip r:embed="rId3">
+            <a:clrChange>
+              <a:clrFrom>
+                <a:srgbClr val="FFFFFF"/>
+              </a:clrFrom>
+              <a:clrTo>
+                <a:srgbClr val="FFFFFF">
+                  <a:alpha val="0"/>
+                </a:srgbClr>
+              </a:clrTo>
+            </a:clrChange>
+          </a:blip>
+          <a:stretch>
+            <a:fillRect/>
+          </a:stretch>
+        </p:blipFill>
+        <p:spPr>
+          <a:xfrm>
+            <a:off x="6627892" y="1335972"/>
+            <a:ext cx="5322935" cy="4048828"/>
+          </a:xfrm>
+          <a:prstGeom prst="rect">
+            <a:avLst/>
+          </a:prstGeom>
+        </p:spPr>
+      </p:pic>
+      <p:sp>
+        <p:nvSpPr>
+          <p:cNvPr id="15" name="文本框 14">
+            <a:extLst>
+              <a:ext uri="{FF2B5EF4-FFF2-40B4-BE49-F238E27FC236}">
+                <a16:creationId xmlns:a16="http://schemas.microsoft.com/office/drawing/2014/main" id="{EBBC248B-2E44-886B-34CB-48CDCEAE3051}"/>
+              </a:ext>
+            </a:extLst>
+          </p:cNvPr>
+          <p:cNvSpPr txBox="1"/>
+          <p:nvPr/>
+        </p:nvSpPr>
+        <p:spPr>
+          <a:xfrm>
+            <a:off x="9631680" y="2735785"/>
+            <a:ext cx="1980029" cy="369332"/>
+          </a:xfrm>
+          <a:prstGeom prst="rect">
+            <a:avLst/>
+          </a:prstGeom>
+          <a:noFill/>
+        </p:spPr>
+        <p:txBody>
+          <a:bodyPr wrap="none" rtlCol="0">
+            <a:spAutoFit/>
+          </a:bodyPr>
+          <a:lstStyle/>
+          <a:p>
+            <a:r>
+              <a:rPr lang="en-US" altLang="zh-CN" dirty="0"/>
+              <a:t>y = -21.59x-7.587</a:t>
+            </a:r>
+            <a:endParaRPr lang="zh-CN" altLang="en-US" dirty="0"/>
+          </a:p>
+        </p:txBody>
+      </p:sp>
+    </p:spTree>
+    <p:extLst>
+      <p:ext uri="{BB962C8B-B14F-4D97-AF65-F5344CB8AC3E}">
+        <p14:creationId xmlns:p14="http://schemas.microsoft.com/office/powerpoint/2010/main" val="2445243469"/>
       </p:ext>
     </p:extLst>
   </p:cSld>
